--- a/大学生信用评估系统.pptx
+++ b/大学生信用评估系统.pptx
@@ -4,6 +4,9 @@
   <p:sldMasterIdLst>
     <p:sldMasterId id="2147483648" r:id="rId1"/>
   </p:sldMasterIdLst>
+  <p:notesMasterIdLst>
+    <p:notesMasterId r:id="rId17"/>
+  </p:notesMasterIdLst>
   <p:sldIdLst>
     <p:sldId id="256" r:id="rId2"/>
     <p:sldId id="277" r:id="rId3"/>
@@ -126,6 +129,1657 @@
 </p:presentation>
 </file>
 
+<file path=ppt/notesMasters/notesMaster1.xml><?xml version="1.0" encoding="utf-8"?>
+<p:notesMaster xmlns:a="http://schemas.openxmlformats.org/drawingml/2006/main" xmlns:r="http://schemas.openxmlformats.org/officeDocument/2006/relationships" xmlns:p="http://schemas.openxmlformats.org/presentationml/2006/main">
+  <p:cSld>
+    <p:bg>
+      <p:bgRef idx="1001">
+        <a:schemeClr val="bg1"/>
+      </p:bgRef>
+    </p:bg>
+    <p:spTree>
+      <p:nvGrpSpPr>
+        <p:cNvPr id="1" name=""/>
+        <p:cNvGrpSpPr/>
+        <p:nvPr/>
+      </p:nvGrpSpPr>
+      <p:grpSpPr>
+        <a:xfrm>
+          <a:off x="0" y="0"/>
+          <a:ext cx="0" cy="0"/>
+          <a:chOff x="0" y="0"/>
+          <a:chExt cx="0" cy="0"/>
+        </a:xfrm>
+      </p:grpSpPr>
+      <p:sp>
+        <p:nvSpPr>
+          <p:cNvPr id="2" name="页眉占位符 1"/>
+          <p:cNvSpPr>
+            <a:spLocks noGrp="1"/>
+          </p:cNvSpPr>
+          <p:nvPr>
+            <p:ph type="hdr" sz="quarter"/>
+          </p:nvPr>
+        </p:nvSpPr>
+        <p:spPr>
+          <a:xfrm>
+            <a:off x="0" y="0"/>
+            <a:ext cx="2971800" cy="458788"/>
+          </a:xfrm>
+          <a:prstGeom prst="rect">
+            <a:avLst/>
+          </a:prstGeom>
+        </p:spPr>
+        <p:txBody>
+          <a:bodyPr vert="horz" lIns="91440" tIns="45720" rIns="91440" bIns="45720" rtlCol="0"/>
+          <a:lstStyle>
+            <a:lvl1pPr algn="l">
+              <a:defRPr sz="1200"/>
+            </a:lvl1pPr>
+          </a:lstStyle>
+          <a:p>
+            <a:endParaRPr lang="zh-CN" altLang="en-US"/>
+          </a:p>
+        </p:txBody>
+      </p:sp>
+      <p:sp>
+        <p:nvSpPr>
+          <p:cNvPr id="3" name="日期占位符 2"/>
+          <p:cNvSpPr>
+            <a:spLocks noGrp="1"/>
+          </p:cNvSpPr>
+          <p:nvPr>
+            <p:ph type="dt" idx="1"/>
+          </p:nvPr>
+        </p:nvSpPr>
+        <p:spPr>
+          <a:xfrm>
+            <a:off x="3884613" y="0"/>
+            <a:ext cx="2971800" cy="458788"/>
+          </a:xfrm>
+          <a:prstGeom prst="rect">
+            <a:avLst/>
+          </a:prstGeom>
+        </p:spPr>
+        <p:txBody>
+          <a:bodyPr vert="horz" lIns="91440" tIns="45720" rIns="91440" bIns="45720" rtlCol="0"/>
+          <a:lstStyle>
+            <a:lvl1pPr algn="r">
+              <a:defRPr sz="1200"/>
+            </a:lvl1pPr>
+          </a:lstStyle>
+          <a:p>
+            <a:fld id="{F0BCB7ED-969E-42CD-9F8B-4AABC901B8F8}" type="datetimeFigureOut">
+              <a:rPr lang="zh-CN" altLang="en-US" smtClean="0"/>
+              <a:t>2019/5/20</a:t>
+            </a:fld>
+            <a:endParaRPr lang="zh-CN" altLang="en-US"/>
+          </a:p>
+        </p:txBody>
+      </p:sp>
+      <p:sp>
+        <p:nvSpPr>
+          <p:cNvPr id="4" name="幻灯片图像占位符 3"/>
+          <p:cNvSpPr>
+            <a:spLocks noGrp="1" noRot="1" noChangeAspect="1"/>
+          </p:cNvSpPr>
+          <p:nvPr>
+            <p:ph type="sldImg" idx="2"/>
+          </p:nvPr>
+        </p:nvSpPr>
+        <p:spPr>
+          <a:xfrm>
+            <a:off x="685800" y="1143000"/>
+            <a:ext cx="5486400" cy="3086100"/>
+          </a:xfrm>
+          <a:prstGeom prst="rect">
+            <a:avLst/>
+          </a:prstGeom>
+          <a:noFill/>
+          <a:ln w="12700">
+            <a:solidFill>
+              <a:prstClr val="black"/>
+            </a:solidFill>
+          </a:ln>
+        </p:spPr>
+        <p:txBody>
+          <a:bodyPr vert="horz" lIns="91440" tIns="45720" rIns="91440" bIns="45720" rtlCol="0" anchor="ctr"/>
+          <a:lstStyle/>
+          <a:p>
+            <a:endParaRPr lang="zh-CN" altLang="en-US"/>
+          </a:p>
+        </p:txBody>
+      </p:sp>
+      <p:sp>
+        <p:nvSpPr>
+          <p:cNvPr id="5" name="备注占位符 4"/>
+          <p:cNvSpPr>
+            <a:spLocks noGrp="1"/>
+          </p:cNvSpPr>
+          <p:nvPr>
+            <p:ph type="body" sz="quarter" idx="3"/>
+          </p:nvPr>
+        </p:nvSpPr>
+        <p:spPr>
+          <a:xfrm>
+            <a:off x="685800" y="4400550"/>
+            <a:ext cx="5486400" cy="3600450"/>
+          </a:xfrm>
+          <a:prstGeom prst="rect">
+            <a:avLst/>
+          </a:prstGeom>
+        </p:spPr>
+        <p:txBody>
+          <a:bodyPr vert="horz" lIns="91440" tIns="45720" rIns="91440" bIns="45720" rtlCol="0"/>
+          <a:lstStyle/>
+          <a:p>
+            <a:pPr lvl="0"/>
+            <a:r>
+              <a:rPr lang="zh-CN" altLang="en-US" smtClean="0"/>
+              <a:t>编辑母版文本样式</a:t>
+            </a:r>
+          </a:p>
+          <a:p>
+            <a:pPr lvl="1"/>
+            <a:r>
+              <a:rPr lang="zh-CN" altLang="en-US" smtClean="0"/>
+              <a:t>第二级</a:t>
+            </a:r>
+          </a:p>
+          <a:p>
+            <a:pPr lvl="2"/>
+            <a:r>
+              <a:rPr lang="zh-CN" altLang="en-US" smtClean="0"/>
+              <a:t>第三级</a:t>
+            </a:r>
+          </a:p>
+          <a:p>
+            <a:pPr lvl="3"/>
+            <a:r>
+              <a:rPr lang="zh-CN" altLang="en-US" smtClean="0"/>
+              <a:t>第四级</a:t>
+            </a:r>
+          </a:p>
+          <a:p>
+            <a:pPr lvl="4"/>
+            <a:r>
+              <a:rPr lang="zh-CN" altLang="en-US" smtClean="0"/>
+              <a:t>第五级</a:t>
+            </a:r>
+            <a:endParaRPr lang="zh-CN" altLang="en-US"/>
+          </a:p>
+        </p:txBody>
+      </p:sp>
+      <p:sp>
+        <p:nvSpPr>
+          <p:cNvPr id="6" name="页脚占位符 5"/>
+          <p:cNvSpPr>
+            <a:spLocks noGrp="1"/>
+          </p:cNvSpPr>
+          <p:nvPr>
+            <p:ph type="ftr" sz="quarter" idx="4"/>
+          </p:nvPr>
+        </p:nvSpPr>
+        <p:spPr>
+          <a:xfrm>
+            <a:off x="0" y="8685213"/>
+            <a:ext cx="2971800" cy="458787"/>
+          </a:xfrm>
+          <a:prstGeom prst="rect">
+            <a:avLst/>
+          </a:prstGeom>
+        </p:spPr>
+        <p:txBody>
+          <a:bodyPr vert="horz" lIns="91440" tIns="45720" rIns="91440" bIns="45720" rtlCol="0" anchor="b"/>
+          <a:lstStyle>
+            <a:lvl1pPr algn="l">
+              <a:defRPr sz="1200"/>
+            </a:lvl1pPr>
+          </a:lstStyle>
+          <a:p>
+            <a:endParaRPr lang="zh-CN" altLang="en-US"/>
+          </a:p>
+        </p:txBody>
+      </p:sp>
+      <p:sp>
+        <p:nvSpPr>
+          <p:cNvPr id="7" name="灯片编号占位符 6"/>
+          <p:cNvSpPr>
+            <a:spLocks noGrp="1"/>
+          </p:cNvSpPr>
+          <p:nvPr>
+            <p:ph type="sldNum" sz="quarter" idx="5"/>
+          </p:nvPr>
+        </p:nvSpPr>
+        <p:spPr>
+          <a:xfrm>
+            <a:off x="3884613" y="8685213"/>
+            <a:ext cx="2971800" cy="458787"/>
+          </a:xfrm>
+          <a:prstGeom prst="rect">
+            <a:avLst/>
+          </a:prstGeom>
+        </p:spPr>
+        <p:txBody>
+          <a:bodyPr vert="horz" lIns="91440" tIns="45720" rIns="91440" bIns="45720" rtlCol="0" anchor="b"/>
+          <a:lstStyle>
+            <a:lvl1pPr algn="r">
+              <a:defRPr sz="1200"/>
+            </a:lvl1pPr>
+          </a:lstStyle>
+          <a:p>
+            <a:fld id="{E397EF96-F819-43EF-A6A4-FE7EFEDDE444}" type="slidenum">
+              <a:rPr lang="zh-CN" altLang="en-US" smtClean="0"/>
+              <a:t>‹#›</a:t>
+            </a:fld>
+            <a:endParaRPr lang="zh-CN" altLang="en-US"/>
+          </a:p>
+        </p:txBody>
+      </p:sp>
+    </p:spTree>
+    <p:extLst>
+      <p:ext uri="{BB962C8B-B14F-4D97-AF65-F5344CB8AC3E}">
+        <p14:creationId xmlns:p14="http://schemas.microsoft.com/office/powerpoint/2010/main" val="3522312189"/>
+      </p:ext>
+    </p:extLst>
+  </p:cSld>
+  <p:clrMap bg1="lt1" tx1="dk1" bg2="lt2" tx2="dk2" accent1="accent1" accent2="accent2" accent3="accent3" accent4="accent4" accent5="accent5" accent6="accent6" hlink="hlink" folHlink="folHlink"/>
+  <p:notesStyle>
+    <a:lvl1pPr marL="0" algn="l" defTabSz="914400" rtl="0" eaLnBrk="1" latinLnBrk="0" hangingPunct="1">
+      <a:defRPr sz="1200" kern="1200">
+        <a:solidFill>
+          <a:schemeClr val="tx1"/>
+        </a:solidFill>
+        <a:latin typeface="+mn-lt"/>
+        <a:ea typeface="+mn-ea"/>
+        <a:cs typeface="+mn-cs"/>
+      </a:defRPr>
+    </a:lvl1pPr>
+    <a:lvl2pPr marL="457200" algn="l" defTabSz="914400" rtl="0" eaLnBrk="1" latinLnBrk="0" hangingPunct="1">
+      <a:defRPr sz="1200" kern="1200">
+        <a:solidFill>
+          <a:schemeClr val="tx1"/>
+        </a:solidFill>
+        <a:latin typeface="+mn-lt"/>
+        <a:ea typeface="+mn-ea"/>
+        <a:cs typeface="+mn-cs"/>
+      </a:defRPr>
+    </a:lvl2pPr>
+    <a:lvl3pPr marL="914400" algn="l" defTabSz="914400" rtl="0" eaLnBrk="1" latinLnBrk="0" hangingPunct="1">
+      <a:defRPr sz="1200" kern="1200">
+        <a:solidFill>
+          <a:schemeClr val="tx1"/>
+        </a:solidFill>
+        <a:latin typeface="+mn-lt"/>
+        <a:ea typeface="+mn-ea"/>
+        <a:cs typeface="+mn-cs"/>
+      </a:defRPr>
+    </a:lvl3pPr>
+    <a:lvl4pPr marL="1371600" algn="l" defTabSz="914400" rtl="0" eaLnBrk="1" latinLnBrk="0" hangingPunct="1">
+      <a:defRPr sz="1200" kern="1200">
+        <a:solidFill>
+          <a:schemeClr val="tx1"/>
+        </a:solidFill>
+        <a:latin typeface="+mn-lt"/>
+        <a:ea typeface="+mn-ea"/>
+        <a:cs typeface="+mn-cs"/>
+      </a:defRPr>
+    </a:lvl4pPr>
+    <a:lvl5pPr marL="1828800" algn="l" defTabSz="914400" rtl="0" eaLnBrk="1" latinLnBrk="0" hangingPunct="1">
+      <a:defRPr sz="1200" kern="1200">
+        <a:solidFill>
+          <a:schemeClr val="tx1"/>
+        </a:solidFill>
+        <a:latin typeface="+mn-lt"/>
+        <a:ea typeface="+mn-ea"/>
+        <a:cs typeface="+mn-cs"/>
+      </a:defRPr>
+    </a:lvl5pPr>
+    <a:lvl6pPr marL="2286000" algn="l" defTabSz="914400" rtl="0" eaLnBrk="1" latinLnBrk="0" hangingPunct="1">
+      <a:defRPr sz="1200" kern="1200">
+        <a:solidFill>
+          <a:schemeClr val="tx1"/>
+        </a:solidFill>
+        <a:latin typeface="+mn-lt"/>
+        <a:ea typeface="+mn-ea"/>
+        <a:cs typeface="+mn-cs"/>
+      </a:defRPr>
+    </a:lvl6pPr>
+    <a:lvl7pPr marL="2743200" algn="l" defTabSz="914400" rtl="0" eaLnBrk="1" latinLnBrk="0" hangingPunct="1">
+      <a:defRPr sz="1200" kern="1200">
+        <a:solidFill>
+          <a:schemeClr val="tx1"/>
+        </a:solidFill>
+        <a:latin typeface="+mn-lt"/>
+        <a:ea typeface="+mn-ea"/>
+        <a:cs typeface="+mn-cs"/>
+      </a:defRPr>
+    </a:lvl7pPr>
+    <a:lvl8pPr marL="3200400" algn="l" defTabSz="914400" rtl="0" eaLnBrk="1" latinLnBrk="0" hangingPunct="1">
+      <a:defRPr sz="1200" kern="1200">
+        <a:solidFill>
+          <a:schemeClr val="tx1"/>
+        </a:solidFill>
+        <a:latin typeface="+mn-lt"/>
+        <a:ea typeface="+mn-ea"/>
+        <a:cs typeface="+mn-cs"/>
+      </a:defRPr>
+    </a:lvl8pPr>
+    <a:lvl9pPr marL="3657600" algn="l" defTabSz="914400" rtl="0" eaLnBrk="1" latinLnBrk="0" hangingPunct="1">
+      <a:defRPr sz="1200" kern="1200">
+        <a:solidFill>
+          <a:schemeClr val="tx1"/>
+        </a:solidFill>
+        <a:latin typeface="+mn-lt"/>
+        <a:ea typeface="+mn-ea"/>
+        <a:cs typeface="+mn-cs"/>
+      </a:defRPr>
+    </a:lvl9pPr>
+  </p:notesStyle>
+</p:notesMaster>
+</file>
+
+<file path=ppt/notesSlides/notesSlide1.xml><?xml version="1.0" encoding="utf-8"?>
+<p:notes xmlns:a="http://schemas.openxmlformats.org/drawingml/2006/main" xmlns:r="http://schemas.openxmlformats.org/officeDocument/2006/relationships" xmlns:p="http://schemas.openxmlformats.org/presentationml/2006/main">
+  <p:cSld>
+    <p:spTree>
+      <p:nvGrpSpPr>
+        <p:cNvPr id="1" name=""/>
+        <p:cNvGrpSpPr/>
+        <p:nvPr/>
+      </p:nvGrpSpPr>
+      <p:grpSpPr>
+        <a:xfrm>
+          <a:off x="0" y="0"/>
+          <a:ext cx="0" cy="0"/>
+          <a:chOff x="0" y="0"/>
+          <a:chExt cx="0" cy="0"/>
+        </a:xfrm>
+      </p:grpSpPr>
+      <p:sp>
+        <p:nvSpPr>
+          <p:cNvPr id="2" name="幻灯片图像占位符 1"/>
+          <p:cNvSpPr>
+            <a:spLocks noGrp="1" noRot="1" noChangeAspect="1"/>
+          </p:cNvSpPr>
+          <p:nvPr>
+            <p:ph type="sldImg"/>
+          </p:nvPr>
+        </p:nvSpPr>
+        <p:spPr/>
+      </p:sp>
+      <p:sp>
+        <p:nvSpPr>
+          <p:cNvPr id="3" name="备注占位符 2"/>
+          <p:cNvSpPr>
+            <a:spLocks noGrp="1"/>
+          </p:cNvSpPr>
+          <p:nvPr>
+            <p:ph type="body" idx="1"/>
+          </p:nvPr>
+        </p:nvSpPr>
+        <p:spPr/>
+        <p:txBody>
+          <a:bodyPr/>
+          <a:lstStyle/>
+          <a:p>
+            <a:r>
+              <a:rPr lang="zh-CN" altLang="en-US" dirty="0" smtClean="0"/>
+              <a:t>同学们老师们大家好 我是杨逸辉 我的毕设题目是大学生信用评估系统的分析与设计</a:t>
+            </a:r>
+            <a:endParaRPr lang="zh-CN" altLang="en-US" dirty="0"/>
+          </a:p>
+        </p:txBody>
+      </p:sp>
+      <p:sp>
+        <p:nvSpPr>
+          <p:cNvPr id="4" name="灯片编号占位符 3"/>
+          <p:cNvSpPr>
+            <a:spLocks noGrp="1"/>
+          </p:cNvSpPr>
+          <p:nvPr>
+            <p:ph type="sldNum" sz="quarter" idx="10"/>
+          </p:nvPr>
+        </p:nvSpPr>
+        <p:spPr/>
+        <p:txBody>
+          <a:bodyPr/>
+          <a:lstStyle/>
+          <a:p>
+            <a:fld id="{E397EF96-F819-43EF-A6A4-FE7EFEDDE444}" type="slidenum">
+              <a:rPr lang="zh-CN" altLang="en-US" smtClean="0"/>
+              <a:t>1</a:t>
+            </a:fld>
+            <a:endParaRPr lang="zh-CN" altLang="en-US"/>
+          </a:p>
+        </p:txBody>
+      </p:sp>
+    </p:spTree>
+    <p:extLst>
+      <p:ext uri="{BB962C8B-B14F-4D97-AF65-F5344CB8AC3E}">
+        <p14:creationId xmlns:p14="http://schemas.microsoft.com/office/powerpoint/2010/main" val="3253703851"/>
+      </p:ext>
+    </p:extLst>
+  </p:cSld>
+  <p:clrMapOvr>
+    <a:masterClrMapping/>
+  </p:clrMapOvr>
+</p:notes>
+</file>
+
+<file path=ppt/notesSlides/notesSlide10.xml><?xml version="1.0" encoding="utf-8"?>
+<p:notes xmlns:a="http://schemas.openxmlformats.org/drawingml/2006/main" xmlns:r="http://schemas.openxmlformats.org/officeDocument/2006/relationships" xmlns:p="http://schemas.openxmlformats.org/presentationml/2006/main">
+  <p:cSld>
+    <p:spTree>
+      <p:nvGrpSpPr>
+        <p:cNvPr id="1" name=""/>
+        <p:cNvGrpSpPr/>
+        <p:nvPr/>
+      </p:nvGrpSpPr>
+      <p:grpSpPr>
+        <a:xfrm>
+          <a:off x="0" y="0"/>
+          <a:ext cx="0" cy="0"/>
+          <a:chOff x="0" y="0"/>
+          <a:chExt cx="0" cy="0"/>
+        </a:xfrm>
+      </p:grpSpPr>
+      <p:sp>
+        <p:nvSpPr>
+          <p:cNvPr id="2" name="幻灯片图像占位符 1"/>
+          <p:cNvSpPr>
+            <a:spLocks noGrp="1" noRot="1" noChangeAspect="1"/>
+          </p:cNvSpPr>
+          <p:nvPr>
+            <p:ph type="sldImg"/>
+          </p:nvPr>
+        </p:nvSpPr>
+        <p:spPr/>
+      </p:sp>
+      <p:sp>
+        <p:nvSpPr>
+          <p:cNvPr id="3" name="备注占位符 2"/>
+          <p:cNvSpPr>
+            <a:spLocks noGrp="1"/>
+          </p:cNvSpPr>
+          <p:nvPr>
+            <p:ph type="body" idx="1"/>
+          </p:nvPr>
+        </p:nvSpPr>
+        <p:spPr/>
+        <p:txBody>
+          <a:bodyPr/>
+          <a:lstStyle/>
+          <a:p>
+            <a:r>
+              <a:rPr lang="en-US" altLang="zh-CN" dirty="0" err="1" smtClean="0"/>
+              <a:t>Mysql</a:t>
+            </a:r>
+            <a:r>
+              <a:rPr lang="zh-CN" altLang="en-US" dirty="0" smtClean="0"/>
+              <a:t>的话也是很多大公司的选择，我在这里大约简历了</a:t>
+            </a:r>
+            <a:r>
+              <a:rPr lang="en-US" altLang="zh-CN" dirty="0" smtClean="0"/>
+              <a:t>24</a:t>
+            </a:r>
+            <a:r>
+              <a:rPr lang="zh-CN" altLang="en-US" dirty="0" smtClean="0"/>
+              <a:t>个有效的数据表单。</a:t>
+            </a:r>
+            <a:endParaRPr lang="zh-CN" altLang="en-US" dirty="0"/>
+          </a:p>
+        </p:txBody>
+      </p:sp>
+      <p:sp>
+        <p:nvSpPr>
+          <p:cNvPr id="4" name="灯片编号占位符 3"/>
+          <p:cNvSpPr>
+            <a:spLocks noGrp="1"/>
+          </p:cNvSpPr>
+          <p:nvPr>
+            <p:ph type="sldNum" sz="quarter" idx="10"/>
+          </p:nvPr>
+        </p:nvSpPr>
+        <p:spPr/>
+        <p:txBody>
+          <a:bodyPr/>
+          <a:lstStyle/>
+          <a:p>
+            <a:fld id="{E397EF96-F819-43EF-A6A4-FE7EFEDDE444}" type="slidenum">
+              <a:rPr lang="zh-CN" altLang="en-US" smtClean="0"/>
+              <a:t>10</a:t>
+            </a:fld>
+            <a:endParaRPr lang="zh-CN" altLang="en-US"/>
+          </a:p>
+        </p:txBody>
+      </p:sp>
+    </p:spTree>
+    <p:extLst>
+      <p:ext uri="{BB962C8B-B14F-4D97-AF65-F5344CB8AC3E}">
+        <p14:creationId xmlns:p14="http://schemas.microsoft.com/office/powerpoint/2010/main" val="1602653810"/>
+      </p:ext>
+    </p:extLst>
+  </p:cSld>
+  <p:clrMapOvr>
+    <a:masterClrMapping/>
+  </p:clrMapOvr>
+</p:notes>
+</file>
+
+<file path=ppt/notesSlides/notesSlide11.xml><?xml version="1.0" encoding="utf-8"?>
+<p:notes xmlns:a="http://schemas.openxmlformats.org/drawingml/2006/main" xmlns:r="http://schemas.openxmlformats.org/officeDocument/2006/relationships" xmlns:p="http://schemas.openxmlformats.org/presentationml/2006/main">
+  <p:cSld>
+    <p:spTree>
+      <p:nvGrpSpPr>
+        <p:cNvPr id="1" name=""/>
+        <p:cNvGrpSpPr/>
+        <p:nvPr/>
+      </p:nvGrpSpPr>
+      <p:grpSpPr>
+        <a:xfrm>
+          <a:off x="0" y="0"/>
+          <a:ext cx="0" cy="0"/>
+          <a:chOff x="0" y="0"/>
+          <a:chExt cx="0" cy="0"/>
+        </a:xfrm>
+      </p:grpSpPr>
+      <p:sp>
+        <p:nvSpPr>
+          <p:cNvPr id="2" name="幻灯片图像占位符 1"/>
+          <p:cNvSpPr>
+            <a:spLocks noGrp="1" noRot="1" noChangeAspect="1"/>
+          </p:cNvSpPr>
+          <p:nvPr>
+            <p:ph type="sldImg"/>
+          </p:nvPr>
+        </p:nvSpPr>
+        <p:spPr/>
+      </p:sp>
+      <p:sp>
+        <p:nvSpPr>
+          <p:cNvPr id="3" name="备注占位符 2"/>
+          <p:cNvSpPr>
+            <a:spLocks noGrp="1"/>
+          </p:cNvSpPr>
+          <p:nvPr>
+            <p:ph type="body" idx="1"/>
+          </p:nvPr>
+        </p:nvSpPr>
+        <p:spPr/>
+        <p:txBody>
+          <a:bodyPr/>
+          <a:lstStyle/>
+          <a:p>
+            <a:r>
+              <a:rPr lang="zh-CN" altLang="en-US" dirty="0" smtClean="0"/>
+              <a:t>分值上是这样的，我主要分了两大用途，一个是人才招募信用分和贷款发放信用分。一共</a:t>
+            </a:r>
+            <a:r>
+              <a:rPr lang="en-US" altLang="zh-CN" dirty="0" smtClean="0"/>
+              <a:t>9</a:t>
+            </a:r>
+            <a:r>
+              <a:rPr lang="zh-CN" altLang="en-US" dirty="0" smtClean="0"/>
+              <a:t>个维度，在生成信用分的时候每个维度的占比不同，最后的总得分，都是</a:t>
+            </a:r>
+            <a:r>
+              <a:rPr lang="en-US" altLang="zh-CN" dirty="0" smtClean="0"/>
+              <a:t>200</a:t>
+            </a:r>
+            <a:r>
+              <a:rPr lang="zh-CN" altLang="en-US" dirty="0" smtClean="0"/>
+              <a:t>分。</a:t>
+            </a:r>
+            <a:endParaRPr lang="zh-CN" altLang="en-US" dirty="0"/>
+          </a:p>
+        </p:txBody>
+      </p:sp>
+      <p:sp>
+        <p:nvSpPr>
+          <p:cNvPr id="4" name="灯片编号占位符 3"/>
+          <p:cNvSpPr>
+            <a:spLocks noGrp="1"/>
+          </p:cNvSpPr>
+          <p:nvPr>
+            <p:ph type="sldNum" sz="quarter" idx="10"/>
+          </p:nvPr>
+        </p:nvSpPr>
+        <p:spPr/>
+        <p:txBody>
+          <a:bodyPr/>
+          <a:lstStyle/>
+          <a:p>
+            <a:fld id="{E397EF96-F819-43EF-A6A4-FE7EFEDDE444}" type="slidenum">
+              <a:rPr lang="zh-CN" altLang="en-US" smtClean="0"/>
+              <a:t>11</a:t>
+            </a:fld>
+            <a:endParaRPr lang="zh-CN" altLang="en-US"/>
+          </a:p>
+        </p:txBody>
+      </p:sp>
+    </p:spTree>
+    <p:extLst>
+      <p:ext uri="{BB962C8B-B14F-4D97-AF65-F5344CB8AC3E}">
+        <p14:creationId xmlns:p14="http://schemas.microsoft.com/office/powerpoint/2010/main" val="997236242"/>
+      </p:ext>
+    </p:extLst>
+  </p:cSld>
+  <p:clrMapOvr>
+    <a:masterClrMapping/>
+  </p:clrMapOvr>
+</p:notes>
+</file>
+
+<file path=ppt/notesSlides/notesSlide12.xml><?xml version="1.0" encoding="utf-8"?>
+<p:notes xmlns:a="http://schemas.openxmlformats.org/drawingml/2006/main" xmlns:r="http://schemas.openxmlformats.org/officeDocument/2006/relationships" xmlns:p="http://schemas.openxmlformats.org/presentationml/2006/main">
+  <p:cSld>
+    <p:spTree>
+      <p:nvGrpSpPr>
+        <p:cNvPr id="1" name=""/>
+        <p:cNvGrpSpPr/>
+        <p:nvPr/>
+      </p:nvGrpSpPr>
+      <p:grpSpPr>
+        <a:xfrm>
+          <a:off x="0" y="0"/>
+          <a:ext cx="0" cy="0"/>
+          <a:chOff x="0" y="0"/>
+          <a:chExt cx="0" cy="0"/>
+        </a:xfrm>
+      </p:grpSpPr>
+      <p:sp>
+        <p:nvSpPr>
+          <p:cNvPr id="2" name="幻灯片图像占位符 1"/>
+          <p:cNvSpPr>
+            <a:spLocks noGrp="1" noRot="1" noChangeAspect="1"/>
+          </p:cNvSpPr>
+          <p:nvPr>
+            <p:ph type="sldImg"/>
+          </p:nvPr>
+        </p:nvSpPr>
+        <p:spPr/>
+      </p:sp>
+      <p:sp>
+        <p:nvSpPr>
+          <p:cNvPr id="3" name="备注占位符 2"/>
+          <p:cNvSpPr>
+            <a:spLocks noGrp="1"/>
+          </p:cNvSpPr>
+          <p:nvPr>
+            <p:ph type="body" idx="1"/>
+          </p:nvPr>
+        </p:nvSpPr>
+        <p:spPr/>
+        <p:txBody>
+          <a:bodyPr/>
+          <a:lstStyle/>
+          <a:p>
+            <a:r>
+              <a:rPr lang="zh-CN" altLang="en-US" dirty="0" smtClean="0"/>
+              <a:t>在这个页面，可以看到每个小维度的得分都是有上下限制的。为了限制马太效应，出现某方面过于突出，但是其他方面平平无奇，鼓励德智体美劳全面发展，我对每个分值限定了一定区间。</a:t>
+            </a:r>
+            <a:endParaRPr lang="zh-CN" altLang="en-US" dirty="0"/>
+          </a:p>
+        </p:txBody>
+      </p:sp>
+      <p:sp>
+        <p:nvSpPr>
+          <p:cNvPr id="4" name="灯片编号占位符 3"/>
+          <p:cNvSpPr>
+            <a:spLocks noGrp="1"/>
+          </p:cNvSpPr>
+          <p:nvPr>
+            <p:ph type="sldNum" sz="quarter" idx="10"/>
+          </p:nvPr>
+        </p:nvSpPr>
+        <p:spPr/>
+        <p:txBody>
+          <a:bodyPr/>
+          <a:lstStyle/>
+          <a:p>
+            <a:fld id="{E397EF96-F819-43EF-A6A4-FE7EFEDDE444}" type="slidenum">
+              <a:rPr lang="zh-CN" altLang="en-US" smtClean="0"/>
+              <a:t>12</a:t>
+            </a:fld>
+            <a:endParaRPr lang="zh-CN" altLang="en-US"/>
+          </a:p>
+        </p:txBody>
+      </p:sp>
+    </p:spTree>
+    <p:extLst>
+      <p:ext uri="{BB962C8B-B14F-4D97-AF65-F5344CB8AC3E}">
+        <p14:creationId xmlns:p14="http://schemas.microsoft.com/office/powerpoint/2010/main" val="3487935436"/>
+      </p:ext>
+    </p:extLst>
+  </p:cSld>
+  <p:clrMapOvr>
+    <a:masterClrMapping/>
+  </p:clrMapOvr>
+</p:notes>
+</file>
+
+<file path=ppt/notesSlides/notesSlide2.xml><?xml version="1.0" encoding="utf-8"?>
+<p:notes xmlns:a="http://schemas.openxmlformats.org/drawingml/2006/main" xmlns:r="http://schemas.openxmlformats.org/officeDocument/2006/relationships" xmlns:p="http://schemas.openxmlformats.org/presentationml/2006/main">
+  <p:cSld>
+    <p:spTree>
+      <p:nvGrpSpPr>
+        <p:cNvPr id="1" name=""/>
+        <p:cNvGrpSpPr/>
+        <p:nvPr/>
+      </p:nvGrpSpPr>
+      <p:grpSpPr>
+        <a:xfrm>
+          <a:off x="0" y="0"/>
+          <a:ext cx="0" cy="0"/>
+          <a:chOff x="0" y="0"/>
+          <a:chExt cx="0" cy="0"/>
+        </a:xfrm>
+      </p:grpSpPr>
+      <p:sp>
+        <p:nvSpPr>
+          <p:cNvPr id="2" name="幻灯片图像占位符 1"/>
+          <p:cNvSpPr>
+            <a:spLocks noGrp="1" noRot="1" noChangeAspect="1"/>
+          </p:cNvSpPr>
+          <p:nvPr>
+            <p:ph type="sldImg"/>
+          </p:nvPr>
+        </p:nvSpPr>
+        <p:spPr/>
+      </p:sp>
+      <p:sp>
+        <p:nvSpPr>
+          <p:cNvPr id="3" name="备注占位符 2"/>
+          <p:cNvSpPr>
+            <a:spLocks noGrp="1"/>
+          </p:cNvSpPr>
+          <p:nvPr>
+            <p:ph type="body" idx="1"/>
+          </p:nvPr>
+        </p:nvSpPr>
+        <p:spPr/>
+        <p:txBody>
+          <a:bodyPr/>
+          <a:lstStyle/>
+          <a:p>
+            <a:r>
+              <a:rPr lang="zh-CN" altLang="en-US" dirty="0" smtClean="0"/>
+              <a:t>由于之前已经有一位同学讲过了信用评价，我认真听的，很有想法，有机会的话我还可以继续根据我们之间的差异进一步完善我的系统。</a:t>
+            </a:r>
+            <a:endParaRPr lang="en-US" altLang="zh-CN" dirty="0" smtClean="0"/>
+          </a:p>
+          <a:p>
+            <a:r>
+              <a:rPr lang="zh-CN" altLang="en-US" dirty="0" smtClean="0"/>
+              <a:t>我想诸位老师通过一些新闻，也会有所耳闻一些大数据之类的概念。但是在大数据概念还没有成型的时候，也就是</a:t>
+            </a:r>
+            <a:r>
+              <a:rPr lang="en-US" altLang="zh-CN" dirty="0" smtClean="0"/>
+              <a:t>21</a:t>
+            </a:r>
+            <a:r>
+              <a:rPr lang="zh-CN" altLang="en-US" dirty="0" smtClean="0"/>
+              <a:t>世纪初，其实是信息系统，或者这方面的实施比较有市场，很多公司都想上</a:t>
+            </a:r>
+            <a:r>
+              <a:rPr lang="en-US" altLang="zh-CN" dirty="0" smtClean="0"/>
+              <a:t>SAP</a:t>
+            </a:r>
+            <a:r>
+              <a:rPr lang="zh-CN" altLang="en-US" dirty="0" smtClean="0"/>
+              <a:t>的系统。正是那么多年的积累和摸索，造就了现在的大数据概念。那么现在阻碍大数据发展的问题是什么，是信息壁垒。</a:t>
+            </a:r>
+            <a:endParaRPr lang="en-US" altLang="zh-CN" dirty="0" smtClean="0"/>
+          </a:p>
+          <a:p>
+            <a:r>
+              <a:rPr lang="zh-CN" altLang="en-US" dirty="0" smtClean="0"/>
+              <a:t>我的这个毕设，说难不难，但是如果可以打通这其中的数据壁垒，那么对于社会，对于学生个人，对于学校都是有极大好处的。</a:t>
+            </a:r>
+            <a:endParaRPr lang="zh-CN" altLang="en-US" dirty="0"/>
+          </a:p>
+        </p:txBody>
+      </p:sp>
+      <p:sp>
+        <p:nvSpPr>
+          <p:cNvPr id="4" name="灯片编号占位符 3"/>
+          <p:cNvSpPr>
+            <a:spLocks noGrp="1"/>
+          </p:cNvSpPr>
+          <p:nvPr>
+            <p:ph type="sldNum" sz="quarter" idx="10"/>
+          </p:nvPr>
+        </p:nvSpPr>
+        <p:spPr/>
+        <p:txBody>
+          <a:bodyPr/>
+          <a:lstStyle/>
+          <a:p>
+            <a:fld id="{E397EF96-F819-43EF-A6A4-FE7EFEDDE444}" type="slidenum">
+              <a:rPr lang="zh-CN" altLang="en-US" smtClean="0"/>
+              <a:t>2</a:t>
+            </a:fld>
+            <a:endParaRPr lang="zh-CN" altLang="en-US"/>
+          </a:p>
+        </p:txBody>
+      </p:sp>
+    </p:spTree>
+    <p:extLst>
+      <p:ext uri="{BB962C8B-B14F-4D97-AF65-F5344CB8AC3E}">
+        <p14:creationId xmlns:p14="http://schemas.microsoft.com/office/powerpoint/2010/main" val="1305573277"/>
+      </p:ext>
+    </p:extLst>
+  </p:cSld>
+  <p:clrMapOvr>
+    <a:masterClrMapping/>
+  </p:clrMapOvr>
+</p:notes>
+</file>
+
+<file path=ppt/notesSlides/notesSlide3.xml><?xml version="1.0" encoding="utf-8"?>
+<p:notes xmlns:a="http://schemas.openxmlformats.org/drawingml/2006/main" xmlns:r="http://schemas.openxmlformats.org/officeDocument/2006/relationships" xmlns:p="http://schemas.openxmlformats.org/presentationml/2006/main">
+  <p:cSld>
+    <p:spTree>
+      <p:nvGrpSpPr>
+        <p:cNvPr id="1" name=""/>
+        <p:cNvGrpSpPr/>
+        <p:nvPr/>
+      </p:nvGrpSpPr>
+      <p:grpSpPr>
+        <a:xfrm>
+          <a:off x="0" y="0"/>
+          <a:ext cx="0" cy="0"/>
+          <a:chOff x="0" y="0"/>
+          <a:chExt cx="0" cy="0"/>
+        </a:xfrm>
+      </p:grpSpPr>
+      <p:sp>
+        <p:nvSpPr>
+          <p:cNvPr id="2" name="幻灯片图像占位符 1"/>
+          <p:cNvSpPr>
+            <a:spLocks noGrp="1" noRot="1" noChangeAspect="1"/>
+          </p:cNvSpPr>
+          <p:nvPr>
+            <p:ph type="sldImg"/>
+          </p:nvPr>
+        </p:nvSpPr>
+        <p:spPr/>
+      </p:sp>
+      <p:sp>
+        <p:nvSpPr>
+          <p:cNvPr id="3" name="备注占位符 2"/>
+          <p:cNvSpPr>
+            <a:spLocks noGrp="1"/>
+          </p:cNvSpPr>
+          <p:nvPr>
+            <p:ph type="body" idx="1"/>
+          </p:nvPr>
+        </p:nvSpPr>
+        <p:spPr/>
+        <p:txBody>
+          <a:bodyPr/>
+          <a:lstStyle/>
+          <a:p>
+            <a:r>
+              <a:rPr lang="zh-CN" altLang="en-US" dirty="0" smtClean="0"/>
+              <a:t>简单介绍一下有关企业吧。阿里旗下的芝麻信用和</a:t>
+            </a:r>
+            <a:r>
+              <a:rPr lang="en-US" altLang="zh-CN" dirty="0" smtClean="0"/>
+              <a:t>FICO</a:t>
+            </a:r>
+            <a:r>
+              <a:rPr lang="zh-CN" altLang="en-US" dirty="0" smtClean="0"/>
+              <a:t>系统。</a:t>
+            </a:r>
+            <a:endParaRPr lang="zh-CN" altLang="en-US" dirty="0"/>
+          </a:p>
+        </p:txBody>
+      </p:sp>
+      <p:sp>
+        <p:nvSpPr>
+          <p:cNvPr id="4" name="灯片编号占位符 3"/>
+          <p:cNvSpPr>
+            <a:spLocks noGrp="1"/>
+          </p:cNvSpPr>
+          <p:nvPr>
+            <p:ph type="sldNum" sz="quarter" idx="10"/>
+          </p:nvPr>
+        </p:nvSpPr>
+        <p:spPr/>
+        <p:txBody>
+          <a:bodyPr/>
+          <a:lstStyle/>
+          <a:p>
+            <a:fld id="{E397EF96-F819-43EF-A6A4-FE7EFEDDE444}" type="slidenum">
+              <a:rPr lang="zh-CN" altLang="en-US" smtClean="0"/>
+              <a:t>3</a:t>
+            </a:fld>
+            <a:endParaRPr lang="zh-CN" altLang="en-US"/>
+          </a:p>
+        </p:txBody>
+      </p:sp>
+    </p:spTree>
+    <p:extLst>
+      <p:ext uri="{BB962C8B-B14F-4D97-AF65-F5344CB8AC3E}">
+        <p14:creationId xmlns:p14="http://schemas.microsoft.com/office/powerpoint/2010/main" val="263769891"/>
+      </p:ext>
+    </p:extLst>
+  </p:cSld>
+  <p:clrMapOvr>
+    <a:masterClrMapping/>
+  </p:clrMapOvr>
+</p:notes>
+</file>
+
+<file path=ppt/notesSlides/notesSlide4.xml><?xml version="1.0" encoding="utf-8"?>
+<p:notes xmlns:a="http://schemas.openxmlformats.org/drawingml/2006/main" xmlns:r="http://schemas.openxmlformats.org/officeDocument/2006/relationships" xmlns:p="http://schemas.openxmlformats.org/presentationml/2006/main">
+  <p:cSld>
+    <p:spTree>
+      <p:nvGrpSpPr>
+        <p:cNvPr id="1" name=""/>
+        <p:cNvGrpSpPr/>
+        <p:nvPr/>
+      </p:nvGrpSpPr>
+      <p:grpSpPr>
+        <a:xfrm>
+          <a:off x="0" y="0"/>
+          <a:ext cx="0" cy="0"/>
+          <a:chOff x="0" y="0"/>
+          <a:chExt cx="0" cy="0"/>
+        </a:xfrm>
+      </p:grpSpPr>
+      <p:sp>
+        <p:nvSpPr>
+          <p:cNvPr id="2" name="幻灯片图像占位符 1"/>
+          <p:cNvSpPr>
+            <a:spLocks noGrp="1" noRot="1" noChangeAspect="1"/>
+          </p:cNvSpPr>
+          <p:nvPr>
+            <p:ph type="sldImg"/>
+          </p:nvPr>
+        </p:nvSpPr>
+        <p:spPr/>
+      </p:sp>
+      <p:sp>
+        <p:nvSpPr>
+          <p:cNvPr id="3" name="备注占位符 2"/>
+          <p:cNvSpPr>
+            <a:spLocks noGrp="1"/>
+          </p:cNvSpPr>
+          <p:nvPr>
+            <p:ph type="body" idx="1"/>
+          </p:nvPr>
+        </p:nvSpPr>
+        <p:spPr/>
+        <p:txBody>
+          <a:bodyPr/>
+          <a:lstStyle/>
+          <a:p>
+            <a:r>
+              <a:rPr lang="en-US" altLang="zh-CN" dirty="0" smtClean="0"/>
+              <a:t>FICO</a:t>
+            </a:r>
+            <a:r>
+              <a:rPr lang="zh-CN" altLang="en-US" dirty="0" smtClean="0"/>
+              <a:t>是一套国际性的信用评价系统，但是最近他的母公司好像在做</a:t>
+            </a:r>
+            <a:r>
+              <a:rPr lang="en-US" altLang="zh-CN" dirty="0" smtClean="0"/>
+              <a:t>DSS</a:t>
+            </a:r>
+            <a:r>
+              <a:rPr lang="zh-CN" altLang="en-US" dirty="0" smtClean="0"/>
+              <a:t>系统。</a:t>
+            </a:r>
+            <a:r>
+              <a:rPr lang="en-US" altLang="zh-CN" dirty="0" smtClean="0"/>
+              <a:t>FICO</a:t>
+            </a:r>
+            <a:r>
+              <a:rPr lang="zh-CN" altLang="en-US" dirty="0" smtClean="0"/>
+              <a:t>在国际上有比较广，但不是非常广的采纳度。用来评价借贷人的信用风险。分数越高，分数越小。</a:t>
+            </a:r>
+            <a:endParaRPr lang="en-US" altLang="zh-CN" dirty="0" smtClean="0"/>
+          </a:p>
+          <a:p>
+            <a:r>
+              <a:rPr lang="zh-CN" altLang="en-US" dirty="0" smtClean="0"/>
+              <a:t>分数的来源是</a:t>
+            </a:r>
+            <a:r>
+              <a:rPr lang="en-US" altLang="zh-CN" dirty="0" smtClean="0"/>
+              <a:t>5</a:t>
+            </a:r>
+            <a:r>
+              <a:rPr lang="zh-CN" altLang="en-US" dirty="0" smtClean="0"/>
+              <a:t>个维度。局限性其实也很明显，应用范围和这个分数的用途</a:t>
+            </a:r>
+            <a:endParaRPr lang="zh-CN" altLang="en-US" dirty="0"/>
+          </a:p>
+        </p:txBody>
+      </p:sp>
+      <p:sp>
+        <p:nvSpPr>
+          <p:cNvPr id="4" name="灯片编号占位符 3"/>
+          <p:cNvSpPr>
+            <a:spLocks noGrp="1"/>
+          </p:cNvSpPr>
+          <p:nvPr>
+            <p:ph type="sldNum" sz="quarter" idx="10"/>
+          </p:nvPr>
+        </p:nvSpPr>
+        <p:spPr/>
+        <p:txBody>
+          <a:bodyPr/>
+          <a:lstStyle/>
+          <a:p>
+            <a:fld id="{E397EF96-F819-43EF-A6A4-FE7EFEDDE444}" type="slidenum">
+              <a:rPr lang="zh-CN" altLang="en-US" smtClean="0"/>
+              <a:t>4</a:t>
+            </a:fld>
+            <a:endParaRPr lang="zh-CN" altLang="en-US"/>
+          </a:p>
+        </p:txBody>
+      </p:sp>
+    </p:spTree>
+    <p:extLst>
+      <p:ext uri="{BB962C8B-B14F-4D97-AF65-F5344CB8AC3E}">
+        <p14:creationId xmlns:p14="http://schemas.microsoft.com/office/powerpoint/2010/main" val="2739058073"/>
+      </p:ext>
+    </p:extLst>
+  </p:cSld>
+  <p:clrMapOvr>
+    <a:masterClrMapping/>
+  </p:clrMapOvr>
+</p:notes>
+</file>
+
+<file path=ppt/notesSlides/notesSlide5.xml><?xml version="1.0" encoding="utf-8"?>
+<p:notes xmlns:a="http://schemas.openxmlformats.org/drawingml/2006/main" xmlns:r="http://schemas.openxmlformats.org/officeDocument/2006/relationships" xmlns:p="http://schemas.openxmlformats.org/presentationml/2006/main">
+  <p:cSld>
+    <p:spTree>
+      <p:nvGrpSpPr>
+        <p:cNvPr id="1" name=""/>
+        <p:cNvGrpSpPr/>
+        <p:nvPr/>
+      </p:nvGrpSpPr>
+      <p:grpSpPr>
+        <a:xfrm>
+          <a:off x="0" y="0"/>
+          <a:ext cx="0" cy="0"/>
+          <a:chOff x="0" y="0"/>
+          <a:chExt cx="0" cy="0"/>
+        </a:xfrm>
+      </p:grpSpPr>
+      <p:sp>
+        <p:nvSpPr>
+          <p:cNvPr id="2" name="幻灯片图像占位符 1"/>
+          <p:cNvSpPr>
+            <a:spLocks noGrp="1" noRot="1" noChangeAspect="1"/>
+          </p:cNvSpPr>
+          <p:nvPr>
+            <p:ph type="sldImg"/>
+          </p:nvPr>
+        </p:nvSpPr>
+        <p:spPr/>
+      </p:sp>
+      <p:sp>
+        <p:nvSpPr>
+          <p:cNvPr id="3" name="备注占位符 2"/>
+          <p:cNvSpPr>
+            <a:spLocks noGrp="1"/>
+          </p:cNvSpPr>
+          <p:nvPr>
+            <p:ph type="body" idx="1"/>
+          </p:nvPr>
+        </p:nvSpPr>
+        <p:spPr/>
+        <p:txBody>
+          <a:bodyPr/>
+          <a:lstStyle/>
+          <a:p>
+            <a:r>
+              <a:rPr lang="zh-CN" altLang="en-US" dirty="0" smtClean="0"/>
+              <a:t>芝麻信用分的来源更广，是阿里系的一系类软件，购物，缴费，娱乐，还款，甚至好友。并且他的用途非常广，可以说是深入寻常百姓家。</a:t>
+            </a:r>
+            <a:endParaRPr lang="zh-CN" altLang="en-US" dirty="0"/>
+          </a:p>
+        </p:txBody>
+      </p:sp>
+      <p:sp>
+        <p:nvSpPr>
+          <p:cNvPr id="4" name="灯片编号占位符 3"/>
+          <p:cNvSpPr>
+            <a:spLocks noGrp="1"/>
+          </p:cNvSpPr>
+          <p:nvPr>
+            <p:ph type="sldNum" sz="quarter" idx="10"/>
+          </p:nvPr>
+        </p:nvSpPr>
+        <p:spPr/>
+        <p:txBody>
+          <a:bodyPr/>
+          <a:lstStyle/>
+          <a:p>
+            <a:fld id="{E397EF96-F819-43EF-A6A4-FE7EFEDDE444}" type="slidenum">
+              <a:rPr lang="zh-CN" altLang="en-US" smtClean="0"/>
+              <a:t>5</a:t>
+            </a:fld>
+            <a:endParaRPr lang="zh-CN" altLang="en-US"/>
+          </a:p>
+        </p:txBody>
+      </p:sp>
+    </p:spTree>
+    <p:extLst>
+      <p:ext uri="{BB962C8B-B14F-4D97-AF65-F5344CB8AC3E}">
+        <p14:creationId xmlns:p14="http://schemas.microsoft.com/office/powerpoint/2010/main" val="1568085618"/>
+      </p:ext>
+    </p:extLst>
+  </p:cSld>
+  <p:clrMapOvr>
+    <a:masterClrMapping/>
+  </p:clrMapOvr>
+</p:notes>
+</file>
+
+<file path=ppt/notesSlides/notesSlide6.xml><?xml version="1.0" encoding="utf-8"?>
+<p:notes xmlns:a="http://schemas.openxmlformats.org/drawingml/2006/main" xmlns:r="http://schemas.openxmlformats.org/officeDocument/2006/relationships" xmlns:p="http://schemas.openxmlformats.org/presentationml/2006/main">
+  <p:cSld>
+    <p:spTree>
+      <p:nvGrpSpPr>
+        <p:cNvPr id="1" name=""/>
+        <p:cNvGrpSpPr/>
+        <p:nvPr/>
+      </p:nvGrpSpPr>
+      <p:grpSpPr>
+        <a:xfrm>
+          <a:off x="0" y="0"/>
+          <a:ext cx="0" cy="0"/>
+          <a:chOff x="0" y="0"/>
+          <a:chExt cx="0" cy="0"/>
+        </a:xfrm>
+      </p:grpSpPr>
+      <p:sp>
+        <p:nvSpPr>
+          <p:cNvPr id="2" name="幻灯片图像占位符 1"/>
+          <p:cNvSpPr>
+            <a:spLocks noGrp="1" noRot="1" noChangeAspect="1"/>
+          </p:cNvSpPr>
+          <p:nvPr>
+            <p:ph type="sldImg"/>
+          </p:nvPr>
+        </p:nvSpPr>
+        <p:spPr/>
+      </p:sp>
+      <p:sp>
+        <p:nvSpPr>
+          <p:cNvPr id="3" name="备注占位符 2"/>
+          <p:cNvSpPr>
+            <a:spLocks noGrp="1"/>
+          </p:cNvSpPr>
+          <p:nvPr>
+            <p:ph type="body" idx="1"/>
+          </p:nvPr>
+        </p:nvSpPr>
+        <p:spPr/>
+        <p:txBody>
+          <a:bodyPr/>
+          <a:lstStyle/>
+          <a:p>
+            <a:r>
+              <a:rPr lang="zh-CN" altLang="en-US" dirty="0" smtClean="0"/>
+              <a:t>粗暴的说，</a:t>
+            </a:r>
+            <a:r>
+              <a:rPr lang="en-US" altLang="zh-CN" dirty="0" smtClean="0"/>
+              <a:t>99%</a:t>
+            </a:r>
+            <a:r>
+              <a:rPr lang="zh-CN" altLang="en-US" dirty="0" smtClean="0"/>
+              <a:t>的大学生都有芝麻信用分，但是呢，芝麻信用对于学生的校内生活没有体现。同时网络中，我们也看到了很多文凭造假，借贷问题，学校里的活动学生没有积极性，校内课程觉得没用，另外其实我们从小只是培养了我们如何做一个好学生，而缺少了一部分意志品质的重视，从而导致大学生求学期间或者毕业后偶尔无法对应自己的行为负责。所以在大学期间，培养大学生的信用，重视积累非常有必要。</a:t>
+            </a:r>
+            <a:endParaRPr lang="zh-CN" altLang="en-US" dirty="0"/>
+          </a:p>
+        </p:txBody>
+      </p:sp>
+      <p:sp>
+        <p:nvSpPr>
+          <p:cNvPr id="4" name="灯片编号占位符 3"/>
+          <p:cNvSpPr>
+            <a:spLocks noGrp="1"/>
+          </p:cNvSpPr>
+          <p:nvPr>
+            <p:ph type="sldNum" sz="quarter" idx="10"/>
+          </p:nvPr>
+        </p:nvSpPr>
+        <p:spPr/>
+        <p:txBody>
+          <a:bodyPr/>
+          <a:lstStyle/>
+          <a:p>
+            <a:fld id="{E397EF96-F819-43EF-A6A4-FE7EFEDDE444}" type="slidenum">
+              <a:rPr lang="zh-CN" altLang="en-US" smtClean="0"/>
+              <a:t>6</a:t>
+            </a:fld>
+            <a:endParaRPr lang="zh-CN" altLang="en-US"/>
+          </a:p>
+        </p:txBody>
+      </p:sp>
+    </p:spTree>
+    <p:extLst>
+      <p:ext uri="{BB962C8B-B14F-4D97-AF65-F5344CB8AC3E}">
+        <p14:creationId xmlns:p14="http://schemas.microsoft.com/office/powerpoint/2010/main" val="2623530486"/>
+      </p:ext>
+    </p:extLst>
+  </p:cSld>
+  <p:clrMapOvr>
+    <a:masterClrMapping/>
+  </p:clrMapOvr>
+</p:notes>
+</file>
+
+<file path=ppt/notesSlides/notesSlide7.xml><?xml version="1.0" encoding="utf-8"?>
+<p:notes xmlns:a="http://schemas.openxmlformats.org/drawingml/2006/main" xmlns:r="http://schemas.openxmlformats.org/officeDocument/2006/relationships" xmlns:p="http://schemas.openxmlformats.org/presentationml/2006/main">
+  <p:cSld>
+    <p:spTree>
+      <p:nvGrpSpPr>
+        <p:cNvPr id="1" name=""/>
+        <p:cNvGrpSpPr/>
+        <p:nvPr/>
+      </p:nvGrpSpPr>
+      <p:grpSpPr>
+        <a:xfrm>
+          <a:off x="0" y="0"/>
+          <a:ext cx="0" cy="0"/>
+          <a:chOff x="0" y="0"/>
+          <a:chExt cx="0" cy="0"/>
+        </a:xfrm>
+      </p:grpSpPr>
+      <p:sp>
+        <p:nvSpPr>
+          <p:cNvPr id="2" name="幻灯片图像占位符 1"/>
+          <p:cNvSpPr>
+            <a:spLocks noGrp="1" noRot="1" noChangeAspect="1"/>
+          </p:cNvSpPr>
+          <p:nvPr>
+            <p:ph type="sldImg"/>
+          </p:nvPr>
+        </p:nvSpPr>
+        <p:spPr/>
+      </p:sp>
+      <p:sp>
+        <p:nvSpPr>
+          <p:cNvPr id="3" name="备注占位符 2"/>
+          <p:cNvSpPr>
+            <a:spLocks noGrp="1"/>
+          </p:cNvSpPr>
+          <p:nvPr>
+            <p:ph type="body" idx="1"/>
+          </p:nvPr>
+        </p:nvSpPr>
+        <p:spPr/>
+        <p:txBody>
+          <a:bodyPr/>
+          <a:lstStyle/>
+          <a:p>
+            <a:r>
+              <a:rPr lang="zh-CN" altLang="en-US" dirty="0" smtClean="0"/>
+              <a:t>信用评价系统不仅仅是整个系统的核心，也是一个子系统的名字。因为最终信用分的生成，需要很多不同场景的数据。比如教务系统，可以提供年级、</a:t>
+            </a:r>
+            <a:r>
+              <a:rPr lang="en-US" altLang="zh-CN" dirty="0" smtClean="0"/>
+              <a:t>GPA</a:t>
+            </a:r>
+            <a:r>
+              <a:rPr lang="zh-CN" altLang="en-US" dirty="0" smtClean="0"/>
+              <a:t>、校内违纪，图书馆子系统提供了校内失信，比如借阅逾期。个人申请子系统，学生可以上传校内外工作情况，比如实习和学生会活动，技能则是某们课达到</a:t>
+            </a:r>
+            <a:r>
+              <a:rPr lang="en-US" altLang="zh-CN" dirty="0" smtClean="0"/>
+              <a:t>90</a:t>
+            </a:r>
+            <a:r>
+              <a:rPr lang="zh-CN" altLang="en-US" dirty="0" smtClean="0"/>
+              <a:t>分以上，且可以在课程中获得技能可以向老师发起申请，奖学金根据学生成绩排名，确认名单后，学生点击确认。二手商品子系统，提供了一个废物利用的环节，同时也不忘体现同学做一个良心卖家和良心买家。</a:t>
+            </a:r>
+            <a:endParaRPr lang="zh-CN" altLang="en-US" dirty="0"/>
+          </a:p>
+        </p:txBody>
+      </p:sp>
+      <p:sp>
+        <p:nvSpPr>
+          <p:cNvPr id="4" name="灯片编号占位符 3"/>
+          <p:cNvSpPr>
+            <a:spLocks noGrp="1"/>
+          </p:cNvSpPr>
+          <p:nvPr>
+            <p:ph type="sldNum" sz="quarter" idx="10"/>
+          </p:nvPr>
+        </p:nvSpPr>
+        <p:spPr/>
+        <p:txBody>
+          <a:bodyPr/>
+          <a:lstStyle/>
+          <a:p>
+            <a:fld id="{E397EF96-F819-43EF-A6A4-FE7EFEDDE444}" type="slidenum">
+              <a:rPr lang="zh-CN" altLang="en-US" smtClean="0"/>
+              <a:t>7</a:t>
+            </a:fld>
+            <a:endParaRPr lang="zh-CN" altLang="en-US"/>
+          </a:p>
+        </p:txBody>
+      </p:sp>
+    </p:spTree>
+    <p:extLst>
+      <p:ext uri="{BB962C8B-B14F-4D97-AF65-F5344CB8AC3E}">
+        <p14:creationId xmlns:p14="http://schemas.microsoft.com/office/powerpoint/2010/main" val="3591163165"/>
+      </p:ext>
+    </p:extLst>
+  </p:cSld>
+  <p:clrMapOvr>
+    <a:masterClrMapping/>
+  </p:clrMapOvr>
+</p:notes>
+</file>
+
+<file path=ppt/notesSlides/notesSlide8.xml><?xml version="1.0" encoding="utf-8"?>
+<p:notes xmlns:a="http://schemas.openxmlformats.org/drawingml/2006/main" xmlns:r="http://schemas.openxmlformats.org/officeDocument/2006/relationships" xmlns:p="http://schemas.openxmlformats.org/presentationml/2006/main">
+  <p:cSld>
+    <p:spTree>
+      <p:nvGrpSpPr>
+        <p:cNvPr id="1" name=""/>
+        <p:cNvGrpSpPr/>
+        <p:nvPr/>
+      </p:nvGrpSpPr>
+      <p:grpSpPr>
+        <a:xfrm>
+          <a:off x="0" y="0"/>
+          <a:ext cx="0" cy="0"/>
+          <a:chOff x="0" y="0"/>
+          <a:chExt cx="0" cy="0"/>
+        </a:xfrm>
+      </p:grpSpPr>
+      <p:sp>
+        <p:nvSpPr>
+          <p:cNvPr id="2" name="幻灯片图像占位符 1"/>
+          <p:cNvSpPr>
+            <a:spLocks noGrp="1" noRot="1" noChangeAspect="1"/>
+          </p:cNvSpPr>
+          <p:nvPr>
+            <p:ph type="sldImg"/>
+          </p:nvPr>
+        </p:nvSpPr>
+        <p:spPr/>
+      </p:sp>
+      <p:sp>
+        <p:nvSpPr>
+          <p:cNvPr id="3" name="备注占位符 2"/>
+          <p:cNvSpPr>
+            <a:spLocks noGrp="1"/>
+          </p:cNvSpPr>
+          <p:nvPr>
+            <p:ph type="body" idx="1"/>
+          </p:nvPr>
+        </p:nvSpPr>
+        <p:spPr/>
+        <p:txBody>
+          <a:bodyPr/>
+          <a:lstStyle/>
+          <a:p>
+            <a:r>
+              <a:rPr lang="zh-CN" altLang="en-US" dirty="0" smtClean="0"/>
+              <a:t>本系统采用的是</a:t>
+            </a:r>
+            <a:r>
+              <a:rPr lang="en-US" altLang="zh-CN" dirty="0" smtClean="0"/>
+              <a:t>Django/Python/MySQL</a:t>
+            </a:r>
+            <a:r>
+              <a:rPr lang="zh-CN" altLang="en-US" dirty="0" smtClean="0"/>
+              <a:t>的技术进行开发。</a:t>
+            </a:r>
+            <a:r>
+              <a:rPr lang="en-US" altLang="zh-CN" dirty="0" smtClean="0"/>
+              <a:t>Django</a:t>
+            </a:r>
+            <a:r>
+              <a:rPr lang="zh-CN" altLang="en-US" dirty="0" smtClean="0"/>
+              <a:t>是一个采用</a:t>
+            </a:r>
+            <a:r>
+              <a:rPr lang="en-US" altLang="zh-CN" dirty="0" smtClean="0"/>
+              <a:t>MVT</a:t>
+            </a:r>
+            <a:r>
+              <a:rPr lang="zh-CN" altLang="en-US" dirty="0" smtClean="0"/>
+              <a:t>的框架模式。</a:t>
+            </a:r>
+            <a:r>
+              <a:rPr lang="en-US" altLang="zh-CN" dirty="0" smtClean="0"/>
+              <a:t>M</a:t>
+            </a:r>
+            <a:r>
+              <a:rPr lang="zh-CN" altLang="en-US" dirty="0" smtClean="0"/>
+              <a:t>模型，是指存放数据库模型的</a:t>
+            </a:r>
+            <a:r>
+              <a:rPr lang="en-US" altLang="zh-CN" dirty="0" smtClean="0"/>
+              <a:t>models.py </a:t>
+            </a:r>
+            <a:r>
+              <a:rPr lang="zh-CN" altLang="en-US" dirty="0" smtClean="0"/>
+              <a:t>文件 </a:t>
+            </a:r>
+            <a:r>
+              <a:rPr lang="en-US" altLang="zh-CN" dirty="0" smtClean="0"/>
+              <a:t>V</a:t>
+            </a:r>
+            <a:r>
+              <a:rPr lang="zh-CN" altLang="en-US" dirty="0" smtClean="0"/>
+              <a:t>视图是存放操纵调用数据库，对数据进行操纵，对前端进行渲染的</a:t>
+            </a:r>
+            <a:r>
+              <a:rPr lang="en-US" altLang="zh-CN" dirty="0" smtClean="0"/>
+              <a:t>Python</a:t>
+            </a:r>
+            <a:r>
+              <a:rPr lang="zh-CN" altLang="en-US" dirty="0" smtClean="0"/>
+              <a:t>方法，</a:t>
+            </a:r>
+            <a:r>
+              <a:rPr lang="en-US" altLang="zh-CN" dirty="0" smtClean="0"/>
+              <a:t>templates </a:t>
+            </a:r>
+            <a:r>
+              <a:rPr lang="zh-CN" altLang="en-US" dirty="0" smtClean="0"/>
+              <a:t>模板，就是前端文件，我这里一共有</a:t>
+            </a:r>
+            <a:r>
+              <a:rPr lang="en-US" altLang="zh-CN" dirty="0" smtClean="0"/>
+              <a:t>44</a:t>
+            </a:r>
+            <a:r>
+              <a:rPr lang="zh-CN" altLang="en-US" dirty="0" smtClean="0"/>
+              <a:t>个</a:t>
+            </a:r>
+            <a:r>
+              <a:rPr lang="en-US" altLang="zh-CN" dirty="0" smtClean="0"/>
+              <a:t>html</a:t>
+            </a:r>
+            <a:r>
+              <a:rPr lang="zh-CN" altLang="en-US" dirty="0" smtClean="0"/>
+              <a:t>文件。用</a:t>
+            </a:r>
+            <a:r>
+              <a:rPr lang="en-US" altLang="zh-CN" dirty="0" err="1" smtClean="0"/>
+              <a:t>django</a:t>
+            </a:r>
+            <a:r>
+              <a:rPr lang="zh-CN" altLang="en-US" dirty="0" smtClean="0"/>
+              <a:t>写的还有一个好处就是后台是</a:t>
+            </a:r>
+            <a:r>
+              <a:rPr lang="en-US" altLang="zh-CN" dirty="0" smtClean="0"/>
+              <a:t>Python</a:t>
+            </a:r>
+            <a:r>
+              <a:rPr lang="zh-CN" altLang="en-US" dirty="0" smtClean="0"/>
+              <a:t>，如果要进行一些数据科学有关的操作，进行一些算法，会比较方便，开源的包也会比较多。用</a:t>
+            </a:r>
+            <a:r>
+              <a:rPr lang="en-US" altLang="zh-CN" dirty="0" smtClean="0"/>
+              <a:t>JAVA</a:t>
+            </a:r>
+            <a:r>
+              <a:rPr lang="zh-CN" altLang="en-US" dirty="0" smtClean="0"/>
+              <a:t>的话，听说会比较受苦。</a:t>
+            </a:r>
+            <a:endParaRPr lang="zh-CN" altLang="en-US" dirty="0"/>
+          </a:p>
+        </p:txBody>
+      </p:sp>
+      <p:sp>
+        <p:nvSpPr>
+          <p:cNvPr id="4" name="灯片编号占位符 3"/>
+          <p:cNvSpPr>
+            <a:spLocks noGrp="1"/>
+          </p:cNvSpPr>
+          <p:nvPr>
+            <p:ph type="sldNum" sz="quarter" idx="10"/>
+          </p:nvPr>
+        </p:nvSpPr>
+        <p:spPr/>
+        <p:txBody>
+          <a:bodyPr/>
+          <a:lstStyle/>
+          <a:p>
+            <a:fld id="{E397EF96-F819-43EF-A6A4-FE7EFEDDE444}" type="slidenum">
+              <a:rPr lang="zh-CN" altLang="en-US" smtClean="0"/>
+              <a:t>8</a:t>
+            </a:fld>
+            <a:endParaRPr lang="zh-CN" altLang="en-US"/>
+          </a:p>
+        </p:txBody>
+      </p:sp>
+    </p:spTree>
+    <p:extLst>
+      <p:ext uri="{BB962C8B-B14F-4D97-AF65-F5344CB8AC3E}">
+        <p14:creationId xmlns:p14="http://schemas.microsoft.com/office/powerpoint/2010/main" val="2113312471"/>
+      </p:ext>
+    </p:extLst>
+  </p:cSld>
+  <p:clrMapOvr>
+    <a:masterClrMapping/>
+  </p:clrMapOvr>
+</p:notes>
+</file>
+
+<file path=ppt/notesSlides/notesSlide9.xml><?xml version="1.0" encoding="utf-8"?>
+<p:notes xmlns:a="http://schemas.openxmlformats.org/drawingml/2006/main" xmlns:r="http://schemas.openxmlformats.org/officeDocument/2006/relationships" xmlns:p="http://schemas.openxmlformats.org/presentationml/2006/main">
+  <p:cSld>
+    <p:spTree>
+      <p:nvGrpSpPr>
+        <p:cNvPr id="1" name=""/>
+        <p:cNvGrpSpPr/>
+        <p:nvPr/>
+      </p:nvGrpSpPr>
+      <p:grpSpPr>
+        <a:xfrm>
+          <a:off x="0" y="0"/>
+          <a:ext cx="0" cy="0"/>
+          <a:chOff x="0" y="0"/>
+          <a:chExt cx="0" cy="0"/>
+        </a:xfrm>
+      </p:grpSpPr>
+      <p:sp>
+        <p:nvSpPr>
+          <p:cNvPr id="2" name="幻灯片图像占位符 1"/>
+          <p:cNvSpPr>
+            <a:spLocks noGrp="1" noRot="1" noChangeAspect="1"/>
+          </p:cNvSpPr>
+          <p:nvPr>
+            <p:ph type="sldImg"/>
+          </p:nvPr>
+        </p:nvSpPr>
+        <p:spPr/>
+      </p:sp>
+      <p:sp>
+        <p:nvSpPr>
+          <p:cNvPr id="3" name="备注占位符 2"/>
+          <p:cNvSpPr>
+            <a:spLocks noGrp="1"/>
+          </p:cNvSpPr>
+          <p:nvPr>
+            <p:ph type="body" idx="1"/>
+          </p:nvPr>
+        </p:nvSpPr>
+        <p:spPr/>
+        <p:txBody>
+          <a:bodyPr/>
+          <a:lstStyle/>
+          <a:p>
+            <a:r>
+              <a:rPr lang="zh-CN" altLang="en-US" dirty="0" smtClean="0"/>
+              <a:t>另一个优点是</a:t>
+            </a:r>
+            <a:r>
+              <a:rPr lang="en-US" altLang="zh-CN" dirty="0" smtClean="0"/>
+              <a:t>ORM</a:t>
+            </a:r>
+            <a:r>
+              <a:rPr lang="zh-CN" altLang="en-US" dirty="0" smtClean="0"/>
+              <a:t>，对象关系管理。他可以很便利的建立数据库，对数据库进行条件查找，虽然有些性能上不如</a:t>
+            </a:r>
+            <a:r>
+              <a:rPr lang="en-US" altLang="zh-CN" dirty="0" err="1" smtClean="0"/>
+              <a:t>sql</a:t>
+            </a:r>
+            <a:r>
+              <a:rPr lang="zh-CN" altLang="en-US" dirty="0" smtClean="0"/>
+              <a:t>语言，但是效率很高，前端调用起来也很便捷。</a:t>
+            </a:r>
+            <a:endParaRPr lang="zh-CN" altLang="en-US" dirty="0"/>
+          </a:p>
+        </p:txBody>
+      </p:sp>
+      <p:sp>
+        <p:nvSpPr>
+          <p:cNvPr id="4" name="灯片编号占位符 3"/>
+          <p:cNvSpPr>
+            <a:spLocks noGrp="1"/>
+          </p:cNvSpPr>
+          <p:nvPr>
+            <p:ph type="sldNum" sz="quarter" idx="10"/>
+          </p:nvPr>
+        </p:nvSpPr>
+        <p:spPr/>
+        <p:txBody>
+          <a:bodyPr/>
+          <a:lstStyle/>
+          <a:p>
+            <a:fld id="{E397EF96-F819-43EF-A6A4-FE7EFEDDE444}" type="slidenum">
+              <a:rPr lang="zh-CN" altLang="en-US" smtClean="0"/>
+              <a:t>9</a:t>
+            </a:fld>
+            <a:endParaRPr lang="zh-CN" altLang="en-US"/>
+          </a:p>
+        </p:txBody>
+      </p:sp>
+    </p:spTree>
+    <p:extLst>
+      <p:ext uri="{BB962C8B-B14F-4D97-AF65-F5344CB8AC3E}">
+        <p14:creationId xmlns:p14="http://schemas.microsoft.com/office/powerpoint/2010/main" val="3556874852"/>
+      </p:ext>
+    </p:extLst>
+  </p:cSld>
+  <p:clrMapOvr>
+    <a:masterClrMapping/>
+  </p:clrMapOvr>
+</p:notes>
+</file>
+
 <file path=ppt/slideLayouts/slideLayout1.xml><?xml version="1.0" encoding="utf-8"?>
 <p:sldLayout xmlns:a="http://schemas.openxmlformats.org/drawingml/2006/main" xmlns:r="http://schemas.openxmlformats.org/officeDocument/2006/relationships" xmlns:p="http://schemas.openxmlformats.org/presentationml/2006/main" type="title" preserve="1">
   <p:cSld name="标题幻灯片">
@@ -257,7 +1911,7 @@
           <a:p>
             <a:fld id="{0EFB8B57-2592-4D05-B855-45D6760D828F}" type="datetimeFigureOut">
               <a:rPr lang="zh-CN" altLang="en-US" smtClean="0"/>
-              <a:t>2019/5/18</a:t>
+              <a:t>2019/5/20</a:t>
             </a:fld>
             <a:endParaRPr lang="zh-CN" altLang="en-US"/>
           </a:p>
@@ -315,6 +1969,14 @@
   <p:clrMapOvr>
     <a:masterClrMapping/>
   </p:clrMapOvr>
+  <mc:AlternateContent xmlns:mc="http://schemas.openxmlformats.org/markup-compatibility/2006" xmlns:p14="http://schemas.microsoft.com/office/powerpoint/2010/main">
+    <mc:Choice Requires="p14">
+      <p:transition spd="slow" p14:dur="2000"/>
+    </mc:Choice>
+    <mc:Fallback xmlns="">
+      <p:transition spd="slow"/>
+    </mc:Fallback>
+  </mc:AlternateContent>
 </p:sldLayout>
 </file>
 
@@ -427,7 +2089,7 @@
           <a:p>
             <a:fld id="{0EFB8B57-2592-4D05-B855-45D6760D828F}" type="datetimeFigureOut">
               <a:rPr lang="zh-CN" altLang="en-US" smtClean="0"/>
-              <a:t>2019/5/18</a:t>
+              <a:t>2019/5/20</a:t>
             </a:fld>
             <a:endParaRPr lang="zh-CN" altLang="en-US"/>
           </a:p>
@@ -485,6 +2147,14 @@
   <p:clrMapOvr>
     <a:masterClrMapping/>
   </p:clrMapOvr>
+  <mc:AlternateContent xmlns:mc="http://schemas.openxmlformats.org/markup-compatibility/2006" xmlns:p14="http://schemas.microsoft.com/office/powerpoint/2010/main">
+    <mc:Choice Requires="p14">
+      <p:transition spd="slow" p14:dur="2000"/>
+    </mc:Choice>
+    <mc:Fallback xmlns="">
+      <p:transition spd="slow"/>
+    </mc:Fallback>
+  </mc:AlternateContent>
 </p:sldLayout>
 </file>
 
@@ -607,7 +2277,7 @@
           <a:p>
             <a:fld id="{0EFB8B57-2592-4D05-B855-45D6760D828F}" type="datetimeFigureOut">
               <a:rPr lang="zh-CN" altLang="en-US" smtClean="0"/>
-              <a:t>2019/5/18</a:t>
+              <a:t>2019/5/20</a:t>
             </a:fld>
             <a:endParaRPr lang="zh-CN" altLang="en-US"/>
           </a:p>
@@ -665,6 +2335,14 @@
   <p:clrMapOvr>
     <a:masterClrMapping/>
   </p:clrMapOvr>
+  <mc:AlternateContent xmlns:mc="http://schemas.openxmlformats.org/markup-compatibility/2006" xmlns:p14="http://schemas.microsoft.com/office/powerpoint/2010/main">
+    <mc:Choice Requires="p14">
+      <p:transition spd="slow" p14:dur="2000"/>
+    </mc:Choice>
+    <mc:Fallback xmlns="">
+      <p:transition spd="slow"/>
+    </mc:Fallback>
+  </mc:AlternateContent>
 </p:sldLayout>
 </file>
 
@@ -777,7 +2455,7 @@
           <a:p>
             <a:fld id="{0EFB8B57-2592-4D05-B855-45D6760D828F}" type="datetimeFigureOut">
               <a:rPr lang="zh-CN" altLang="en-US" smtClean="0"/>
-              <a:t>2019/5/18</a:t>
+              <a:t>2019/5/20</a:t>
             </a:fld>
             <a:endParaRPr lang="zh-CN" altLang="en-US"/>
           </a:p>
@@ -835,6 +2513,14 @@
   <p:clrMapOvr>
     <a:masterClrMapping/>
   </p:clrMapOvr>
+  <mc:AlternateContent xmlns:mc="http://schemas.openxmlformats.org/markup-compatibility/2006" xmlns:p14="http://schemas.microsoft.com/office/powerpoint/2010/main">
+    <mc:Choice Requires="p14">
+      <p:transition spd="slow" p14:dur="2000"/>
+    </mc:Choice>
+    <mc:Fallback xmlns="">
+      <p:transition spd="slow"/>
+    </mc:Fallback>
+  </mc:AlternateContent>
 </p:sldLayout>
 </file>
 
@@ -1023,7 +2709,7 @@
           <a:p>
             <a:fld id="{0EFB8B57-2592-4D05-B855-45D6760D828F}" type="datetimeFigureOut">
               <a:rPr lang="zh-CN" altLang="en-US" smtClean="0"/>
-              <a:t>2019/5/18</a:t>
+              <a:t>2019/5/20</a:t>
             </a:fld>
             <a:endParaRPr lang="zh-CN" altLang="en-US"/>
           </a:p>
@@ -1081,6 +2767,14 @@
   <p:clrMapOvr>
     <a:masterClrMapping/>
   </p:clrMapOvr>
+  <mc:AlternateContent xmlns:mc="http://schemas.openxmlformats.org/markup-compatibility/2006" xmlns:p14="http://schemas.microsoft.com/office/powerpoint/2010/main">
+    <mc:Choice Requires="p14">
+      <p:transition spd="slow" p14:dur="2000"/>
+    </mc:Choice>
+    <mc:Fallback xmlns="">
+      <p:transition spd="slow"/>
+    </mc:Fallback>
+  </mc:AlternateContent>
 </p:sldLayout>
 </file>
 
@@ -1255,7 +2949,7 @@
           <a:p>
             <a:fld id="{0EFB8B57-2592-4D05-B855-45D6760D828F}" type="datetimeFigureOut">
               <a:rPr lang="zh-CN" altLang="en-US" smtClean="0"/>
-              <a:t>2019/5/18</a:t>
+              <a:t>2019/5/20</a:t>
             </a:fld>
             <a:endParaRPr lang="zh-CN" altLang="en-US"/>
           </a:p>
@@ -1313,6 +3007,14 @@
   <p:clrMapOvr>
     <a:masterClrMapping/>
   </p:clrMapOvr>
+  <mc:AlternateContent xmlns:mc="http://schemas.openxmlformats.org/markup-compatibility/2006" xmlns:p14="http://schemas.microsoft.com/office/powerpoint/2010/main">
+    <mc:Choice Requires="p14">
+      <p:transition spd="slow" p14:dur="2000"/>
+    </mc:Choice>
+    <mc:Fallback xmlns="">
+      <p:transition spd="slow"/>
+    </mc:Fallback>
+  </mc:AlternateContent>
 </p:sldLayout>
 </file>
 
@@ -1622,7 +3324,7 @@
           <a:p>
             <a:fld id="{0EFB8B57-2592-4D05-B855-45D6760D828F}" type="datetimeFigureOut">
               <a:rPr lang="zh-CN" altLang="en-US" smtClean="0"/>
-              <a:t>2019/5/18</a:t>
+              <a:t>2019/5/20</a:t>
             </a:fld>
             <a:endParaRPr lang="zh-CN" altLang="en-US"/>
           </a:p>
@@ -1680,6 +3382,14 @@
   <p:clrMapOvr>
     <a:masterClrMapping/>
   </p:clrMapOvr>
+  <mc:AlternateContent xmlns:mc="http://schemas.openxmlformats.org/markup-compatibility/2006" xmlns:p14="http://schemas.microsoft.com/office/powerpoint/2010/main">
+    <mc:Choice Requires="p14">
+      <p:transition spd="slow" p14:dur="2000"/>
+    </mc:Choice>
+    <mc:Fallback xmlns="">
+      <p:transition spd="slow"/>
+    </mc:Fallback>
+  </mc:AlternateContent>
 </p:sldLayout>
 </file>
 
@@ -1740,7 +3450,7 @@
           <a:p>
             <a:fld id="{0EFB8B57-2592-4D05-B855-45D6760D828F}" type="datetimeFigureOut">
               <a:rPr lang="zh-CN" altLang="en-US" smtClean="0"/>
-              <a:t>2019/5/18</a:t>
+              <a:t>2019/5/20</a:t>
             </a:fld>
             <a:endParaRPr lang="zh-CN" altLang="en-US"/>
           </a:p>
@@ -1798,6 +3508,14 @@
   <p:clrMapOvr>
     <a:masterClrMapping/>
   </p:clrMapOvr>
+  <mc:AlternateContent xmlns:mc="http://schemas.openxmlformats.org/markup-compatibility/2006" xmlns:p14="http://schemas.microsoft.com/office/powerpoint/2010/main">
+    <mc:Choice Requires="p14">
+      <p:transition spd="slow" p14:dur="2000"/>
+    </mc:Choice>
+    <mc:Fallback xmlns="">
+      <p:transition spd="slow"/>
+    </mc:Fallback>
+  </mc:AlternateContent>
 </p:sldLayout>
 </file>
 
@@ -1835,7 +3553,7 @@
           <a:p>
             <a:fld id="{0EFB8B57-2592-4D05-B855-45D6760D828F}" type="datetimeFigureOut">
               <a:rPr lang="zh-CN" altLang="en-US" smtClean="0"/>
-              <a:t>2019/5/18</a:t>
+              <a:t>2019/5/20</a:t>
             </a:fld>
             <a:endParaRPr lang="zh-CN" altLang="en-US"/>
           </a:p>
@@ -1893,6 +3611,14 @@
   <p:clrMapOvr>
     <a:masterClrMapping/>
   </p:clrMapOvr>
+  <mc:AlternateContent xmlns:mc="http://schemas.openxmlformats.org/markup-compatibility/2006" xmlns:p14="http://schemas.microsoft.com/office/powerpoint/2010/main">
+    <mc:Choice Requires="p14">
+      <p:transition spd="slow" p14:dur="2000"/>
+    </mc:Choice>
+    <mc:Fallback xmlns="">
+      <p:transition spd="slow"/>
+    </mc:Fallback>
+  </mc:AlternateContent>
 </p:sldLayout>
 </file>
 
@@ -2112,7 +3838,7 @@
           <a:p>
             <a:fld id="{0EFB8B57-2592-4D05-B855-45D6760D828F}" type="datetimeFigureOut">
               <a:rPr lang="zh-CN" altLang="en-US" smtClean="0"/>
-              <a:t>2019/5/18</a:t>
+              <a:t>2019/5/20</a:t>
             </a:fld>
             <a:endParaRPr lang="zh-CN" altLang="en-US"/>
           </a:p>
@@ -2170,6 +3896,14 @@
   <p:clrMapOvr>
     <a:masterClrMapping/>
   </p:clrMapOvr>
+  <mc:AlternateContent xmlns:mc="http://schemas.openxmlformats.org/markup-compatibility/2006" xmlns:p14="http://schemas.microsoft.com/office/powerpoint/2010/main">
+    <mc:Choice Requires="p14">
+      <p:transition spd="slow" p14:dur="2000"/>
+    </mc:Choice>
+    <mc:Fallback xmlns="">
+      <p:transition spd="slow"/>
+    </mc:Fallback>
+  </mc:AlternateContent>
 </p:sldLayout>
 </file>
 
@@ -2365,7 +4099,7 @@
           <a:p>
             <a:fld id="{0EFB8B57-2592-4D05-B855-45D6760D828F}" type="datetimeFigureOut">
               <a:rPr lang="zh-CN" altLang="en-US" smtClean="0"/>
-              <a:t>2019/5/18</a:t>
+              <a:t>2019/5/20</a:t>
             </a:fld>
             <a:endParaRPr lang="zh-CN" altLang="en-US"/>
           </a:p>
@@ -2423,6 +4157,14 @@
   <p:clrMapOvr>
     <a:masterClrMapping/>
   </p:clrMapOvr>
+  <mc:AlternateContent xmlns:mc="http://schemas.openxmlformats.org/markup-compatibility/2006" xmlns:p14="http://schemas.microsoft.com/office/powerpoint/2010/main">
+    <mc:Choice Requires="p14">
+      <p:transition spd="slow" p14:dur="2000"/>
+    </mc:Choice>
+    <mc:Fallback xmlns="">
+      <p:transition spd="slow"/>
+    </mc:Fallback>
+  </mc:AlternateContent>
 </p:sldLayout>
 </file>
 
@@ -2578,7 +4320,7 @@
           <a:p>
             <a:fld id="{0EFB8B57-2592-4D05-B855-45D6760D828F}" type="datetimeFigureOut">
               <a:rPr lang="zh-CN" altLang="en-US" smtClean="0"/>
-              <a:t>2019/5/18</a:t>
+              <a:t>2019/5/20</a:t>
             </a:fld>
             <a:endParaRPr lang="zh-CN" altLang="en-US"/>
           </a:p>
@@ -2683,6 +4425,14 @@
     <p:sldLayoutId id="2147483658" r:id="rId10"/>
     <p:sldLayoutId id="2147483659" r:id="rId11"/>
   </p:sldLayoutIdLst>
+  <mc:AlternateContent xmlns:mc="http://schemas.openxmlformats.org/markup-compatibility/2006" xmlns:p14="http://schemas.microsoft.com/office/powerpoint/2010/main">
+    <mc:Choice Requires="p14">
+      <p:transition spd="slow" p14:dur="2000"/>
+    </mc:Choice>
+    <mc:Fallback xmlns="">
+      <p:transition spd="slow"/>
+    </mc:Fallback>
+  </mc:AlternateContent>
   <p:txStyles>
     <p:titleStyle>
       <a:lvl1pPr algn="l" defTabSz="914400" rtl="0" eaLnBrk="1" latinLnBrk="0" hangingPunct="1">
@@ -3071,6 +4821,14 @@
   <p:clrMapOvr>
     <a:masterClrMapping/>
   </p:clrMapOvr>
+  <mc:AlternateContent xmlns:mc="http://schemas.openxmlformats.org/markup-compatibility/2006" xmlns:p14="http://schemas.microsoft.com/office/powerpoint/2010/main">
+    <mc:Choice Requires="p14">
+      <p:transition spd="slow" p14:dur="2000" advTm="18052"/>
+    </mc:Choice>
+    <mc:Fallback xmlns="">
+      <p:transition spd="slow" advTm="18052"/>
+    </mc:Fallback>
+  </mc:AlternateContent>
   <p:timing>
     <p:tnLst>
       <p:par>
@@ -3132,7 +4890,7 @@
           </p:nvPr>
         </p:nvPicPr>
         <p:blipFill>
-          <a:blip r:embed="rId2">
+          <a:blip r:embed="rId3">
             <a:extLst>
               <a:ext uri="{28A0092B-C50C-407E-A947-70E740481C1C}">
                 <a14:useLocalDpi xmlns:a14="http://schemas.microsoft.com/office/drawing/2010/main" val="0"/>
@@ -3212,7 +4970,6 @@
               <a:rPr lang="zh-CN" altLang="en-US" dirty="0"/>
               <a:t>应用软件之一</a:t>
             </a:r>
-            <a:endParaRPr lang="zh-CN" altLang="en-US" dirty="0"/>
           </a:p>
         </p:txBody>
       </p:sp>
@@ -3225,7 +4982,7 @@
           <p:nvPr/>
         </p:nvPicPr>
         <p:blipFill>
-          <a:blip r:embed="rId3">
+          <a:blip r:embed="rId4">
             <a:extLst>
               <a:ext uri="{28A0092B-C50C-407E-A947-70E740481C1C}">
                 <a14:useLocalDpi xmlns:a14="http://schemas.microsoft.com/office/drawing/2010/main" val="0"/>
@@ -3255,7 +5012,7 @@
           <p:nvPr/>
         </p:nvPicPr>
         <p:blipFill>
-          <a:blip r:embed="rId4">
+          <a:blip r:embed="rId5">
             <a:extLst>
               <a:ext uri="{28A0092B-C50C-407E-A947-70E740481C1C}">
                 <a14:useLocalDpi xmlns:a14="http://schemas.microsoft.com/office/drawing/2010/main" val="0"/>
@@ -3285,7 +5042,7 @@
           <p:nvPr/>
         </p:nvPicPr>
         <p:blipFill>
-          <a:blip r:embed="rId5">
+          <a:blip r:embed="rId6">
             <a:extLst>
               <a:ext uri="{28A0092B-C50C-407E-A947-70E740481C1C}">
                 <a14:useLocalDpi xmlns:a14="http://schemas.microsoft.com/office/drawing/2010/main" val="0"/>
@@ -3316,6 +5073,14 @@
   <p:clrMapOvr>
     <a:masterClrMapping/>
   </p:clrMapOvr>
+  <mc:AlternateContent xmlns:mc="http://schemas.openxmlformats.org/markup-compatibility/2006" xmlns:p14="http://schemas.microsoft.com/office/powerpoint/2010/main">
+    <mc:Choice Requires="p14">
+      <p:transition spd="slow" p14:dur="2000" advTm="16859"/>
+    </mc:Choice>
+    <mc:Fallback xmlns="">
+      <p:transition spd="slow" advTm="16859"/>
+    </mc:Fallback>
+  </mc:AlternateContent>
   <p:timing>
     <p:tnLst>
       <p:par>
@@ -3377,7 +5142,7 @@
           </p:nvPr>
         </p:nvPicPr>
         <p:blipFill>
-          <a:blip r:embed="rId2"/>
+          <a:blip r:embed="rId3"/>
           <a:stretch>
             <a:fillRect/>
           </a:stretch>
@@ -3402,6 +5167,14 @@
   <p:clrMapOvr>
     <a:masterClrMapping/>
   </p:clrMapOvr>
+  <mc:AlternateContent xmlns:mc="http://schemas.openxmlformats.org/markup-compatibility/2006" xmlns:p14="http://schemas.microsoft.com/office/powerpoint/2010/main">
+    <mc:Choice Requires="p14">
+      <p:transition spd="slow" p14:dur="2000" advTm="52161"/>
+    </mc:Choice>
+    <mc:Fallback xmlns="">
+      <p:transition spd="slow" advTm="52161"/>
+    </mc:Fallback>
+  </mc:AlternateContent>
   <p:timing>
     <p:tnLst>
       <p:par>
@@ -3440,7 +5213,7 @@
           </p:nvPr>
         </p:nvPicPr>
         <p:blipFill>
-          <a:blip r:embed="rId2">
+          <a:blip r:embed="rId3">
             <a:extLst>
               <a:ext uri="{28A0092B-C50C-407E-A947-70E740481C1C}">
                 <a14:useLocalDpi xmlns:a14="http://schemas.microsoft.com/office/drawing/2010/main" val="0"/>
@@ -3467,7 +5240,7 @@
           <p:nvPr/>
         </p:nvPicPr>
         <p:blipFill>
-          <a:blip r:embed="rId3">
+          <a:blip r:embed="rId4">
             <a:extLst>
               <a:ext uri="{28A0092B-C50C-407E-A947-70E740481C1C}">
                 <a14:useLocalDpi xmlns:a14="http://schemas.microsoft.com/office/drawing/2010/main" val="0"/>
@@ -3497,7 +5270,7 @@
           <p:nvPr/>
         </p:nvPicPr>
         <p:blipFill>
-          <a:blip r:embed="rId4">
+          <a:blip r:embed="rId5">
             <a:extLst>
               <a:ext uri="{28A0092B-C50C-407E-A947-70E740481C1C}">
                 <a14:useLocalDpi xmlns:a14="http://schemas.microsoft.com/office/drawing/2010/main" val="0"/>
@@ -3527,7 +5300,7 @@
           <p:nvPr/>
         </p:nvPicPr>
         <p:blipFill>
-          <a:blip r:embed="rId5">
+          <a:blip r:embed="rId6">
             <a:extLst>
               <a:ext uri="{28A0092B-C50C-407E-A947-70E740481C1C}">
                 <a14:useLocalDpi xmlns:a14="http://schemas.microsoft.com/office/drawing/2010/main" val="0"/>
@@ -3557,7 +5330,7 @@
           <p:nvPr/>
         </p:nvPicPr>
         <p:blipFill>
-          <a:blip r:embed="rId6">
+          <a:blip r:embed="rId7">
             <a:extLst>
               <a:ext uri="{28A0092B-C50C-407E-A947-70E740481C1C}">
                 <a14:useLocalDpi xmlns:a14="http://schemas.microsoft.com/office/drawing/2010/main" val="0"/>
@@ -3587,7 +5360,7 @@
           <p:nvPr/>
         </p:nvPicPr>
         <p:blipFill>
-          <a:blip r:embed="rId7">
+          <a:blip r:embed="rId8">
             <a:extLst>
               <a:ext uri="{28A0092B-C50C-407E-A947-70E740481C1C}">
                 <a14:useLocalDpi xmlns:a14="http://schemas.microsoft.com/office/drawing/2010/main" val="0"/>
@@ -3617,7 +5390,7 @@
           <p:nvPr/>
         </p:nvPicPr>
         <p:blipFill>
-          <a:blip r:embed="rId8">
+          <a:blip r:embed="rId9">
             <a:extLst>
               <a:ext uri="{28A0092B-C50C-407E-A947-70E740481C1C}">
                 <a14:useLocalDpi xmlns:a14="http://schemas.microsoft.com/office/drawing/2010/main" val="0"/>
@@ -3647,7 +5420,7 @@
           <p:nvPr/>
         </p:nvPicPr>
         <p:blipFill>
-          <a:blip r:embed="rId9">
+          <a:blip r:embed="rId10">
             <a:extLst>
               <a:ext uri="{28A0092B-C50C-407E-A947-70E740481C1C}">
                 <a14:useLocalDpi xmlns:a14="http://schemas.microsoft.com/office/drawing/2010/main" val="0"/>
@@ -4270,6 +6043,14 @@
   <p:clrMapOvr>
     <a:masterClrMapping/>
   </p:clrMapOvr>
+  <mc:AlternateContent xmlns:mc="http://schemas.openxmlformats.org/markup-compatibility/2006" xmlns:p14="http://schemas.microsoft.com/office/powerpoint/2010/main">
+    <mc:Choice Requires="p14">
+      <p:transition spd="slow" p14:dur="2000" advTm="33518"/>
+    </mc:Choice>
+    <mc:Fallback xmlns="">
+      <p:transition spd="slow" advTm="33518"/>
+    </mc:Fallback>
+  </mc:AlternateContent>
   <p:timing>
     <p:tnLst>
       <p:par>
@@ -4306,7 +6087,7 @@
           <p:nvPr/>
         </p:nvPicPr>
         <p:blipFill>
-          <a:blip r:embed="rId2">
+          <a:blip r:embed="rId3">
             <a:extLst>
               <a:ext uri="{28A0092B-C50C-407E-A947-70E740481C1C}">
                 <a14:useLocalDpi xmlns:a14="http://schemas.microsoft.com/office/drawing/2010/main" val="0"/>
@@ -4360,6 +6141,9 @@
         </p:txBody>
       </p:sp>
     </p:spTree>
+    <p:custDataLst>
+      <p:tags r:id="rId1"/>
+    </p:custDataLst>
     <p:extLst>
       <p:ext uri="{BB962C8B-B14F-4D97-AF65-F5344CB8AC3E}">
         <p14:creationId xmlns:p14="http://schemas.microsoft.com/office/powerpoint/2010/main" val="486838300"/>
@@ -4369,6 +6153,14 @@
   <p:clrMapOvr>
     <a:masterClrMapping/>
   </p:clrMapOvr>
+  <mc:AlternateContent xmlns:mc="http://schemas.openxmlformats.org/markup-compatibility/2006" xmlns:p14="http://schemas.microsoft.com/office/powerpoint/2010/main">
+    <mc:Choice Requires="p14">
+      <p:transition spd="slow" p14:dur="2000" advTm="195291"/>
+    </mc:Choice>
+    <mc:Fallback xmlns="">
+      <p:transition spd="slow" advTm="195291"/>
+    </mc:Fallback>
+  </mc:AlternateContent>
   <p:timing>
     <p:tnLst>
       <p:par>
@@ -4572,6 +6364,14 @@
   <p:clrMapOvr>
     <a:masterClrMapping/>
   </p:clrMapOvr>
+  <mc:AlternateContent xmlns:mc="http://schemas.openxmlformats.org/markup-compatibility/2006" xmlns:p14="http://schemas.microsoft.com/office/powerpoint/2010/main">
+    <mc:Choice Requires="p14">
+      <p:transition spd="slow" p14:dur="2000" advTm="55977"/>
+    </mc:Choice>
+    <mc:Fallback xmlns="">
+      <p:transition spd="slow" advTm="55977"/>
+    </mc:Fallback>
+  </mc:AlternateContent>
   <p:timing>
     <p:tnLst>
       <p:par>
@@ -4673,6 +6473,14 @@
   <p:clrMapOvr>
     <a:masterClrMapping/>
   </p:clrMapOvr>
+  <mc:AlternateContent xmlns:mc="http://schemas.openxmlformats.org/markup-compatibility/2006" xmlns:p14="http://schemas.microsoft.com/office/powerpoint/2010/main">
+    <mc:Choice Requires="p14">
+      <p:transition spd="slow" p14:dur="2000" advTm="22060"/>
+    </mc:Choice>
+    <mc:Fallback xmlns="">
+      <p:transition spd="slow" advTm="22060"/>
+    </mc:Fallback>
+  </mc:AlternateContent>
   <p:timing>
     <p:tnLst>
       <p:par>
@@ -4820,12 +6628,906 @@
   <p:clrMapOvr>
     <a:masterClrMapping/>
   </p:clrMapOvr>
+  <mc:AlternateContent xmlns:mc="http://schemas.openxmlformats.org/markup-compatibility/2006" xmlns:p14="http://schemas.microsoft.com/office/powerpoint/2010/main">
+    <mc:Choice Requires="p14">
+      <p:transition spd="slow" p14:dur="2000" advTm="12421"/>
+    </mc:Choice>
+    <mc:Fallback xmlns="">
+      <p:transition spd="slow" advTm="12421"/>
+    </mc:Fallback>
+  </mc:AlternateContent>
   <p:timing>
     <p:tnLst>
       <p:par>
-        <p:cTn id="1" dur="indefinite" restart="never" nodeType="tmRoot"/>
+        <p:cTn id="1" dur="indefinite" restart="never" nodeType="tmRoot">
+          <p:childTnLst>
+            <p:seq concurrent="1" nextAc="seek">
+              <p:cTn id="2" dur="indefinite" nodeType="mainSeq">
+                <p:childTnLst>
+                  <p:par>
+                    <p:cTn id="3" fill="hold">
+                      <p:stCondLst>
+                        <p:cond delay="indefinite"/>
+                        <p:cond evt="onBegin" delay="0">
+                          <p:tn val="2"/>
+                        </p:cond>
+                      </p:stCondLst>
+                      <p:childTnLst>
+                        <p:par>
+                          <p:cTn id="4" fill="hold">
+                            <p:stCondLst>
+                              <p:cond delay="0"/>
+                            </p:stCondLst>
+                            <p:childTnLst>
+                              <p:par>
+                                <p:cTn id="5" presetID="42" presetClass="entr" presetSubtype="0" fill="hold" grpId="0" nodeType="afterEffect">
+                                  <p:stCondLst>
+                                    <p:cond delay="0"/>
+                                  </p:stCondLst>
+                                  <p:childTnLst>
+                                    <p:set>
+                                      <p:cBhvr>
+                                        <p:cTn id="6" dur="1" fill="hold">
+                                          <p:stCondLst>
+                                            <p:cond delay="0"/>
+                                          </p:stCondLst>
+                                        </p:cTn>
+                                        <p:tgtEl>
+                                          <p:spTgt spid="3">
+                                            <p:txEl>
+                                              <p:pRg st="0" end="0"/>
+                                            </p:txEl>
+                                          </p:spTgt>
+                                        </p:tgtEl>
+                                        <p:attrNameLst>
+                                          <p:attrName>style.visibility</p:attrName>
+                                        </p:attrNameLst>
+                                      </p:cBhvr>
+                                      <p:to>
+                                        <p:strVal val="visible"/>
+                                      </p:to>
+                                    </p:set>
+                                    <p:animEffect transition="in" filter="fade">
+                                      <p:cBhvr>
+                                        <p:cTn id="7" dur="1000"/>
+                                        <p:tgtEl>
+                                          <p:spTgt spid="3">
+                                            <p:txEl>
+                                              <p:pRg st="0" end="0"/>
+                                            </p:txEl>
+                                          </p:spTgt>
+                                        </p:tgtEl>
+                                      </p:cBhvr>
+                                    </p:animEffect>
+                                    <p:anim calcmode="lin" valueType="num">
+                                      <p:cBhvr>
+                                        <p:cTn id="8" dur="1000" fill="hold"/>
+                                        <p:tgtEl>
+                                          <p:spTgt spid="3">
+                                            <p:txEl>
+                                              <p:pRg st="0" end="0"/>
+                                            </p:txEl>
+                                          </p:spTgt>
+                                        </p:tgtEl>
+                                        <p:attrNameLst>
+                                          <p:attrName>ppt_x</p:attrName>
+                                        </p:attrNameLst>
+                                      </p:cBhvr>
+                                      <p:tavLst>
+                                        <p:tav tm="0">
+                                          <p:val>
+                                            <p:strVal val="#ppt_x"/>
+                                          </p:val>
+                                        </p:tav>
+                                        <p:tav tm="100000">
+                                          <p:val>
+                                            <p:strVal val="#ppt_x"/>
+                                          </p:val>
+                                        </p:tav>
+                                      </p:tavLst>
+                                    </p:anim>
+                                    <p:anim calcmode="lin" valueType="num">
+                                      <p:cBhvr>
+                                        <p:cTn id="9" dur="1000" fill="hold"/>
+                                        <p:tgtEl>
+                                          <p:spTgt spid="3">
+                                            <p:txEl>
+                                              <p:pRg st="0" end="0"/>
+                                            </p:txEl>
+                                          </p:spTgt>
+                                        </p:tgtEl>
+                                        <p:attrNameLst>
+                                          <p:attrName>ppt_y</p:attrName>
+                                        </p:attrNameLst>
+                                      </p:cBhvr>
+                                      <p:tavLst>
+                                        <p:tav tm="0">
+                                          <p:val>
+                                            <p:strVal val="#ppt_y+.1"/>
+                                          </p:val>
+                                        </p:tav>
+                                        <p:tav tm="100000">
+                                          <p:val>
+                                            <p:strVal val="#ppt_y"/>
+                                          </p:val>
+                                        </p:tav>
+                                      </p:tavLst>
+                                    </p:anim>
+                                  </p:childTnLst>
+                                </p:cTn>
+                              </p:par>
+                            </p:childTnLst>
+                          </p:cTn>
+                        </p:par>
+                        <p:par>
+                          <p:cTn id="10" fill="hold">
+                            <p:stCondLst>
+                              <p:cond delay="1000"/>
+                            </p:stCondLst>
+                            <p:childTnLst>
+                              <p:par>
+                                <p:cTn id="11" presetID="42" presetClass="entr" presetSubtype="0" fill="hold" grpId="0" nodeType="afterEffect">
+                                  <p:stCondLst>
+                                    <p:cond delay="0"/>
+                                  </p:stCondLst>
+                                  <p:childTnLst>
+                                    <p:set>
+                                      <p:cBhvr>
+                                        <p:cTn id="12" dur="1" fill="hold">
+                                          <p:stCondLst>
+                                            <p:cond delay="0"/>
+                                          </p:stCondLst>
+                                        </p:cTn>
+                                        <p:tgtEl>
+                                          <p:spTgt spid="3">
+                                            <p:txEl>
+                                              <p:pRg st="1" end="1"/>
+                                            </p:txEl>
+                                          </p:spTgt>
+                                        </p:tgtEl>
+                                        <p:attrNameLst>
+                                          <p:attrName>style.visibility</p:attrName>
+                                        </p:attrNameLst>
+                                      </p:cBhvr>
+                                      <p:to>
+                                        <p:strVal val="visible"/>
+                                      </p:to>
+                                    </p:set>
+                                    <p:animEffect transition="in" filter="fade">
+                                      <p:cBhvr>
+                                        <p:cTn id="13" dur="1000"/>
+                                        <p:tgtEl>
+                                          <p:spTgt spid="3">
+                                            <p:txEl>
+                                              <p:pRg st="1" end="1"/>
+                                            </p:txEl>
+                                          </p:spTgt>
+                                        </p:tgtEl>
+                                      </p:cBhvr>
+                                    </p:animEffect>
+                                    <p:anim calcmode="lin" valueType="num">
+                                      <p:cBhvr>
+                                        <p:cTn id="14" dur="1000" fill="hold"/>
+                                        <p:tgtEl>
+                                          <p:spTgt spid="3">
+                                            <p:txEl>
+                                              <p:pRg st="1" end="1"/>
+                                            </p:txEl>
+                                          </p:spTgt>
+                                        </p:tgtEl>
+                                        <p:attrNameLst>
+                                          <p:attrName>ppt_x</p:attrName>
+                                        </p:attrNameLst>
+                                      </p:cBhvr>
+                                      <p:tavLst>
+                                        <p:tav tm="0">
+                                          <p:val>
+                                            <p:strVal val="#ppt_x"/>
+                                          </p:val>
+                                        </p:tav>
+                                        <p:tav tm="100000">
+                                          <p:val>
+                                            <p:strVal val="#ppt_x"/>
+                                          </p:val>
+                                        </p:tav>
+                                      </p:tavLst>
+                                    </p:anim>
+                                    <p:anim calcmode="lin" valueType="num">
+                                      <p:cBhvr>
+                                        <p:cTn id="15" dur="1000" fill="hold"/>
+                                        <p:tgtEl>
+                                          <p:spTgt spid="3">
+                                            <p:txEl>
+                                              <p:pRg st="1" end="1"/>
+                                            </p:txEl>
+                                          </p:spTgt>
+                                        </p:tgtEl>
+                                        <p:attrNameLst>
+                                          <p:attrName>ppt_y</p:attrName>
+                                        </p:attrNameLst>
+                                      </p:cBhvr>
+                                      <p:tavLst>
+                                        <p:tav tm="0">
+                                          <p:val>
+                                            <p:strVal val="#ppt_y+.1"/>
+                                          </p:val>
+                                        </p:tav>
+                                        <p:tav tm="100000">
+                                          <p:val>
+                                            <p:strVal val="#ppt_y"/>
+                                          </p:val>
+                                        </p:tav>
+                                      </p:tavLst>
+                                    </p:anim>
+                                  </p:childTnLst>
+                                </p:cTn>
+                              </p:par>
+                            </p:childTnLst>
+                          </p:cTn>
+                        </p:par>
+                        <p:par>
+                          <p:cTn id="16" fill="hold">
+                            <p:stCondLst>
+                              <p:cond delay="2000"/>
+                            </p:stCondLst>
+                            <p:childTnLst>
+                              <p:par>
+                                <p:cTn id="17" presetID="42" presetClass="entr" presetSubtype="0" fill="hold" grpId="0" nodeType="afterEffect">
+                                  <p:stCondLst>
+                                    <p:cond delay="0"/>
+                                  </p:stCondLst>
+                                  <p:childTnLst>
+                                    <p:set>
+                                      <p:cBhvr>
+                                        <p:cTn id="18" dur="1" fill="hold">
+                                          <p:stCondLst>
+                                            <p:cond delay="0"/>
+                                          </p:stCondLst>
+                                        </p:cTn>
+                                        <p:tgtEl>
+                                          <p:spTgt spid="3">
+                                            <p:txEl>
+                                              <p:pRg st="2" end="2"/>
+                                            </p:txEl>
+                                          </p:spTgt>
+                                        </p:tgtEl>
+                                        <p:attrNameLst>
+                                          <p:attrName>style.visibility</p:attrName>
+                                        </p:attrNameLst>
+                                      </p:cBhvr>
+                                      <p:to>
+                                        <p:strVal val="visible"/>
+                                      </p:to>
+                                    </p:set>
+                                    <p:animEffect transition="in" filter="fade">
+                                      <p:cBhvr>
+                                        <p:cTn id="19" dur="1000"/>
+                                        <p:tgtEl>
+                                          <p:spTgt spid="3">
+                                            <p:txEl>
+                                              <p:pRg st="2" end="2"/>
+                                            </p:txEl>
+                                          </p:spTgt>
+                                        </p:tgtEl>
+                                      </p:cBhvr>
+                                    </p:animEffect>
+                                    <p:anim calcmode="lin" valueType="num">
+                                      <p:cBhvr>
+                                        <p:cTn id="20" dur="1000" fill="hold"/>
+                                        <p:tgtEl>
+                                          <p:spTgt spid="3">
+                                            <p:txEl>
+                                              <p:pRg st="2" end="2"/>
+                                            </p:txEl>
+                                          </p:spTgt>
+                                        </p:tgtEl>
+                                        <p:attrNameLst>
+                                          <p:attrName>ppt_x</p:attrName>
+                                        </p:attrNameLst>
+                                      </p:cBhvr>
+                                      <p:tavLst>
+                                        <p:tav tm="0">
+                                          <p:val>
+                                            <p:strVal val="#ppt_x"/>
+                                          </p:val>
+                                        </p:tav>
+                                        <p:tav tm="100000">
+                                          <p:val>
+                                            <p:strVal val="#ppt_x"/>
+                                          </p:val>
+                                        </p:tav>
+                                      </p:tavLst>
+                                    </p:anim>
+                                    <p:anim calcmode="lin" valueType="num">
+                                      <p:cBhvr>
+                                        <p:cTn id="21" dur="1000" fill="hold"/>
+                                        <p:tgtEl>
+                                          <p:spTgt spid="3">
+                                            <p:txEl>
+                                              <p:pRg st="2" end="2"/>
+                                            </p:txEl>
+                                          </p:spTgt>
+                                        </p:tgtEl>
+                                        <p:attrNameLst>
+                                          <p:attrName>ppt_y</p:attrName>
+                                        </p:attrNameLst>
+                                      </p:cBhvr>
+                                      <p:tavLst>
+                                        <p:tav tm="0">
+                                          <p:val>
+                                            <p:strVal val="#ppt_y+.1"/>
+                                          </p:val>
+                                        </p:tav>
+                                        <p:tav tm="100000">
+                                          <p:val>
+                                            <p:strVal val="#ppt_y"/>
+                                          </p:val>
+                                        </p:tav>
+                                      </p:tavLst>
+                                    </p:anim>
+                                  </p:childTnLst>
+                                </p:cTn>
+                              </p:par>
+                            </p:childTnLst>
+                          </p:cTn>
+                        </p:par>
+                        <p:par>
+                          <p:cTn id="22" fill="hold">
+                            <p:stCondLst>
+                              <p:cond delay="3000"/>
+                            </p:stCondLst>
+                            <p:childTnLst>
+                              <p:par>
+                                <p:cTn id="23" presetID="42" presetClass="entr" presetSubtype="0" fill="hold" grpId="0" nodeType="afterEffect">
+                                  <p:stCondLst>
+                                    <p:cond delay="0"/>
+                                  </p:stCondLst>
+                                  <p:childTnLst>
+                                    <p:set>
+                                      <p:cBhvr>
+                                        <p:cTn id="24" dur="1" fill="hold">
+                                          <p:stCondLst>
+                                            <p:cond delay="0"/>
+                                          </p:stCondLst>
+                                        </p:cTn>
+                                        <p:tgtEl>
+                                          <p:spTgt spid="3">
+                                            <p:txEl>
+                                              <p:pRg st="3" end="3"/>
+                                            </p:txEl>
+                                          </p:spTgt>
+                                        </p:tgtEl>
+                                        <p:attrNameLst>
+                                          <p:attrName>style.visibility</p:attrName>
+                                        </p:attrNameLst>
+                                      </p:cBhvr>
+                                      <p:to>
+                                        <p:strVal val="visible"/>
+                                      </p:to>
+                                    </p:set>
+                                    <p:animEffect transition="in" filter="fade">
+                                      <p:cBhvr>
+                                        <p:cTn id="25" dur="1000"/>
+                                        <p:tgtEl>
+                                          <p:spTgt spid="3">
+                                            <p:txEl>
+                                              <p:pRg st="3" end="3"/>
+                                            </p:txEl>
+                                          </p:spTgt>
+                                        </p:tgtEl>
+                                      </p:cBhvr>
+                                    </p:animEffect>
+                                    <p:anim calcmode="lin" valueType="num">
+                                      <p:cBhvr>
+                                        <p:cTn id="26" dur="1000" fill="hold"/>
+                                        <p:tgtEl>
+                                          <p:spTgt spid="3">
+                                            <p:txEl>
+                                              <p:pRg st="3" end="3"/>
+                                            </p:txEl>
+                                          </p:spTgt>
+                                        </p:tgtEl>
+                                        <p:attrNameLst>
+                                          <p:attrName>ppt_x</p:attrName>
+                                        </p:attrNameLst>
+                                      </p:cBhvr>
+                                      <p:tavLst>
+                                        <p:tav tm="0">
+                                          <p:val>
+                                            <p:strVal val="#ppt_x"/>
+                                          </p:val>
+                                        </p:tav>
+                                        <p:tav tm="100000">
+                                          <p:val>
+                                            <p:strVal val="#ppt_x"/>
+                                          </p:val>
+                                        </p:tav>
+                                      </p:tavLst>
+                                    </p:anim>
+                                    <p:anim calcmode="lin" valueType="num">
+                                      <p:cBhvr>
+                                        <p:cTn id="27" dur="1000" fill="hold"/>
+                                        <p:tgtEl>
+                                          <p:spTgt spid="3">
+                                            <p:txEl>
+                                              <p:pRg st="3" end="3"/>
+                                            </p:txEl>
+                                          </p:spTgt>
+                                        </p:tgtEl>
+                                        <p:attrNameLst>
+                                          <p:attrName>ppt_y</p:attrName>
+                                        </p:attrNameLst>
+                                      </p:cBhvr>
+                                      <p:tavLst>
+                                        <p:tav tm="0">
+                                          <p:val>
+                                            <p:strVal val="#ppt_y+.1"/>
+                                          </p:val>
+                                        </p:tav>
+                                        <p:tav tm="100000">
+                                          <p:val>
+                                            <p:strVal val="#ppt_y"/>
+                                          </p:val>
+                                        </p:tav>
+                                      </p:tavLst>
+                                    </p:anim>
+                                  </p:childTnLst>
+                                </p:cTn>
+                              </p:par>
+                            </p:childTnLst>
+                          </p:cTn>
+                        </p:par>
+                        <p:par>
+                          <p:cTn id="28" fill="hold">
+                            <p:stCondLst>
+                              <p:cond delay="4000"/>
+                            </p:stCondLst>
+                            <p:childTnLst>
+                              <p:par>
+                                <p:cTn id="29" presetID="42" presetClass="entr" presetSubtype="0" fill="hold" grpId="0" nodeType="afterEffect">
+                                  <p:stCondLst>
+                                    <p:cond delay="0"/>
+                                  </p:stCondLst>
+                                  <p:childTnLst>
+                                    <p:set>
+                                      <p:cBhvr>
+                                        <p:cTn id="30" dur="1" fill="hold">
+                                          <p:stCondLst>
+                                            <p:cond delay="0"/>
+                                          </p:stCondLst>
+                                        </p:cTn>
+                                        <p:tgtEl>
+                                          <p:spTgt spid="3">
+                                            <p:txEl>
+                                              <p:pRg st="4" end="4"/>
+                                            </p:txEl>
+                                          </p:spTgt>
+                                        </p:tgtEl>
+                                        <p:attrNameLst>
+                                          <p:attrName>style.visibility</p:attrName>
+                                        </p:attrNameLst>
+                                      </p:cBhvr>
+                                      <p:to>
+                                        <p:strVal val="visible"/>
+                                      </p:to>
+                                    </p:set>
+                                    <p:animEffect transition="in" filter="fade">
+                                      <p:cBhvr>
+                                        <p:cTn id="31" dur="1000"/>
+                                        <p:tgtEl>
+                                          <p:spTgt spid="3">
+                                            <p:txEl>
+                                              <p:pRg st="4" end="4"/>
+                                            </p:txEl>
+                                          </p:spTgt>
+                                        </p:tgtEl>
+                                      </p:cBhvr>
+                                    </p:animEffect>
+                                    <p:anim calcmode="lin" valueType="num">
+                                      <p:cBhvr>
+                                        <p:cTn id="32" dur="1000" fill="hold"/>
+                                        <p:tgtEl>
+                                          <p:spTgt spid="3">
+                                            <p:txEl>
+                                              <p:pRg st="4" end="4"/>
+                                            </p:txEl>
+                                          </p:spTgt>
+                                        </p:tgtEl>
+                                        <p:attrNameLst>
+                                          <p:attrName>ppt_x</p:attrName>
+                                        </p:attrNameLst>
+                                      </p:cBhvr>
+                                      <p:tavLst>
+                                        <p:tav tm="0">
+                                          <p:val>
+                                            <p:strVal val="#ppt_x"/>
+                                          </p:val>
+                                        </p:tav>
+                                        <p:tav tm="100000">
+                                          <p:val>
+                                            <p:strVal val="#ppt_x"/>
+                                          </p:val>
+                                        </p:tav>
+                                      </p:tavLst>
+                                    </p:anim>
+                                    <p:anim calcmode="lin" valueType="num">
+                                      <p:cBhvr>
+                                        <p:cTn id="33" dur="1000" fill="hold"/>
+                                        <p:tgtEl>
+                                          <p:spTgt spid="3">
+                                            <p:txEl>
+                                              <p:pRg st="4" end="4"/>
+                                            </p:txEl>
+                                          </p:spTgt>
+                                        </p:tgtEl>
+                                        <p:attrNameLst>
+                                          <p:attrName>ppt_y</p:attrName>
+                                        </p:attrNameLst>
+                                      </p:cBhvr>
+                                      <p:tavLst>
+                                        <p:tav tm="0">
+                                          <p:val>
+                                            <p:strVal val="#ppt_y+.1"/>
+                                          </p:val>
+                                        </p:tav>
+                                        <p:tav tm="100000">
+                                          <p:val>
+                                            <p:strVal val="#ppt_y"/>
+                                          </p:val>
+                                        </p:tav>
+                                      </p:tavLst>
+                                    </p:anim>
+                                  </p:childTnLst>
+                                </p:cTn>
+                              </p:par>
+                            </p:childTnLst>
+                          </p:cTn>
+                        </p:par>
+                        <p:par>
+                          <p:cTn id="34" fill="hold">
+                            <p:stCondLst>
+                              <p:cond delay="5000"/>
+                            </p:stCondLst>
+                            <p:childTnLst>
+                              <p:par>
+                                <p:cTn id="35" presetID="42" presetClass="entr" presetSubtype="0" fill="hold" grpId="0" nodeType="afterEffect">
+                                  <p:stCondLst>
+                                    <p:cond delay="0"/>
+                                  </p:stCondLst>
+                                  <p:childTnLst>
+                                    <p:set>
+                                      <p:cBhvr>
+                                        <p:cTn id="36" dur="1" fill="hold">
+                                          <p:stCondLst>
+                                            <p:cond delay="0"/>
+                                          </p:stCondLst>
+                                        </p:cTn>
+                                        <p:tgtEl>
+                                          <p:spTgt spid="3">
+                                            <p:txEl>
+                                              <p:pRg st="5" end="5"/>
+                                            </p:txEl>
+                                          </p:spTgt>
+                                        </p:tgtEl>
+                                        <p:attrNameLst>
+                                          <p:attrName>style.visibility</p:attrName>
+                                        </p:attrNameLst>
+                                      </p:cBhvr>
+                                      <p:to>
+                                        <p:strVal val="visible"/>
+                                      </p:to>
+                                    </p:set>
+                                    <p:animEffect transition="in" filter="fade">
+                                      <p:cBhvr>
+                                        <p:cTn id="37" dur="1000"/>
+                                        <p:tgtEl>
+                                          <p:spTgt spid="3">
+                                            <p:txEl>
+                                              <p:pRg st="5" end="5"/>
+                                            </p:txEl>
+                                          </p:spTgt>
+                                        </p:tgtEl>
+                                      </p:cBhvr>
+                                    </p:animEffect>
+                                    <p:anim calcmode="lin" valueType="num">
+                                      <p:cBhvr>
+                                        <p:cTn id="38" dur="1000" fill="hold"/>
+                                        <p:tgtEl>
+                                          <p:spTgt spid="3">
+                                            <p:txEl>
+                                              <p:pRg st="5" end="5"/>
+                                            </p:txEl>
+                                          </p:spTgt>
+                                        </p:tgtEl>
+                                        <p:attrNameLst>
+                                          <p:attrName>ppt_x</p:attrName>
+                                        </p:attrNameLst>
+                                      </p:cBhvr>
+                                      <p:tavLst>
+                                        <p:tav tm="0">
+                                          <p:val>
+                                            <p:strVal val="#ppt_x"/>
+                                          </p:val>
+                                        </p:tav>
+                                        <p:tav tm="100000">
+                                          <p:val>
+                                            <p:strVal val="#ppt_x"/>
+                                          </p:val>
+                                        </p:tav>
+                                      </p:tavLst>
+                                    </p:anim>
+                                    <p:anim calcmode="lin" valueType="num">
+                                      <p:cBhvr>
+                                        <p:cTn id="39" dur="1000" fill="hold"/>
+                                        <p:tgtEl>
+                                          <p:spTgt spid="3">
+                                            <p:txEl>
+                                              <p:pRg st="5" end="5"/>
+                                            </p:txEl>
+                                          </p:spTgt>
+                                        </p:tgtEl>
+                                        <p:attrNameLst>
+                                          <p:attrName>ppt_y</p:attrName>
+                                        </p:attrNameLst>
+                                      </p:cBhvr>
+                                      <p:tavLst>
+                                        <p:tav tm="0">
+                                          <p:val>
+                                            <p:strVal val="#ppt_y+.1"/>
+                                          </p:val>
+                                        </p:tav>
+                                        <p:tav tm="100000">
+                                          <p:val>
+                                            <p:strVal val="#ppt_y"/>
+                                          </p:val>
+                                        </p:tav>
+                                      </p:tavLst>
+                                    </p:anim>
+                                  </p:childTnLst>
+                                </p:cTn>
+                              </p:par>
+                            </p:childTnLst>
+                          </p:cTn>
+                        </p:par>
+                        <p:par>
+                          <p:cTn id="40" fill="hold">
+                            <p:stCondLst>
+                              <p:cond delay="6000"/>
+                            </p:stCondLst>
+                            <p:childTnLst>
+                              <p:par>
+                                <p:cTn id="41" presetID="42" presetClass="entr" presetSubtype="0" fill="hold" grpId="0" nodeType="afterEffect">
+                                  <p:stCondLst>
+                                    <p:cond delay="0"/>
+                                  </p:stCondLst>
+                                  <p:childTnLst>
+                                    <p:set>
+                                      <p:cBhvr>
+                                        <p:cTn id="42" dur="1" fill="hold">
+                                          <p:stCondLst>
+                                            <p:cond delay="0"/>
+                                          </p:stCondLst>
+                                        </p:cTn>
+                                        <p:tgtEl>
+                                          <p:spTgt spid="3">
+                                            <p:txEl>
+                                              <p:pRg st="6" end="6"/>
+                                            </p:txEl>
+                                          </p:spTgt>
+                                        </p:tgtEl>
+                                        <p:attrNameLst>
+                                          <p:attrName>style.visibility</p:attrName>
+                                        </p:attrNameLst>
+                                      </p:cBhvr>
+                                      <p:to>
+                                        <p:strVal val="visible"/>
+                                      </p:to>
+                                    </p:set>
+                                    <p:animEffect transition="in" filter="fade">
+                                      <p:cBhvr>
+                                        <p:cTn id="43" dur="1000"/>
+                                        <p:tgtEl>
+                                          <p:spTgt spid="3">
+                                            <p:txEl>
+                                              <p:pRg st="6" end="6"/>
+                                            </p:txEl>
+                                          </p:spTgt>
+                                        </p:tgtEl>
+                                      </p:cBhvr>
+                                    </p:animEffect>
+                                    <p:anim calcmode="lin" valueType="num">
+                                      <p:cBhvr>
+                                        <p:cTn id="44" dur="1000" fill="hold"/>
+                                        <p:tgtEl>
+                                          <p:spTgt spid="3">
+                                            <p:txEl>
+                                              <p:pRg st="6" end="6"/>
+                                            </p:txEl>
+                                          </p:spTgt>
+                                        </p:tgtEl>
+                                        <p:attrNameLst>
+                                          <p:attrName>ppt_x</p:attrName>
+                                        </p:attrNameLst>
+                                      </p:cBhvr>
+                                      <p:tavLst>
+                                        <p:tav tm="0">
+                                          <p:val>
+                                            <p:strVal val="#ppt_x"/>
+                                          </p:val>
+                                        </p:tav>
+                                        <p:tav tm="100000">
+                                          <p:val>
+                                            <p:strVal val="#ppt_x"/>
+                                          </p:val>
+                                        </p:tav>
+                                      </p:tavLst>
+                                    </p:anim>
+                                    <p:anim calcmode="lin" valueType="num">
+                                      <p:cBhvr>
+                                        <p:cTn id="45" dur="1000" fill="hold"/>
+                                        <p:tgtEl>
+                                          <p:spTgt spid="3">
+                                            <p:txEl>
+                                              <p:pRg st="6" end="6"/>
+                                            </p:txEl>
+                                          </p:spTgt>
+                                        </p:tgtEl>
+                                        <p:attrNameLst>
+                                          <p:attrName>ppt_y</p:attrName>
+                                        </p:attrNameLst>
+                                      </p:cBhvr>
+                                      <p:tavLst>
+                                        <p:tav tm="0">
+                                          <p:val>
+                                            <p:strVal val="#ppt_y+.1"/>
+                                          </p:val>
+                                        </p:tav>
+                                        <p:tav tm="100000">
+                                          <p:val>
+                                            <p:strVal val="#ppt_y"/>
+                                          </p:val>
+                                        </p:tav>
+                                      </p:tavLst>
+                                    </p:anim>
+                                  </p:childTnLst>
+                                </p:cTn>
+                              </p:par>
+                            </p:childTnLst>
+                          </p:cTn>
+                        </p:par>
+                        <p:par>
+                          <p:cTn id="46" fill="hold">
+                            <p:stCondLst>
+                              <p:cond delay="7000"/>
+                            </p:stCondLst>
+                            <p:childTnLst>
+                              <p:par>
+                                <p:cTn id="47" presetID="42" presetClass="entr" presetSubtype="0" fill="hold" grpId="0" nodeType="afterEffect">
+                                  <p:stCondLst>
+                                    <p:cond delay="0"/>
+                                  </p:stCondLst>
+                                  <p:childTnLst>
+                                    <p:set>
+                                      <p:cBhvr>
+                                        <p:cTn id="48" dur="1" fill="hold">
+                                          <p:stCondLst>
+                                            <p:cond delay="0"/>
+                                          </p:stCondLst>
+                                        </p:cTn>
+                                        <p:tgtEl>
+                                          <p:spTgt spid="3">
+                                            <p:txEl>
+                                              <p:pRg st="7" end="7"/>
+                                            </p:txEl>
+                                          </p:spTgt>
+                                        </p:tgtEl>
+                                        <p:attrNameLst>
+                                          <p:attrName>style.visibility</p:attrName>
+                                        </p:attrNameLst>
+                                      </p:cBhvr>
+                                      <p:to>
+                                        <p:strVal val="visible"/>
+                                      </p:to>
+                                    </p:set>
+                                    <p:animEffect transition="in" filter="fade">
+                                      <p:cBhvr>
+                                        <p:cTn id="49" dur="1000"/>
+                                        <p:tgtEl>
+                                          <p:spTgt spid="3">
+                                            <p:txEl>
+                                              <p:pRg st="7" end="7"/>
+                                            </p:txEl>
+                                          </p:spTgt>
+                                        </p:tgtEl>
+                                      </p:cBhvr>
+                                    </p:animEffect>
+                                    <p:anim calcmode="lin" valueType="num">
+                                      <p:cBhvr>
+                                        <p:cTn id="50" dur="1000" fill="hold"/>
+                                        <p:tgtEl>
+                                          <p:spTgt spid="3">
+                                            <p:txEl>
+                                              <p:pRg st="7" end="7"/>
+                                            </p:txEl>
+                                          </p:spTgt>
+                                        </p:tgtEl>
+                                        <p:attrNameLst>
+                                          <p:attrName>ppt_x</p:attrName>
+                                        </p:attrNameLst>
+                                      </p:cBhvr>
+                                      <p:tavLst>
+                                        <p:tav tm="0">
+                                          <p:val>
+                                            <p:strVal val="#ppt_x"/>
+                                          </p:val>
+                                        </p:tav>
+                                        <p:tav tm="100000">
+                                          <p:val>
+                                            <p:strVal val="#ppt_x"/>
+                                          </p:val>
+                                        </p:tav>
+                                      </p:tavLst>
+                                    </p:anim>
+                                    <p:anim calcmode="lin" valueType="num">
+                                      <p:cBhvr>
+                                        <p:cTn id="51" dur="1000" fill="hold"/>
+                                        <p:tgtEl>
+                                          <p:spTgt spid="3">
+                                            <p:txEl>
+                                              <p:pRg st="7" end="7"/>
+                                            </p:txEl>
+                                          </p:spTgt>
+                                        </p:tgtEl>
+                                        <p:attrNameLst>
+                                          <p:attrName>ppt_y</p:attrName>
+                                        </p:attrNameLst>
+                                      </p:cBhvr>
+                                      <p:tavLst>
+                                        <p:tav tm="0">
+                                          <p:val>
+                                            <p:strVal val="#ppt_y+.1"/>
+                                          </p:val>
+                                        </p:tav>
+                                        <p:tav tm="100000">
+                                          <p:val>
+                                            <p:strVal val="#ppt_y"/>
+                                          </p:val>
+                                        </p:tav>
+                                      </p:tavLst>
+                                    </p:anim>
+                                  </p:childTnLst>
+                                </p:cTn>
+                              </p:par>
+                            </p:childTnLst>
+                          </p:cTn>
+                        </p:par>
+                      </p:childTnLst>
+                    </p:cTn>
+                  </p:par>
+                </p:childTnLst>
+              </p:cTn>
+              <p:prevCondLst>
+                <p:cond evt="onPrev" delay="0">
+                  <p:tgtEl>
+                    <p:sldTgt/>
+                  </p:tgtEl>
+                </p:cond>
+              </p:prevCondLst>
+              <p:nextCondLst>
+                <p:cond evt="onNext" delay="0">
+                  <p:tgtEl>
+                    <p:sldTgt/>
+                  </p:tgtEl>
+                </p:cond>
+              </p:nextCondLst>
+            </p:seq>
+          </p:childTnLst>
+        </p:cTn>
       </p:par>
     </p:tnLst>
+    <p:bldLst>
+      <p:bldP spid="3" grpId="0" uiExpand="1" build="p"/>
+    </p:bldLst>
   </p:timing>
 </p:sld>
 </file>
@@ -4968,7 +7670,7 @@
           <p:nvPr/>
         </p:nvPicPr>
         <p:blipFill>
-          <a:blip r:embed="rId2">
+          <a:blip r:embed="rId3">
             <a:extLst>
               <a:ext uri="{28A0092B-C50C-407E-A947-70E740481C1C}">
                 <a14:useLocalDpi xmlns:a14="http://schemas.microsoft.com/office/drawing/2010/main" val="0"/>
@@ -4998,7 +7700,7 @@
           <p:nvPr/>
         </p:nvPicPr>
         <p:blipFill>
-          <a:blip r:embed="rId3">
+          <a:blip r:embed="rId4">
             <a:extLst>
               <a:ext uri="{28A0092B-C50C-407E-A947-70E740481C1C}">
                 <a14:useLocalDpi xmlns:a14="http://schemas.microsoft.com/office/drawing/2010/main" val="0"/>
@@ -5029,6 +7731,14 @@
   <p:clrMapOvr>
     <a:masterClrMapping/>
   </p:clrMapOvr>
+  <mc:AlternateContent xmlns:mc="http://schemas.openxmlformats.org/markup-compatibility/2006" xmlns:p14="http://schemas.microsoft.com/office/powerpoint/2010/main">
+    <mc:Choice Requires="p14">
+      <p:transition spd="slow" p14:dur="2000" advTm="5161"/>
+    </mc:Choice>
+    <mc:Fallback xmlns="">
+      <p:transition spd="slow" advTm="5161"/>
+    </mc:Fallback>
+  </mc:AlternateContent>
   <p:timing>
     <p:tnLst>
       <p:par>
@@ -5065,7 +7775,7 @@
           <p:nvPr/>
         </p:nvPicPr>
         <p:blipFill>
-          <a:blip r:embed="rId2">
+          <a:blip r:embed="rId4">
             <a:extLst>
               <a:ext uri="{28A0092B-C50C-407E-A947-70E740481C1C}">
                 <a14:useLocalDpi xmlns:a14="http://schemas.microsoft.com/office/drawing/2010/main" val="0"/>
@@ -5095,7 +7805,7 @@
           <p:nvPr/>
         </p:nvPicPr>
         <p:blipFill>
-          <a:blip r:embed="rId3">
+          <a:blip r:embed="rId5">
             <a:extLst>
               <a:ext uri="{28A0092B-C50C-407E-A947-70E740481C1C}">
                 <a14:useLocalDpi xmlns:a14="http://schemas.microsoft.com/office/drawing/2010/main" val="0"/>
@@ -5118,7 +7828,7 @@
       </p:pic>
       <p:grpSp>
         <p:nvGrpSpPr>
-          <p:cNvPr id="12" name="组合 11"/>
+          <p:cNvPr id="2" name="组合 1"/>
           <p:cNvGrpSpPr/>
           <p:nvPr/>
         </p:nvGrpSpPr>
@@ -5126,214 +7836,318 @@
           <a:xfrm>
             <a:off x="952108" y="1404232"/>
             <a:ext cx="10265895" cy="4632107"/>
-            <a:chOff x="1498862" y="1375065"/>
-            <a:chExt cx="9238045" cy="3703665"/>
+            <a:chOff x="952108" y="1404232"/>
+            <a:chExt cx="10265895" cy="4632107"/>
           </a:xfrm>
         </p:grpSpPr>
+        <p:grpSp>
+          <p:nvGrpSpPr>
+            <p:cNvPr id="12" name="组合 11"/>
+            <p:cNvGrpSpPr/>
+            <p:nvPr/>
+          </p:nvGrpSpPr>
+          <p:grpSpPr>
+            <a:xfrm>
+              <a:off x="952108" y="1404232"/>
+              <a:ext cx="10265895" cy="4632107"/>
+              <a:chOff x="1498862" y="1375065"/>
+              <a:chExt cx="9238045" cy="3703665"/>
+            </a:xfrm>
+          </p:grpSpPr>
+          <p:sp>
+            <p:nvSpPr>
+              <p:cNvPr id="5" name="文本框 4"/>
+              <p:cNvSpPr txBox="1"/>
+              <p:nvPr/>
+            </p:nvSpPr>
+            <p:spPr>
+              <a:xfrm>
+                <a:off x="1498862" y="2061331"/>
+                <a:ext cx="3949831" cy="664435"/>
+              </a:xfrm>
+              <a:prstGeom prst="rect">
+                <a:avLst/>
+              </a:prstGeom>
+              <a:noFill/>
+            </p:spPr>
+            <p:txBody>
+              <a:bodyPr wrap="square" rtlCol="0">
+                <a:spAutoFit/>
+              </a:bodyPr>
+              <a:lstStyle/>
+              <a:p>
+                <a:r>
+                  <a:rPr lang="zh-CN" altLang="en-US" sz="2400" dirty="0"/>
+                  <a:t>范围在</a:t>
+                </a:r>
+                <a:r>
+                  <a:rPr lang="en-US" altLang="zh-CN" sz="2400" dirty="0"/>
+                  <a:t>300-850 </a:t>
+                </a:r>
+                <a:r>
+                  <a:rPr lang="zh-CN" altLang="en-US" sz="2400" dirty="0"/>
+                  <a:t>分之间分数越高</a:t>
+                </a:r>
+                <a:r>
+                  <a:rPr lang="zh-CN" altLang="en-US" sz="2400" dirty="0" smtClean="0"/>
+                  <a:t>，说明</a:t>
+                </a:r>
+                <a:r>
+                  <a:rPr lang="zh-CN" altLang="en-US" sz="2400" dirty="0"/>
+                  <a:t>客户的信用风险越</a:t>
+                </a:r>
+                <a:r>
+                  <a:rPr lang="zh-CN" altLang="en-US" sz="2400" dirty="0" smtClean="0"/>
+                  <a:t>小。</a:t>
+                </a:r>
+                <a:endParaRPr lang="zh-CN" altLang="en-US" sz="2400" dirty="0"/>
+              </a:p>
+            </p:txBody>
+          </p:sp>
+          <p:sp>
+            <p:nvSpPr>
+              <p:cNvPr id="6" name="文本框 5"/>
+              <p:cNvSpPr txBox="1"/>
+              <p:nvPr/>
+            </p:nvSpPr>
+            <p:spPr>
+              <a:xfrm>
+                <a:off x="6787076" y="3053334"/>
+                <a:ext cx="3949831" cy="369131"/>
+              </a:xfrm>
+              <a:prstGeom prst="rect">
+                <a:avLst/>
+              </a:prstGeom>
+              <a:noFill/>
+            </p:spPr>
+            <p:txBody>
+              <a:bodyPr wrap="square" rtlCol="0">
+                <a:spAutoFit/>
+              </a:bodyPr>
+              <a:lstStyle/>
+              <a:p>
+                <a:r>
+                  <a:rPr lang="zh-CN" altLang="en-US" sz="2400" dirty="0" smtClean="0"/>
+                  <a:t>应用范围</a:t>
+                </a:r>
+                <a:endParaRPr lang="zh-CN" altLang="en-US" sz="2400" dirty="0"/>
+              </a:p>
+            </p:txBody>
+          </p:sp>
+          <p:sp>
+            <p:nvSpPr>
+              <p:cNvPr id="7" name="文本框 6"/>
+              <p:cNvSpPr txBox="1"/>
+              <p:nvPr/>
+            </p:nvSpPr>
+            <p:spPr>
+              <a:xfrm>
+                <a:off x="1498862" y="3528382"/>
+                <a:ext cx="3469064" cy="1550348"/>
+              </a:xfrm>
+              <a:prstGeom prst="rect">
+                <a:avLst/>
+              </a:prstGeom>
+              <a:noFill/>
+            </p:spPr>
+            <p:txBody>
+              <a:bodyPr wrap="square" rtlCol="0">
+                <a:spAutoFit/>
+              </a:bodyPr>
+              <a:lstStyle/>
+              <a:p>
+                <a:pPr marL="285750" indent="-285750">
+                  <a:buFont typeface="Arial" panose="020B0604020202020204" pitchFamily="34" charset="0"/>
+                  <a:buChar char="•"/>
+                </a:pPr>
+                <a:r>
+                  <a:rPr lang="zh-CN" altLang="en-US" sz="2400" dirty="0" smtClean="0"/>
+                  <a:t>信用</a:t>
+                </a:r>
+                <a:r>
+                  <a:rPr lang="zh-CN" altLang="en-US" sz="2400" dirty="0"/>
+                  <a:t>偿还</a:t>
+                </a:r>
+                <a:r>
+                  <a:rPr lang="zh-CN" altLang="en-US" sz="2400" dirty="0" smtClean="0"/>
+                  <a:t>历史</a:t>
+                </a:r>
+                <a:endParaRPr lang="en-US" altLang="zh-CN" sz="2400" dirty="0" smtClean="0"/>
+              </a:p>
+              <a:p>
+                <a:pPr marL="285750" indent="-285750">
+                  <a:buFont typeface="Arial" panose="020B0604020202020204" pitchFamily="34" charset="0"/>
+                  <a:buChar char="•"/>
+                </a:pPr>
+                <a:r>
+                  <a:rPr lang="zh-CN" altLang="en-US" sz="2400" dirty="0" smtClean="0"/>
+                  <a:t>信用</a:t>
+                </a:r>
+                <a:r>
+                  <a:rPr lang="zh-CN" altLang="en-US" sz="2400" dirty="0"/>
+                  <a:t>账户</a:t>
+                </a:r>
+                <a:r>
+                  <a:rPr lang="zh-CN" altLang="en-US" sz="2400" dirty="0" smtClean="0"/>
+                  <a:t>数</a:t>
+                </a:r>
+                <a:endParaRPr lang="en-US" altLang="zh-CN" sz="2400" dirty="0" smtClean="0"/>
+              </a:p>
+              <a:p>
+                <a:pPr marL="285750" indent="-285750">
+                  <a:buFont typeface="Arial" panose="020B0604020202020204" pitchFamily="34" charset="0"/>
+                  <a:buChar char="•"/>
+                </a:pPr>
+                <a:r>
+                  <a:rPr lang="zh-CN" altLang="en-US" sz="2400" dirty="0" smtClean="0"/>
+                  <a:t>使用</a:t>
+                </a:r>
+                <a:r>
+                  <a:rPr lang="zh-CN" altLang="en-US" sz="2400" dirty="0"/>
+                  <a:t>信用的</a:t>
+                </a:r>
+                <a:r>
+                  <a:rPr lang="zh-CN" altLang="en-US" sz="2400" dirty="0" smtClean="0"/>
+                  <a:t>年限</a:t>
+                </a:r>
+                <a:endParaRPr lang="en-US" altLang="zh-CN" sz="2400" dirty="0" smtClean="0"/>
+              </a:p>
+              <a:p>
+                <a:pPr marL="285750" indent="-285750">
+                  <a:buFont typeface="Arial" panose="020B0604020202020204" pitchFamily="34" charset="0"/>
+                  <a:buChar char="•"/>
+                </a:pPr>
+                <a:r>
+                  <a:rPr lang="zh-CN" altLang="en-US" sz="2400" dirty="0" smtClean="0"/>
+                  <a:t>正在</a:t>
+                </a:r>
+                <a:r>
+                  <a:rPr lang="zh-CN" altLang="en-US" sz="2400" dirty="0"/>
+                  <a:t>使用的信用</a:t>
+                </a:r>
+                <a:r>
+                  <a:rPr lang="zh-CN" altLang="en-US" sz="2400" dirty="0" smtClean="0"/>
+                  <a:t>类型</a:t>
+                </a:r>
+                <a:endParaRPr lang="en-US" altLang="zh-CN" sz="2400" dirty="0" smtClean="0"/>
+              </a:p>
+              <a:p>
+                <a:pPr marL="285750" indent="-285750">
+                  <a:buFont typeface="Arial" panose="020B0604020202020204" pitchFamily="34" charset="0"/>
+                  <a:buChar char="•"/>
+                </a:pPr>
+                <a:r>
+                  <a:rPr lang="zh-CN" altLang="en-US" sz="2400" dirty="0" smtClean="0"/>
+                  <a:t>新</a:t>
+                </a:r>
+                <a:r>
+                  <a:rPr lang="zh-CN" altLang="en-US" sz="2400" dirty="0"/>
+                  <a:t>开立的信用账户</a:t>
+                </a:r>
+              </a:p>
+            </p:txBody>
+          </p:sp>
+          <p:sp>
+            <p:nvSpPr>
+              <p:cNvPr id="9" name="文本框 8"/>
+              <p:cNvSpPr txBox="1"/>
+              <p:nvPr/>
+            </p:nvSpPr>
+            <p:spPr>
+              <a:xfrm>
+                <a:off x="6708080" y="2438262"/>
+                <a:ext cx="3949831" cy="369131"/>
+              </a:xfrm>
+              <a:prstGeom prst="rect">
+                <a:avLst/>
+              </a:prstGeom>
+              <a:noFill/>
+            </p:spPr>
+            <p:txBody>
+              <a:bodyPr wrap="square" rtlCol="0">
+                <a:spAutoFit/>
+              </a:bodyPr>
+              <a:lstStyle/>
+              <a:p>
+                <a:r>
+                  <a:rPr lang="zh-CN" altLang="en-US" sz="2400" b="1" dirty="0" smtClean="0"/>
+                  <a:t>局限性</a:t>
+                </a:r>
+                <a:endParaRPr lang="zh-CN" altLang="en-US" sz="2400" b="1" dirty="0"/>
+              </a:p>
+            </p:txBody>
+          </p:sp>
+          <p:sp>
+            <p:nvSpPr>
+              <p:cNvPr id="10" name="文本框 9"/>
+              <p:cNvSpPr txBox="1"/>
+              <p:nvPr/>
+            </p:nvSpPr>
+            <p:spPr>
+              <a:xfrm>
+                <a:off x="6768919" y="3528382"/>
+                <a:ext cx="3949831" cy="369131"/>
+              </a:xfrm>
+              <a:prstGeom prst="rect">
+                <a:avLst/>
+              </a:prstGeom>
+              <a:noFill/>
+            </p:spPr>
+            <p:txBody>
+              <a:bodyPr wrap="square" rtlCol="0">
+                <a:spAutoFit/>
+              </a:bodyPr>
+              <a:lstStyle/>
+              <a:p>
+                <a:r>
+                  <a:rPr lang="zh-CN" altLang="en-US" sz="2400" dirty="0" smtClean="0"/>
+                  <a:t>分数仅供参考</a:t>
+                </a:r>
+                <a:endParaRPr lang="zh-CN" altLang="en-US" sz="2400" dirty="0"/>
+              </a:p>
+            </p:txBody>
+          </p:sp>
+          <p:sp>
+            <p:nvSpPr>
+              <p:cNvPr id="11" name="文本框 10"/>
+              <p:cNvSpPr txBox="1"/>
+              <p:nvPr/>
+            </p:nvSpPr>
+            <p:spPr>
+              <a:xfrm>
+                <a:off x="1903422" y="1375065"/>
+                <a:ext cx="3949831" cy="369131"/>
+              </a:xfrm>
+              <a:prstGeom prst="rect">
+                <a:avLst/>
+              </a:prstGeom>
+              <a:noFill/>
+            </p:spPr>
+            <p:txBody>
+              <a:bodyPr wrap="square" rtlCol="0">
+                <a:spAutoFit/>
+              </a:bodyPr>
+              <a:lstStyle/>
+              <a:p>
+                <a:r>
+                  <a:rPr lang="zh-CN" altLang="en-US" sz="2400" b="1" dirty="0" smtClean="0"/>
+                  <a:t>特点</a:t>
+                </a:r>
+                <a:endParaRPr lang="zh-CN" altLang="en-US" sz="2400" b="1" dirty="0"/>
+              </a:p>
+            </p:txBody>
+          </p:sp>
+        </p:grpSp>
         <p:sp>
           <p:nvSpPr>
-            <p:cNvPr id="5" name="文本框 4"/>
+            <p:cNvPr id="13" name="文本框 12"/>
             <p:cNvSpPr txBox="1"/>
             <p:nvPr/>
           </p:nvSpPr>
           <p:spPr>
             <a:xfrm>
-              <a:off x="1498862" y="2602078"/>
-              <a:ext cx="3949831" cy="664435"/>
-            </a:xfrm>
-            <a:prstGeom prst="rect">
-              <a:avLst/>
-            </a:prstGeom>
-            <a:noFill/>
-          </p:spPr>
-          <p:txBody>
-            <a:bodyPr wrap="square" rtlCol="0">
-              <a:spAutoFit/>
-            </a:bodyPr>
-            <a:lstStyle/>
-            <a:p>
-              <a:r>
-                <a:rPr lang="zh-CN" altLang="en-US" sz="2400" dirty="0"/>
-                <a:t>范围在</a:t>
-              </a:r>
-              <a:r>
-                <a:rPr lang="en-US" altLang="zh-CN" sz="2400" dirty="0"/>
-                <a:t>300-850 </a:t>
-              </a:r>
-              <a:r>
-                <a:rPr lang="zh-CN" altLang="en-US" sz="2400" dirty="0"/>
-                <a:t>分之间分数越高</a:t>
-              </a:r>
-              <a:r>
-                <a:rPr lang="zh-CN" altLang="en-US" sz="2400" dirty="0" smtClean="0"/>
-                <a:t>，说明</a:t>
-              </a:r>
-              <a:r>
-                <a:rPr lang="zh-CN" altLang="en-US" sz="2400" dirty="0"/>
-                <a:t>客户的信用风险越</a:t>
-              </a:r>
-              <a:r>
-                <a:rPr lang="zh-CN" altLang="en-US" sz="2400" dirty="0" smtClean="0"/>
-                <a:t>小。</a:t>
-              </a:r>
-              <a:endParaRPr lang="zh-CN" altLang="en-US" sz="2400" dirty="0"/>
-            </a:p>
-          </p:txBody>
-        </p:sp>
-        <p:sp>
-          <p:nvSpPr>
-            <p:cNvPr id="6" name="文本框 5"/>
-            <p:cNvSpPr txBox="1"/>
-            <p:nvPr/>
-          </p:nvSpPr>
-          <p:spPr>
-            <a:xfrm>
-              <a:off x="6787076" y="3053334"/>
-              <a:ext cx="3949831" cy="369131"/>
-            </a:xfrm>
-            <a:prstGeom prst="rect">
-              <a:avLst/>
-            </a:prstGeom>
-            <a:noFill/>
-          </p:spPr>
-          <p:txBody>
-            <a:bodyPr wrap="square" rtlCol="0">
-              <a:spAutoFit/>
-            </a:bodyPr>
-            <a:lstStyle/>
-            <a:p>
-              <a:r>
-                <a:rPr lang="zh-CN" altLang="en-US" sz="2400" dirty="0" smtClean="0"/>
-                <a:t>应用范围</a:t>
-              </a:r>
-              <a:endParaRPr lang="zh-CN" altLang="en-US" sz="2400" dirty="0"/>
-            </a:p>
-          </p:txBody>
-        </p:sp>
-        <p:sp>
-          <p:nvSpPr>
-            <p:cNvPr id="7" name="文本框 6"/>
-            <p:cNvSpPr txBox="1"/>
-            <p:nvPr/>
-          </p:nvSpPr>
-          <p:spPr>
-            <a:xfrm>
-              <a:off x="1498862" y="3528382"/>
-              <a:ext cx="3469064" cy="1550348"/>
-            </a:xfrm>
-            <a:prstGeom prst="rect">
-              <a:avLst/>
-            </a:prstGeom>
-            <a:noFill/>
-          </p:spPr>
-          <p:txBody>
-            <a:bodyPr wrap="square" rtlCol="0">
-              <a:spAutoFit/>
-            </a:bodyPr>
-            <a:lstStyle/>
-            <a:p>
-              <a:pPr marL="285750" indent="-285750">
-                <a:buFont typeface="Arial" panose="020B0604020202020204" pitchFamily="34" charset="0"/>
-                <a:buChar char="•"/>
-              </a:pPr>
-              <a:r>
-                <a:rPr lang="zh-CN" altLang="en-US" sz="2400" dirty="0" smtClean="0"/>
-                <a:t>信用</a:t>
-              </a:r>
-              <a:r>
-                <a:rPr lang="zh-CN" altLang="en-US" sz="2400" dirty="0"/>
-                <a:t>偿还</a:t>
-              </a:r>
-              <a:r>
-                <a:rPr lang="zh-CN" altLang="en-US" sz="2400" dirty="0" smtClean="0"/>
-                <a:t>历史</a:t>
-              </a:r>
-              <a:endParaRPr lang="en-US" altLang="zh-CN" sz="2400" dirty="0" smtClean="0"/>
-            </a:p>
-            <a:p>
-              <a:pPr marL="285750" indent="-285750">
-                <a:buFont typeface="Arial" panose="020B0604020202020204" pitchFamily="34" charset="0"/>
-                <a:buChar char="•"/>
-              </a:pPr>
-              <a:r>
-                <a:rPr lang="zh-CN" altLang="en-US" sz="2400" dirty="0" smtClean="0"/>
-                <a:t>信用</a:t>
-              </a:r>
-              <a:r>
-                <a:rPr lang="zh-CN" altLang="en-US" sz="2400" dirty="0"/>
-                <a:t>账户</a:t>
-              </a:r>
-              <a:r>
-                <a:rPr lang="zh-CN" altLang="en-US" sz="2400" dirty="0" smtClean="0"/>
-                <a:t>数</a:t>
-              </a:r>
-              <a:endParaRPr lang="en-US" altLang="zh-CN" sz="2400" dirty="0" smtClean="0"/>
-            </a:p>
-            <a:p>
-              <a:pPr marL="285750" indent="-285750">
-                <a:buFont typeface="Arial" panose="020B0604020202020204" pitchFamily="34" charset="0"/>
-                <a:buChar char="•"/>
-              </a:pPr>
-              <a:r>
-                <a:rPr lang="zh-CN" altLang="en-US" sz="2400" dirty="0" smtClean="0"/>
-                <a:t>使用</a:t>
-              </a:r>
-              <a:r>
-                <a:rPr lang="zh-CN" altLang="en-US" sz="2400" dirty="0"/>
-                <a:t>信用的</a:t>
-              </a:r>
-              <a:r>
-                <a:rPr lang="zh-CN" altLang="en-US" sz="2400" dirty="0" smtClean="0"/>
-                <a:t>年限</a:t>
-              </a:r>
-              <a:endParaRPr lang="en-US" altLang="zh-CN" sz="2400" dirty="0" smtClean="0"/>
-            </a:p>
-            <a:p>
-              <a:pPr marL="285750" indent="-285750">
-                <a:buFont typeface="Arial" panose="020B0604020202020204" pitchFamily="34" charset="0"/>
-                <a:buChar char="•"/>
-              </a:pPr>
-              <a:r>
-                <a:rPr lang="zh-CN" altLang="en-US" sz="2400" dirty="0" smtClean="0"/>
-                <a:t>正在</a:t>
-              </a:r>
-              <a:r>
-                <a:rPr lang="zh-CN" altLang="en-US" sz="2400" dirty="0"/>
-                <a:t>使用的信用</a:t>
-              </a:r>
-              <a:r>
-                <a:rPr lang="zh-CN" altLang="en-US" sz="2400" dirty="0" smtClean="0"/>
-                <a:t>类型</a:t>
-              </a:r>
-              <a:endParaRPr lang="en-US" altLang="zh-CN" sz="2400" dirty="0" smtClean="0"/>
-            </a:p>
-            <a:p>
-              <a:pPr marL="285750" indent="-285750">
-                <a:buFont typeface="Arial" panose="020B0604020202020204" pitchFamily="34" charset="0"/>
-                <a:buChar char="•"/>
-              </a:pPr>
-              <a:r>
-                <a:rPr lang="zh-CN" altLang="en-US" sz="2400" dirty="0" smtClean="0"/>
-                <a:t>新</a:t>
-              </a:r>
-              <a:r>
-                <a:rPr lang="zh-CN" altLang="en-US" sz="2400" dirty="0"/>
-                <a:t>开立的信用账户</a:t>
-              </a:r>
-              <a:endParaRPr lang="zh-CN" altLang="en-US" sz="2400" dirty="0"/>
-            </a:p>
-          </p:txBody>
-        </p:sp>
-        <p:sp>
-          <p:nvSpPr>
-            <p:cNvPr id="9" name="文本框 8"/>
-            <p:cNvSpPr txBox="1"/>
-            <p:nvPr/>
-          </p:nvSpPr>
-          <p:spPr>
-            <a:xfrm>
-              <a:off x="6708080" y="1375065"/>
-              <a:ext cx="3949831" cy="369131"/>
+              <a:off x="1276804" y="3476325"/>
+              <a:ext cx="4389300" cy="461665"/>
             </a:xfrm>
             <a:prstGeom prst="rect">
               <a:avLst/>
@@ -5348,67 +8162,7 @@
             <a:p>
               <a:r>
                 <a:rPr lang="zh-CN" altLang="en-US" sz="2400" b="1" dirty="0" smtClean="0"/>
-                <a:t>局限性</a:t>
-              </a:r>
-              <a:endParaRPr lang="zh-CN" altLang="en-US" sz="2400" b="1" dirty="0"/>
-            </a:p>
-          </p:txBody>
-        </p:sp>
-        <p:sp>
-          <p:nvSpPr>
-            <p:cNvPr id="10" name="文本框 9"/>
-            <p:cNvSpPr txBox="1"/>
-            <p:nvPr/>
-          </p:nvSpPr>
-          <p:spPr>
-            <a:xfrm>
-              <a:off x="6768919" y="3528382"/>
-              <a:ext cx="3949831" cy="369131"/>
-            </a:xfrm>
-            <a:prstGeom prst="rect">
-              <a:avLst/>
-            </a:prstGeom>
-            <a:noFill/>
-          </p:spPr>
-          <p:txBody>
-            <a:bodyPr wrap="square" rtlCol="0">
-              <a:spAutoFit/>
-            </a:bodyPr>
-            <a:lstStyle/>
-            <a:p>
-              <a:r>
-                <a:rPr lang="zh-CN" altLang="en-US" sz="2400" dirty="0" smtClean="0"/>
-                <a:t>分数仅供参考</a:t>
-              </a:r>
-              <a:endParaRPr lang="zh-CN" altLang="en-US" sz="2400" dirty="0"/>
-            </a:p>
-          </p:txBody>
-        </p:sp>
-        <p:sp>
-          <p:nvSpPr>
-            <p:cNvPr id="11" name="文本框 10"/>
-            <p:cNvSpPr txBox="1"/>
-            <p:nvPr/>
-          </p:nvSpPr>
-          <p:spPr>
-            <a:xfrm>
-              <a:off x="1903422" y="1375065"/>
-              <a:ext cx="3949831" cy="369131"/>
-            </a:xfrm>
-            <a:prstGeom prst="rect">
-              <a:avLst/>
-            </a:prstGeom>
-            <a:noFill/>
-          </p:spPr>
-          <p:txBody>
-            <a:bodyPr wrap="square" rtlCol="0">
-              <a:spAutoFit/>
-            </a:bodyPr>
-            <a:lstStyle/>
-            <a:p>
-              <a:r>
-                <a:rPr lang="zh-CN" altLang="en-US" sz="2400" b="1" dirty="0" smtClean="0"/>
-                <a:t>特点</a:t>
+                <a:t>数据来源</a:t>
               </a:r>
               <a:endParaRPr lang="zh-CN" altLang="en-US" sz="2400" b="1" dirty="0"/>
             </a:p>
@@ -5416,6 +8170,9 @@
         </p:sp>
       </p:grpSp>
     </p:spTree>
+    <p:custDataLst>
+      <p:tags r:id="rId1"/>
+    </p:custDataLst>
     <p:extLst>
       <p:ext uri="{BB962C8B-B14F-4D97-AF65-F5344CB8AC3E}">
         <p14:creationId xmlns:p14="http://schemas.microsoft.com/office/powerpoint/2010/main" val="3488843671"/>
@@ -5425,6 +8182,14 @@
   <p:clrMapOvr>
     <a:masterClrMapping/>
   </p:clrMapOvr>
+  <mc:AlternateContent xmlns:mc="http://schemas.openxmlformats.org/markup-compatibility/2006" xmlns:p14="http://schemas.microsoft.com/office/powerpoint/2010/main">
+    <mc:Choice Requires="p14">
+      <p:transition spd="slow" p14:dur="2000" advTm="44840"/>
+    </mc:Choice>
+    <mc:Fallback xmlns="">
+      <p:transition spd="slow" advTm="44840"/>
+    </mc:Fallback>
+  </mc:AlternateContent>
   <p:timing>
     <p:tnLst>
       <p:par>
@@ -5472,30 +8237,21 @@
                                   </p:childTnLst>
                                 </p:cTn>
                               </p:par>
-                            </p:childTnLst>
-                          </p:cTn>
-                        </p:par>
-                        <p:par>
-                          <p:cTn id="7" fill="hold">
-                            <p:stCondLst>
-                              <p:cond delay="0"/>
-                            </p:stCondLst>
-                            <p:childTnLst>
                               <p:par>
-                                <p:cTn id="8" presetID="1" presetClass="entr" presetSubtype="0" fill="hold" nodeType="afterEffect">
+                                <p:cTn id="7" presetID="10" presetClass="entr" presetSubtype="0" fill="hold" nodeType="withEffect">
                                   <p:stCondLst>
                                     <p:cond delay="0"/>
                                   </p:stCondLst>
                                   <p:childTnLst>
                                     <p:set>
                                       <p:cBhvr>
-                                        <p:cTn id="9" dur="1" fill="hold">
+                                        <p:cTn id="8" dur="1" fill="hold">
                                           <p:stCondLst>
                                             <p:cond delay="0"/>
                                           </p:stCondLst>
                                         </p:cTn>
                                         <p:tgtEl>
-                                          <p:spTgt spid="12"/>
+                                          <p:spTgt spid="2"/>
                                         </p:tgtEl>
                                         <p:attrNameLst>
                                           <p:attrName>style.visibility</p:attrName>
@@ -5505,6 +8261,14 @@
                                         <p:strVal val="visible"/>
                                       </p:to>
                                     </p:set>
+                                    <p:animEffect transition="in" filter="fade">
+                                      <p:cBhvr>
+                                        <p:cTn id="9" dur="500"/>
+                                        <p:tgtEl>
+                                          <p:spTgt spid="2"/>
+                                        </p:tgtEl>
+                                      </p:cBhvr>
+                                    </p:animEffect>
                                   </p:childTnLst>
                                 </p:cTn>
                               </p:par>
@@ -5565,7 +8329,7 @@
           <p:nvPr/>
         </p:nvPicPr>
         <p:blipFill>
-          <a:blip r:embed="rId2">
+          <a:blip r:embed="rId4">
             <a:extLst>
               <a:ext uri="{28A0092B-C50C-407E-A947-70E740481C1C}">
                 <a14:useLocalDpi xmlns:a14="http://schemas.microsoft.com/office/drawing/2010/main" val="0"/>
@@ -5842,7 +8606,7 @@
           <p:nvPr/>
         </p:nvPicPr>
         <p:blipFill>
-          <a:blip r:embed="rId3" cstate="print">
+          <a:blip r:embed="rId5" cstate="print">
             <a:extLst>
               <a:ext uri="{28A0092B-C50C-407E-A947-70E740481C1C}">
                 <a14:useLocalDpi xmlns:a14="http://schemas.microsoft.com/office/drawing/2010/main" val="0"/>
@@ -5944,6 +8708,9 @@
         </p:sp>
       </p:grpSp>
     </p:spTree>
+    <p:custDataLst>
+      <p:tags r:id="rId1"/>
+    </p:custDataLst>
     <p:extLst>
       <p:ext uri="{BB962C8B-B14F-4D97-AF65-F5344CB8AC3E}">
         <p14:creationId xmlns:p14="http://schemas.microsoft.com/office/powerpoint/2010/main" val="494211574"/>
@@ -5953,6 +8720,14 @@
   <p:clrMapOvr>
     <a:masterClrMapping/>
   </p:clrMapOvr>
+  <mc:AlternateContent xmlns:mc="http://schemas.openxmlformats.org/markup-compatibility/2006" xmlns:p14="http://schemas.microsoft.com/office/powerpoint/2010/main">
+    <mc:Choice Requires="p14">
+      <p:transition spd="slow" p14:dur="2000" advTm="6376"/>
+    </mc:Choice>
+    <mc:Fallback xmlns="">
+      <p:transition spd="slow" advTm="6376"/>
+    </mc:Fallback>
+  </mc:AlternateContent>
   <p:timing>
     <p:tnLst>
       <p:par>
@@ -6192,7 +8967,7 @@
         </p:nvSpPr>
         <p:spPr>
           <a:xfrm>
-            <a:off x="838200" y="1825625"/>
+            <a:off x="838200" y="2451149"/>
             <a:ext cx="10515600" cy="3128115"/>
           </a:xfrm>
         </p:spPr>
@@ -6230,31 +9005,6 @@
               <a:t>何吸引力</a:t>
             </a:r>
             <a:endParaRPr lang="en-US" altLang="zh-CN" dirty="0" smtClean="0"/>
-          </a:p>
-          <a:p>
-            <a:r>
-              <a:rPr lang="zh-CN" altLang="en-US" dirty="0"/>
-              <a:t>有</a:t>
-            </a:r>
-            <a:r>
-              <a:rPr lang="zh-CN" altLang="en-US" dirty="0" smtClean="0"/>
-              <a:t>何用途</a:t>
-            </a:r>
-            <a:endParaRPr lang="en-US" altLang="zh-CN" dirty="0" smtClean="0"/>
-          </a:p>
-          <a:p>
-            <a:r>
-              <a:rPr lang="zh-CN" altLang="en-US" dirty="0"/>
-              <a:t>有</a:t>
-            </a:r>
-            <a:r>
-              <a:rPr lang="zh-CN" altLang="en-US" dirty="0" smtClean="0"/>
-              <a:t>何惩罚措施</a:t>
-            </a:r>
-            <a:endParaRPr lang="en-US" altLang="zh-CN" dirty="0" smtClean="0"/>
-          </a:p>
-          <a:p>
-            <a:endParaRPr lang="zh-CN" altLang="en-US" dirty="0"/>
           </a:p>
         </p:txBody>
       </p:sp>
@@ -6493,6 +9243,9 @@
         </p:sp>
       </p:grpSp>
     </p:spTree>
+    <p:custDataLst>
+      <p:tags r:id="rId1"/>
+    </p:custDataLst>
     <p:extLst>
       <p:ext uri="{BB962C8B-B14F-4D97-AF65-F5344CB8AC3E}">
         <p14:creationId xmlns:p14="http://schemas.microsoft.com/office/powerpoint/2010/main" val="2869969087"/>
@@ -6502,6 +9255,14 @@
   <p:clrMapOvr>
     <a:masterClrMapping/>
   </p:clrMapOvr>
+  <mc:AlternateContent xmlns:mc="http://schemas.openxmlformats.org/markup-compatibility/2006" xmlns:p14="http://schemas.microsoft.com/office/powerpoint/2010/main">
+    <mc:Choice Requires="p14">
+      <p:transition spd="slow" p14:dur="2000" advTm="57522"/>
+    </mc:Choice>
+    <mc:Fallback xmlns="">
+      <p:transition spd="slow" advTm="57522"/>
+    </mc:Fallback>
+  </mc:AlternateContent>
   <p:timing>
     <p:tnLst>
       <p:par>
@@ -6685,68 +9446,6 @@
                                           <p:spTgt spid="3">
                                             <p:txEl>
                                               <p:pRg st="3" end="3"/>
-                                            </p:txEl>
-                                          </p:spTgt>
-                                        </p:tgtEl>
-                                        <p:attrNameLst>
-                                          <p:attrName>style.visibility</p:attrName>
-                                        </p:attrNameLst>
-                                      </p:cBhvr>
-                                      <p:to>
-                                        <p:strVal val="visible"/>
-                                      </p:to>
-                                    </p:set>
-                                  </p:childTnLst>
-                                </p:cTn>
-                              </p:par>
-                              <p:par>
-                                <p:cTn id="18" presetID="1" presetClass="entr" presetSubtype="0" fill="hold" grpId="0" nodeType="withEffect">
-                                  <p:stCondLst>
-                                    <p:cond delay="0"/>
-                                  </p:stCondLst>
-                                  <p:childTnLst>
-                                    <p:set>
-                                      <p:cBhvr>
-                                        <p:cTn id="19" dur="1" fill="hold">
-                                          <p:stCondLst>
-                                            <p:cond delay="0"/>
-                                          </p:stCondLst>
-                                        </p:cTn>
-                                        <p:tgtEl>
-                                          <p:spTgt spid="3">
-                                            <p:txEl>
-                                              <p:pRg st="4" end="4"/>
-                                            </p:txEl>
-                                          </p:spTgt>
-                                        </p:tgtEl>
-                                        <p:attrNameLst>
-                                          <p:attrName>style.visibility</p:attrName>
-                                        </p:attrNameLst>
-                                      </p:cBhvr>
-                                      <p:to>
-                                        <p:strVal val="visible"/>
-                                      </p:to>
-                                    </p:set>
-                                  </p:childTnLst>
-                                </p:cTn>
-                              </p:par>
-                              <p:par>
-                                <p:cTn id="20" presetID="1" presetClass="entr" presetSubtype="0" fill="hold" grpId="0" nodeType="withEffect">
-                                  <p:stCondLst>
-                                    <p:cond delay="0"/>
-                                  </p:stCondLst>
-                                  <p:childTnLst>
-                                    <p:set>
-                                      <p:cBhvr>
-                                        <p:cTn id="21" dur="1" fill="hold">
-                                          <p:stCondLst>
-                                            <p:cond delay="0"/>
-                                          </p:stCondLst>
-                                        </p:cTn>
-                                        <p:tgtEl>
-                                          <p:spTgt spid="3">
-                                            <p:txEl>
-                                              <p:pRg st="5" end="5"/>
                                             </p:txEl>
                                           </p:spTgt>
                                         </p:tgtEl>
@@ -7783,6 +10482,9 @@
         </p:sp>
       </p:grpSp>
     </p:spTree>
+    <p:custDataLst>
+      <p:tags r:id="rId1"/>
+    </p:custDataLst>
     <p:extLst>
       <p:ext uri="{BB962C8B-B14F-4D97-AF65-F5344CB8AC3E}">
         <p14:creationId xmlns:p14="http://schemas.microsoft.com/office/powerpoint/2010/main" val="655951174"/>
@@ -7792,6 +10494,14 @@
   <p:clrMapOvr>
     <a:masterClrMapping/>
   </p:clrMapOvr>
+  <mc:AlternateContent xmlns:mc="http://schemas.openxmlformats.org/markup-compatibility/2006" xmlns:p14="http://schemas.microsoft.com/office/powerpoint/2010/main">
+    <mc:Choice Requires="p14">
+      <p:transition spd="slow" p14:dur="2000" advTm="68868"/>
+    </mc:Choice>
+    <mc:Fallback xmlns="">
+      <p:transition spd="slow" advTm="68868"/>
+    </mc:Fallback>
+  </mc:AlternateContent>
   <p:timing>
     <p:tnLst>
       <p:par>
@@ -8427,7 +11137,7 @@
                 <p:nvPr/>
               </p:nvPicPr>
               <p:blipFill>
-                <a:blip r:embed="rId2">
+                <a:blip r:embed="rId4">
                   <a:extLst>
                     <a:ext uri="{28A0092B-C50C-407E-A947-70E740481C1C}">
                       <a14:useLocalDpi xmlns:a14="http://schemas.microsoft.com/office/drawing/2010/main" val="0"/>
@@ -8684,7 +11394,7 @@
             <p:nvPr/>
           </p:nvPicPr>
           <p:blipFill>
-            <a:blip r:embed="rId3">
+            <a:blip r:embed="rId5">
               <a:extLst>
                 <a:ext uri="{28A0092B-C50C-407E-A947-70E740481C1C}">
                   <a14:useLocalDpi xmlns:a14="http://schemas.microsoft.com/office/drawing/2010/main" val="0"/>
@@ -8707,6 +11417,9 @@
         </p:pic>
       </p:grpSp>
     </p:spTree>
+    <p:custDataLst>
+      <p:tags r:id="rId1"/>
+    </p:custDataLst>
     <p:extLst>
       <p:ext uri="{BB962C8B-B14F-4D97-AF65-F5344CB8AC3E}">
         <p14:creationId xmlns:p14="http://schemas.microsoft.com/office/powerpoint/2010/main" val="1831206256"/>
@@ -8716,6 +11429,14 @@
   <p:clrMapOvr>
     <a:masterClrMapping/>
   </p:clrMapOvr>
+  <mc:AlternateContent xmlns:mc="http://schemas.openxmlformats.org/markup-compatibility/2006" xmlns:p14="http://schemas.microsoft.com/office/powerpoint/2010/main">
+    <mc:Choice Requires="p14">
+      <p:transition spd="slow" p14:dur="2000" advTm="58586"/>
+    </mc:Choice>
+    <mc:Fallback xmlns="">
+      <p:transition spd="slow" advTm="58586"/>
+    </mc:Fallback>
+  </mc:AlternateContent>
   <p:timing>
     <p:tnLst>
       <p:par>
@@ -9125,7 +11846,6 @@
               <a:rPr lang="en-US" altLang="zh-CN" b="1" dirty="0" smtClean="0"/>
               <a:t>ORM</a:t>
             </a:r>
-            <a:endParaRPr lang="en-US" altLang="zh-CN" b="1" dirty="0" smtClean="0"/>
           </a:p>
           <a:p>
             <a:pPr marL="0" indent="0">
@@ -9205,7 +11925,7 @@
           </p:nvPr>
         </p:nvPicPr>
         <p:blipFill>
-          <a:blip r:embed="rId2">
+          <a:blip r:embed="rId3">
             <a:extLst>
               <a:ext uri="{28A0092B-C50C-407E-A947-70E740481C1C}">
                 <a14:useLocalDpi xmlns:a14="http://schemas.microsoft.com/office/drawing/2010/main" val="0"/>
@@ -9233,6 +11953,14 @@
   <p:clrMapOvr>
     <a:masterClrMapping/>
   </p:clrMapOvr>
+  <mc:AlternateContent xmlns:mc="http://schemas.openxmlformats.org/markup-compatibility/2006" xmlns:p14="http://schemas.microsoft.com/office/powerpoint/2010/main">
+    <mc:Choice Requires="p14">
+      <p:transition spd="slow" p14:dur="2000" advTm="25764"/>
+    </mc:Choice>
+    <mc:Fallback xmlns="">
+      <p:transition spd="slow" advTm="25764"/>
+    </mc:Fallback>
+  </mc:AlternateContent>
   <p:timing>
     <p:tnLst>
       <p:par>
@@ -9241,6 +11969,42 @@
     </p:tnLst>
   </p:timing>
 </p:sld>
+</file>
+
+<file path=ppt/tags/tag1.xml><?xml version="1.0" encoding="utf-8"?>
+<p:tagLst xmlns:a="http://schemas.openxmlformats.org/drawingml/2006/main" xmlns:r="http://schemas.openxmlformats.org/officeDocument/2006/relationships" xmlns:p="http://schemas.openxmlformats.org/presentationml/2006/main">
+  <p:tag name="TIMING" val="|19.1"/>
+</p:tagLst>
+</file>
+
+<file path=ppt/tags/tag2.xml><?xml version="1.0" encoding="utf-8"?>
+<p:tagLst xmlns:a="http://schemas.openxmlformats.org/drawingml/2006/main" xmlns:r="http://schemas.openxmlformats.org/officeDocument/2006/relationships" xmlns:p="http://schemas.openxmlformats.org/presentationml/2006/main">
+  <p:tag name="TIMING" val="|4.7"/>
+</p:tagLst>
+</file>
+
+<file path=ppt/tags/tag3.xml><?xml version="1.0" encoding="utf-8"?>
+<p:tagLst xmlns:a="http://schemas.openxmlformats.org/drawingml/2006/main" xmlns:r="http://schemas.openxmlformats.org/officeDocument/2006/relationships" xmlns:p="http://schemas.openxmlformats.org/presentationml/2006/main">
+  <p:tag name="TIMING" val="|6.4|31.3"/>
+</p:tagLst>
+</file>
+
+<file path=ppt/tags/tag4.xml><?xml version="1.0" encoding="utf-8"?>
+<p:tagLst xmlns:a="http://schemas.openxmlformats.org/drawingml/2006/main" xmlns:r="http://schemas.openxmlformats.org/officeDocument/2006/relationships" xmlns:p="http://schemas.openxmlformats.org/presentationml/2006/main">
+  <p:tag name="TIMING" val="|12.8|7.5|11.2"/>
+</p:tagLst>
+</file>
+
+<file path=ppt/tags/tag5.xml><?xml version="1.0" encoding="utf-8"?>
+<p:tagLst xmlns:a="http://schemas.openxmlformats.org/drawingml/2006/main" xmlns:r="http://schemas.openxmlformats.org/officeDocument/2006/relationships" xmlns:p="http://schemas.openxmlformats.org/presentationml/2006/main">
+  <p:tag name="TIMING" val="|30.9"/>
+</p:tagLst>
+</file>
+
+<file path=ppt/tags/tag6.xml><?xml version="1.0" encoding="utf-8"?>
+<p:tagLst xmlns:a="http://schemas.openxmlformats.org/drawingml/2006/main" xmlns:r="http://schemas.openxmlformats.org/officeDocument/2006/relationships" xmlns:p="http://schemas.openxmlformats.org/presentationml/2006/main">
+  <p:tag name="TIMING" val="|0.7"/>
+</p:tagLst>
 </file>
 
 <file path=ppt/theme/theme1.xml><?xml version="1.0" encoding="utf-8"?>
@@ -9502,4 +12266,265 @@
     </a:ext>
   </a:extLst>
 </a:theme>
+</file>
+
+<file path=ppt/theme/theme2.xml><?xml version="1.0" encoding="utf-8"?>
+<a:theme xmlns:a="http://schemas.openxmlformats.org/drawingml/2006/main" name="Office 主题​​">
+  <a:themeElements>
+    <a:clrScheme name="Office">
+      <a:dk1>
+        <a:sysClr val="windowText" lastClr="000000"/>
+      </a:dk1>
+      <a:lt1>
+        <a:sysClr val="window" lastClr="FFFFFF"/>
+      </a:lt1>
+      <a:dk2>
+        <a:srgbClr val="44546A"/>
+      </a:dk2>
+      <a:lt2>
+        <a:srgbClr val="E7E6E6"/>
+      </a:lt2>
+      <a:accent1>
+        <a:srgbClr val="5B9BD5"/>
+      </a:accent1>
+      <a:accent2>
+        <a:srgbClr val="ED7D31"/>
+      </a:accent2>
+      <a:accent3>
+        <a:srgbClr val="A5A5A5"/>
+      </a:accent3>
+      <a:accent4>
+        <a:srgbClr val="FFC000"/>
+      </a:accent4>
+      <a:accent5>
+        <a:srgbClr val="4472C4"/>
+      </a:accent5>
+      <a:accent6>
+        <a:srgbClr val="70AD47"/>
+      </a:accent6>
+      <a:hlink>
+        <a:srgbClr val="0563C1"/>
+      </a:hlink>
+      <a:folHlink>
+        <a:srgbClr val="954F72"/>
+      </a:folHlink>
+    </a:clrScheme>
+    <a:fontScheme name="Office">
+      <a:majorFont>
+        <a:latin typeface="等线 Light" panose="020F0302020204030204"/>
+        <a:ea typeface=""/>
+        <a:cs typeface=""/>
+        <a:font script="Jpan" typeface="游ゴシック Light"/>
+        <a:font script="Hang" typeface="맑은 고딕"/>
+        <a:font script="Hans" typeface="等线 Light"/>
+        <a:font script="Hant" typeface="新細明體"/>
+        <a:font script="Arab" typeface="Times New Roman"/>
+        <a:font script="Hebr" typeface="Times New Roman"/>
+        <a:font script="Thai" typeface="Angsana New"/>
+        <a:font script="Ethi" typeface="Nyala"/>
+        <a:font script="Beng" typeface="Vrinda"/>
+        <a:font script="Gujr" typeface="Shruti"/>
+        <a:font script="Khmr" typeface="MoolBoran"/>
+        <a:font script="Knda" typeface="Tunga"/>
+        <a:font script="Guru" typeface="Raavi"/>
+        <a:font script="Cans" typeface="Euphemia"/>
+        <a:font script="Cher" typeface="Plantagenet Cherokee"/>
+        <a:font script="Yiii" typeface="Microsoft Yi Baiti"/>
+        <a:font script="Tibt" typeface="Microsoft Himalaya"/>
+        <a:font script="Thaa" typeface="MV Boli"/>
+        <a:font script="Deva" typeface="Mangal"/>
+        <a:font script="Telu" typeface="Gautami"/>
+        <a:font script="Taml" typeface="Latha"/>
+        <a:font script="Syrc" typeface="Estrangelo Edessa"/>
+        <a:font script="Orya" typeface="Kalinga"/>
+        <a:font script="Mlym" typeface="Kartika"/>
+        <a:font script="Laoo" typeface="DokChampa"/>
+        <a:font script="Sinh" typeface="Iskoola Pota"/>
+        <a:font script="Mong" typeface="Mongolian Baiti"/>
+        <a:font script="Viet" typeface="Times New Roman"/>
+        <a:font script="Uigh" typeface="Microsoft Uighur"/>
+        <a:font script="Geor" typeface="Sylfaen"/>
+      </a:majorFont>
+      <a:minorFont>
+        <a:latin typeface="等线" panose="020F0502020204030204"/>
+        <a:ea typeface=""/>
+        <a:cs typeface=""/>
+        <a:font script="Jpan" typeface="游ゴシック"/>
+        <a:font script="Hang" typeface="맑은 고딕"/>
+        <a:font script="Hans" typeface="等线"/>
+        <a:font script="Hant" typeface="新細明體"/>
+        <a:font script="Arab" typeface="Arial"/>
+        <a:font script="Hebr" typeface="Arial"/>
+        <a:font script="Thai" typeface="Cordia New"/>
+        <a:font script="Ethi" typeface="Nyala"/>
+        <a:font script="Beng" typeface="Vrinda"/>
+        <a:font script="Gujr" typeface="Shruti"/>
+        <a:font script="Khmr" typeface="DaunPenh"/>
+        <a:font script="Knda" typeface="Tunga"/>
+        <a:font script="Guru" typeface="Raavi"/>
+        <a:font script="Cans" typeface="Euphemia"/>
+        <a:font script="Cher" typeface="Plantagenet Cherokee"/>
+        <a:font script="Yiii" typeface="Microsoft Yi Baiti"/>
+        <a:font script="Tibt" typeface="Microsoft Himalaya"/>
+        <a:font script="Thaa" typeface="MV Boli"/>
+        <a:font script="Deva" typeface="Mangal"/>
+        <a:font script="Telu" typeface="Gautami"/>
+        <a:font script="Taml" typeface="Latha"/>
+        <a:font script="Syrc" typeface="Estrangelo Edessa"/>
+        <a:font script="Orya" typeface="Kalinga"/>
+        <a:font script="Mlym" typeface="Kartika"/>
+        <a:font script="Laoo" typeface="DokChampa"/>
+        <a:font script="Sinh" typeface="Iskoola Pota"/>
+        <a:font script="Mong" typeface="Mongolian Baiti"/>
+        <a:font script="Viet" typeface="Arial"/>
+        <a:font script="Uigh" typeface="Microsoft Uighur"/>
+        <a:font script="Geor" typeface="Sylfaen"/>
+      </a:minorFont>
+    </a:fontScheme>
+    <a:fmtScheme name="Office">
+      <a:fillStyleLst>
+        <a:solidFill>
+          <a:schemeClr val="phClr"/>
+        </a:solidFill>
+        <a:gradFill rotWithShape="1">
+          <a:gsLst>
+            <a:gs pos="0">
+              <a:schemeClr val="phClr">
+                <a:lumMod val="110000"/>
+                <a:satMod val="105000"/>
+                <a:tint val="67000"/>
+              </a:schemeClr>
+            </a:gs>
+            <a:gs pos="50000">
+              <a:schemeClr val="phClr">
+                <a:lumMod val="105000"/>
+                <a:satMod val="103000"/>
+                <a:tint val="73000"/>
+              </a:schemeClr>
+            </a:gs>
+            <a:gs pos="100000">
+              <a:schemeClr val="phClr">
+                <a:lumMod val="105000"/>
+                <a:satMod val="109000"/>
+                <a:tint val="81000"/>
+              </a:schemeClr>
+            </a:gs>
+          </a:gsLst>
+          <a:lin ang="5400000" scaled="0"/>
+        </a:gradFill>
+        <a:gradFill rotWithShape="1">
+          <a:gsLst>
+            <a:gs pos="0">
+              <a:schemeClr val="phClr">
+                <a:satMod val="103000"/>
+                <a:lumMod val="102000"/>
+                <a:tint val="94000"/>
+              </a:schemeClr>
+            </a:gs>
+            <a:gs pos="50000">
+              <a:schemeClr val="phClr">
+                <a:satMod val="110000"/>
+                <a:lumMod val="100000"/>
+                <a:shade val="100000"/>
+              </a:schemeClr>
+            </a:gs>
+            <a:gs pos="100000">
+              <a:schemeClr val="phClr">
+                <a:lumMod val="99000"/>
+                <a:satMod val="120000"/>
+                <a:shade val="78000"/>
+              </a:schemeClr>
+            </a:gs>
+          </a:gsLst>
+          <a:lin ang="5400000" scaled="0"/>
+        </a:gradFill>
+      </a:fillStyleLst>
+      <a:lnStyleLst>
+        <a:ln w="6350" cap="flat" cmpd="sng" algn="ctr">
+          <a:solidFill>
+            <a:schemeClr val="phClr"/>
+          </a:solidFill>
+          <a:prstDash val="solid"/>
+          <a:miter lim="800000"/>
+        </a:ln>
+        <a:ln w="12700" cap="flat" cmpd="sng" algn="ctr">
+          <a:solidFill>
+            <a:schemeClr val="phClr"/>
+          </a:solidFill>
+          <a:prstDash val="solid"/>
+          <a:miter lim="800000"/>
+        </a:ln>
+        <a:ln w="19050" cap="flat" cmpd="sng" algn="ctr">
+          <a:solidFill>
+            <a:schemeClr val="phClr"/>
+          </a:solidFill>
+          <a:prstDash val="solid"/>
+          <a:miter lim="800000"/>
+        </a:ln>
+      </a:lnStyleLst>
+      <a:effectStyleLst>
+        <a:effectStyle>
+          <a:effectLst/>
+        </a:effectStyle>
+        <a:effectStyle>
+          <a:effectLst/>
+        </a:effectStyle>
+        <a:effectStyle>
+          <a:effectLst>
+            <a:outerShdw blurRad="57150" dist="19050" dir="5400000" algn="ctr" rotWithShape="0">
+              <a:srgbClr val="000000">
+                <a:alpha val="63000"/>
+              </a:srgbClr>
+            </a:outerShdw>
+          </a:effectLst>
+        </a:effectStyle>
+      </a:effectStyleLst>
+      <a:bgFillStyleLst>
+        <a:solidFill>
+          <a:schemeClr val="phClr"/>
+        </a:solidFill>
+        <a:solidFill>
+          <a:schemeClr val="phClr">
+            <a:tint val="95000"/>
+            <a:satMod val="170000"/>
+          </a:schemeClr>
+        </a:solidFill>
+        <a:gradFill rotWithShape="1">
+          <a:gsLst>
+            <a:gs pos="0">
+              <a:schemeClr val="phClr">
+                <a:tint val="93000"/>
+                <a:satMod val="150000"/>
+                <a:shade val="98000"/>
+                <a:lumMod val="102000"/>
+              </a:schemeClr>
+            </a:gs>
+            <a:gs pos="50000">
+              <a:schemeClr val="phClr">
+                <a:tint val="98000"/>
+                <a:satMod val="130000"/>
+                <a:shade val="90000"/>
+                <a:lumMod val="103000"/>
+              </a:schemeClr>
+            </a:gs>
+            <a:gs pos="100000">
+              <a:schemeClr val="phClr">
+                <a:shade val="63000"/>
+                <a:satMod val="120000"/>
+              </a:schemeClr>
+            </a:gs>
+          </a:gsLst>
+          <a:lin ang="5400000" scaled="0"/>
+        </a:gradFill>
+      </a:bgFillStyleLst>
+    </a:fmtScheme>
+  </a:themeElements>
+  <a:objectDefaults/>
+  <a:extraClrSchemeLst/>
+  <a:extLst>
+    <a:ext uri="{05A4C25C-085E-4340-85A3-A5531E510DB2}">
+      <thm15:themeFamily xmlns:thm15="http://schemas.microsoft.com/office/thememl/2012/main" name="Office Theme" id="{62F939B6-93AF-4DB8-9C6B-D6C7DFDC589F}" vid="{4A3C46E8-61CC-4603-A589-7422A47A8E4A}"/>
+    </a:ext>
+  </a:extLst>
+</a:theme>
 </file>
--- a/大学生信用评估系统.pptx
+++ b/大学生信用评估系统.pptx
@@ -5,7 +5,7 @@
     <p:sldMasterId id="2147483648" r:id="rId1"/>
   </p:sldMasterIdLst>
   <p:notesMasterIdLst>
-    <p:notesMasterId r:id="rId17"/>
+    <p:notesMasterId r:id="rId31"/>
   </p:notesMasterIdLst>
   <p:sldIdLst>
     <p:sldId id="256" r:id="rId2"/>
@@ -21,8 +21,22 @@
     <p:sldId id="259" r:id="rId12"/>
     <p:sldId id="276" r:id="rId13"/>
     <p:sldId id="260" r:id="rId14"/>
-    <p:sldId id="266" r:id="rId15"/>
-    <p:sldId id="269" r:id="rId16"/>
+    <p:sldId id="283" r:id="rId15"/>
+    <p:sldId id="284" r:id="rId16"/>
+    <p:sldId id="285" r:id="rId17"/>
+    <p:sldId id="286" r:id="rId18"/>
+    <p:sldId id="287" r:id="rId19"/>
+    <p:sldId id="288" r:id="rId20"/>
+    <p:sldId id="289" r:id="rId21"/>
+    <p:sldId id="290" r:id="rId22"/>
+    <p:sldId id="291" r:id="rId23"/>
+    <p:sldId id="292" r:id="rId24"/>
+    <p:sldId id="293" r:id="rId25"/>
+    <p:sldId id="298" r:id="rId26"/>
+    <p:sldId id="295" r:id="rId27"/>
+    <p:sldId id="296" r:id="rId28"/>
+    <p:sldId id="266" r:id="rId29"/>
+    <p:sldId id="269" r:id="rId30"/>
   </p:sldIdLst>
   <p:sldSz cx="12192000" cy="6858000"/>
   <p:notesSz cx="6858000" cy="9144000"/>
@@ -6309,55 +6323,43 @@
           <a:bodyPr/>
           <a:lstStyle/>
           <a:p>
-            <a:r>
-              <a:rPr lang="zh-CN" altLang="en-US" dirty="0" smtClean="0"/>
-              <a:t>实操界面</a:t>
-            </a:r>
             <a:endParaRPr lang="zh-CN" altLang="en-US" dirty="0"/>
           </a:p>
         </p:txBody>
       </p:sp>
-      <p:sp>
-        <p:nvSpPr>
-          <p:cNvPr id="3" name="内容占位符 2"/>
-          <p:cNvSpPr>
-            <a:spLocks noGrp="1"/>
-          </p:cNvSpPr>
+      <p:pic>
+        <p:nvPicPr>
+          <p:cNvPr id="4" name="内容占位符 3" descr="屏幕剪辑"/>
+          <p:cNvPicPr>
+            <a:picLocks noGrp="1" noChangeAspect="1"/>
+          </p:cNvPicPr>
           <p:nvPr>
             <p:ph idx="1"/>
           </p:nvPr>
-        </p:nvSpPr>
-        <p:spPr/>
-        <p:txBody>
-          <a:bodyPr/>
-          <a:lstStyle/>
-          <a:p>
-            <a:r>
-              <a:rPr lang="zh-CN" altLang="en-US" dirty="0" smtClean="0"/>
-              <a:t>人才招募信用分</a:t>
-            </a:r>
-            <a:endParaRPr lang="en-US" altLang="zh-CN" dirty="0" smtClean="0"/>
-          </a:p>
-          <a:p>
-            <a:r>
-              <a:rPr lang="zh-CN" altLang="en-US" dirty="0" smtClean="0"/>
-              <a:t>贷款发放信用分</a:t>
-            </a:r>
-            <a:endParaRPr lang="en-US" altLang="zh-CN" dirty="0" smtClean="0"/>
-          </a:p>
-          <a:p>
-            <a:r>
-              <a:rPr lang="zh-CN" altLang="en-US" dirty="0" smtClean="0"/>
-              <a:t>个人信用分</a:t>
-            </a:r>
-            <a:endParaRPr lang="en-US" altLang="zh-CN" dirty="0" smtClean="0"/>
-          </a:p>
-        </p:txBody>
-      </p:sp>
+        </p:nvPicPr>
+        <p:blipFill>
+          <a:blip r:embed="rId2">
+            <a:extLst>
+              <a:ext uri="{28A0092B-C50C-407E-A947-70E740481C1C}">
+                <a14:useLocalDpi xmlns:a14="http://schemas.microsoft.com/office/drawing/2010/main" val="0"/>
+              </a:ext>
+            </a:extLst>
+          </a:blip>
+          <a:stretch>
+            <a:fillRect/>
+          </a:stretch>
+        </p:blipFill>
+        <p:spPr>
+          <a:xfrm>
+            <a:off x="2760550" y="0"/>
+            <a:ext cx="6251182" cy="6858000"/>
+          </a:xfrm>
+        </p:spPr>
+      </p:pic>
     </p:spTree>
     <p:extLst>
       <p:ext uri="{BB962C8B-B14F-4D97-AF65-F5344CB8AC3E}">
-        <p14:creationId xmlns:p14="http://schemas.microsoft.com/office/powerpoint/2010/main" val="2901097457"/>
+        <p14:creationId xmlns:p14="http://schemas.microsoft.com/office/powerpoint/2010/main" val="1818737897"/>
       </p:ext>
     </p:extLst>
   </p:cSld>
@@ -6366,10 +6368,10 @@
   </p:clrMapOvr>
   <mc:AlternateContent xmlns:mc="http://schemas.openxmlformats.org/markup-compatibility/2006" xmlns:p14="http://schemas.microsoft.com/office/powerpoint/2010/main">
     <mc:Choice Requires="p14">
-      <p:transition spd="slow" p14:dur="2000" advTm="55977"/>
+      <p:transition spd="slow" p14:dur="2000"/>
     </mc:Choice>
     <mc:Fallback xmlns="">
-      <p:transition spd="slow" advTm="55977"/>
+      <p:transition spd="slow"/>
     </mc:Fallback>
   </mc:AlternateContent>
   <p:timing>
@@ -6414,59 +6416,43 @@
           <a:bodyPr/>
           <a:lstStyle/>
           <a:p>
-            <a:r>
-              <a:rPr lang="zh-CN" altLang="en-US" dirty="0" smtClean="0"/>
-              <a:t>缺点与不足</a:t>
-            </a:r>
-            <a:r>
-              <a:rPr lang="en-US" altLang="zh-CN" dirty="0" smtClean="0"/>
-              <a:t>	</a:t>
-            </a:r>
-            <a:endParaRPr lang="zh-CN" altLang="en-US" dirty="0"/>
+            <a:endParaRPr lang="zh-CN" altLang="en-US"/>
           </a:p>
         </p:txBody>
       </p:sp>
-      <p:sp>
-        <p:nvSpPr>
-          <p:cNvPr id="3" name="内容占位符 2"/>
-          <p:cNvSpPr>
-            <a:spLocks noGrp="1"/>
-          </p:cNvSpPr>
+      <p:pic>
+        <p:nvPicPr>
+          <p:cNvPr id="4" name="内容占位符 3" descr="屏幕剪辑"/>
+          <p:cNvPicPr>
+            <a:picLocks noGrp="1" noChangeAspect="1"/>
+          </p:cNvPicPr>
           <p:nvPr>
             <p:ph idx="1"/>
           </p:nvPr>
-        </p:nvSpPr>
-        <p:spPr/>
-        <p:txBody>
-          <a:bodyPr/>
-          <a:lstStyle/>
-          <a:p>
-            <a:r>
-              <a:rPr lang="zh-CN" altLang="en-US" dirty="0"/>
-              <a:t>有何吸引力</a:t>
-            </a:r>
-            <a:endParaRPr lang="en-US" altLang="zh-CN" dirty="0"/>
-          </a:p>
-          <a:p>
-            <a:r>
-              <a:rPr lang="zh-CN" altLang="en-US" dirty="0"/>
-              <a:t>有何惩罚措施</a:t>
-            </a:r>
-            <a:endParaRPr lang="en-US" altLang="zh-CN" dirty="0"/>
-          </a:p>
-          <a:p>
-            <a:r>
-              <a:rPr lang="zh-CN" altLang="en-US" dirty="0" smtClean="0"/>
-              <a:t>系统完整性有待提高</a:t>
-            </a:r>
-            <a:endParaRPr lang="zh-CN" altLang="en-US" dirty="0"/>
-          </a:p>
-        </p:txBody>
-      </p:sp>
+        </p:nvPicPr>
+        <p:blipFill>
+          <a:blip r:embed="rId2">
+            <a:extLst>
+              <a:ext uri="{28A0092B-C50C-407E-A947-70E740481C1C}">
+                <a14:useLocalDpi xmlns:a14="http://schemas.microsoft.com/office/drawing/2010/main" val="0"/>
+              </a:ext>
+            </a:extLst>
+          </a:blip>
+          <a:stretch>
+            <a:fillRect/>
+          </a:stretch>
+        </p:blipFill>
+        <p:spPr>
+          <a:xfrm>
+            <a:off x="2828256" y="819807"/>
+            <a:ext cx="5590889" cy="5357156"/>
+          </a:xfrm>
+        </p:spPr>
+      </p:pic>
     </p:spTree>
     <p:extLst>
       <p:ext uri="{BB962C8B-B14F-4D97-AF65-F5344CB8AC3E}">
-        <p14:creationId xmlns:p14="http://schemas.microsoft.com/office/powerpoint/2010/main" val="4230878692"/>
+        <p14:creationId xmlns:p14="http://schemas.microsoft.com/office/powerpoint/2010/main" val="2039418894"/>
       </p:ext>
     </p:extLst>
   </p:cSld>
@@ -6475,10 +6461,472 @@
   </p:clrMapOvr>
   <mc:AlternateContent xmlns:mc="http://schemas.openxmlformats.org/markup-compatibility/2006" xmlns:p14="http://schemas.microsoft.com/office/powerpoint/2010/main">
     <mc:Choice Requires="p14">
-      <p:transition spd="slow" p14:dur="2000" advTm="22060"/>
+      <p:transition spd="slow" p14:dur="2000"/>
     </mc:Choice>
     <mc:Fallback xmlns="">
-      <p:transition spd="slow" advTm="22060"/>
+      <p:transition spd="slow"/>
+    </mc:Fallback>
+  </mc:AlternateContent>
+  <p:timing>
+    <p:tnLst>
+      <p:par>
+        <p:cTn id="1" dur="indefinite" restart="never" nodeType="tmRoot"/>
+      </p:par>
+    </p:tnLst>
+  </p:timing>
+</p:sld>
+</file>
+
+<file path=ppt/slides/slide16.xml><?xml version="1.0" encoding="utf-8"?>
+<p:sld xmlns:a="http://schemas.openxmlformats.org/drawingml/2006/main" xmlns:r="http://schemas.openxmlformats.org/officeDocument/2006/relationships" xmlns:p="http://schemas.openxmlformats.org/presentationml/2006/main">
+  <p:cSld>
+    <p:spTree>
+      <p:nvGrpSpPr>
+        <p:cNvPr id="1" name=""/>
+        <p:cNvGrpSpPr/>
+        <p:nvPr/>
+      </p:nvGrpSpPr>
+      <p:grpSpPr>
+        <a:xfrm>
+          <a:off x="0" y="0"/>
+          <a:ext cx="0" cy="0"/>
+          <a:chOff x="0" y="0"/>
+          <a:chExt cx="0" cy="0"/>
+        </a:xfrm>
+      </p:grpSpPr>
+      <p:sp>
+        <p:nvSpPr>
+          <p:cNvPr id="2" name="标题 1"/>
+          <p:cNvSpPr>
+            <a:spLocks noGrp="1"/>
+          </p:cNvSpPr>
+          <p:nvPr>
+            <p:ph type="title"/>
+          </p:nvPr>
+        </p:nvSpPr>
+        <p:spPr/>
+        <p:txBody>
+          <a:bodyPr/>
+          <a:lstStyle/>
+          <a:p>
+            <a:endParaRPr lang="zh-CN" altLang="en-US"/>
+          </a:p>
+        </p:txBody>
+      </p:sp>
+      <p:pic>
+        <p:nvPicPr>
+          <p:cNvPr id="4" name="内容占位符 3" descr="屏幕剪辑"/>
+          <p:cNvPicPr>
+            <a:picLocks noGrp="1" noChangeAspect="1"/>
+          </p:cNvPicPr>
+          <p:nvPr>
+            <p:ph idx="1"/>
+          </p:nvPr>
+        </p:nvPicPr>
+        <p:blipFill>
+          <a:blip r:embed="rId2">
+            <a:extLst>
+              <a:ext uri="{28A0092B-C50C-407E-A947-70E740481C1C}">
+                <a14:useLocalDpi xmlns:a14="http://schemas.microsoft.com/office/drawing/2010/main" val="0"/>
+              </a:ext>
+            </a:extLst>
+          </a:blip>
+          <a:stretch>
+            <a:fillRect/>
+          </a:stretch>
+        </p:blipFill>
+        <p:spPr>
+          <a:xfrm>
+            <a:off x="-73573" y="0"/>
+            <a:ext cx="4432443" cy="2988063"/>
+          </a:xfrm>
+        </p:spPr>
+      </p:pic>
+      <p:pic>
+        <p:nvPicPr>
+          <p:cNvPr id="5" name="图片 4" descr="屏幕剪辑"/>
+          <p:cNvPicPr>
+            <a:picLocks noChangeAspect="1"/>
+          </p:cNvPicPr>
+          <p:nvPr/>
+        </p:nvPicPr>
+        <p:blipFill>
+          <a:blip r:embed="rId3">
+            <a:extLst>
+              <a:ext uri="{28A0092B-C50C-407E-A947-70E740481C1C}">
+                <a14:useLocalDpi xmlns:a14="http://schemas.microsoft.com/office/drawing/2010/main" val="0"/>
+              </a:ext>
+            </a:extLst>
+          </a:blip>
+          <a:stretch>
+            <a:fillRect/>
+          </a:stretch>
+        </p:blipFill>
+        <p:spPr>
+          <a:xfrm>
+            <a:off x="2909837" y="3584416"/>
+            <a:ext cx="5579598" cy="2876081"/>
+          </a:xfrm>
+          <a:prstGeom prst="rect">
+            <a:avLst/>
+          </a:prstGeom>
+        </p:spPr>
+      </p:pic>
+      <p:pic>
+        <p:nvPicPr>
+          <p:cNvPr id="6" name="图片 5" descr="屏幕剪辑"/>
+          <p:cNvPicPr>
+            <a:picLocks noChangeAspect="1"/>
+          </p:cNvPicPr>
+          <p:nvPr/>
+        </p:nvPicPr>
+        <p:blipFill>
+          <a:blip r:embed="rId4">
+            <a:extLst>
+              <a:ext uri="{28A0092B-C50C-407E-A947-70E740481C1C}">
+                <a14:useLocalDpi xmlns:a14="http://schemas.microsoft.com/office/drawing/2010/main" val="0"/>
+              </a:ext>
+            </a:extLst>
+          </a:blip>
+          <a:stretch>
+            <a:fillRect/>
+          </a:stretch>
+        </p:blipFill>
+        <p:spPr>
+          <a:xfrm>
+            <a:off x="7741812" y="83338"/>
+            <a:ext cx="4450188" cy="2904725"/>
+          </a:xfrm>
+          <a:prstGeom prst="rect">
+            <a:avLst/>
+          </a:prstGeom>
+        </p:spPr>
+      </p:pic>
+    </p:spTree>
+    <p:extLst>
+      <p:ext uri="{BB962C8B-B14F-4D97-AF65-F5344CB8AC3E}">
+        <p14:creationId xmlns:p14="http://schemas.microsoft.com/office/powerpoint/2010/main" val="3782190453"/>
+      </p:ext>
+    </p:extLst>
+  </p:cSld>
+  <p:clrMapOvr>
+    <a:masterClrMapping/>
+  </p:clrMapOvr>
+  <mc:AlternateContent xmlns:mc="http://schemas.openxmlformats.org/markup-compatibility/2006" xmlns:p14="http://schemas.microsoft.com/office/powerpoint/2010/main">
+    <mc:Choice Requires="p14">
+      <p:transition spd="slow" p14:dur="2000"/>
+    </mc:Choice>
+    <mc:Fallback xmlns="">
+      <p:transition spd="slow"/>
+    </mc:Fallback>
+  </mc:AlternateContent>
+  <p:timing>
+    <p:tnLst>
+      <p:par>
+        <p:cTn id="1" dur="indefinite" restart="never" nodeType="tmRoot"/>
+      </p:par>
+    </p:tnLst>
+  </p:timing>
+</p:sld>
+</file>
+
+<file path=ppt/slides/slide17.xml><?xml version="1.0" encoding="utf-8"?>
+<p:sld xmlns:a="http://schemas.openxmlformats.org/drawingml/2006/main" xmlns:r="http://schemas.openxmlformats.org/officeDocument/2006/relationships" xmlns:p="http://schemas.openxmlformats.org/presentationml/2006/main">
+  <p:cSld>
+    <p:spTree>
+      <p:nvGrpSpPr>
+        <p:cNvPr id="1" name=""/>
+        <p:cNvGrpSpPr/>
+        <p:nvPr/>
+      </p:nvGrpSpPr>
+      <p:grpSpPr>
+        <a:xfrm>
+          <a:off x="0" y="0"/>
+          <a:ext cx="0" cy="0"/>
+          <a:chOff x="0" y="0"/>
+          <a:chExt cx="0" cy="0"/>
+        </a:xfrm>
+      </p:grpSpPr>
+      <p:sp>
+        <p:nvSpPr>
+          <p:cNvPr id="2" name="标题 1"/>
+          <p:cNvSpPr>
+            <a:spLocks noGrp="1"/>
+          </p:cNvSpPr>
+          <p:nvPr>
+            <p:ph type="title"/>
+          </p:nvPr>
+        </p:nvSpPr>
+        <p:spPr/>
+        <p:txBody>
+          <a:bodyPr/>
+          <a:lstStyle/>
+          <a:p>
+            <a:endParaRPr lang="zh-CN" altLang="en-US" dirty="0"/>
+          </a:p>
+        </p:txBody>
+      </p:sp>
+      <p:pic>
+        <p:nvPicPr>
+          <p:cNvPr id="4" name="内容占位符 3" descr="屏幕剪辑"/>
+          <p:cNvPicPr>
+            <a:picLocks noGrp="1" noChangeAspect="1"/>
+          </p:cNvPicPr>
+          <p:nvPr>
+            <p:ph idx="1"/>
+          </p:nvPr>
+        </p:nvPicPr>
+        <p:blipFill>
+          <a:blip r:embed="rId2">
+            <a:extLst>
+              <a:ext uri="{28A0092B-C50C-407E-A947-70E740481C1C}">
+                <a14:useLocalDpi xmlns:a14="http://schemas.microsoft.com/office/drawing/2010/main" val="0"/>
+              </a:ext>
+            </a:extLst>
+          </a:blip>
+          <a:stretch>
+            <a:fillRect/>
+          </a:stretch>
+        </p:blipFill>
+        <p:spPr>
+          <a:xfrm>
+            <a:off x="299061" y="441436"/>
+            <a:ext cx="5608319" cy="6180082"/>
+          </a:xfrm>
+        </p:spPr>
+      </p:pic>
+      <p:pic>
+        <p:nvPicPr>
+          <p:cNvPr id="5" name="图片 4" descr="屏幕剪辑"/>
+          <p:cNvPicPr>
+            <a:picLocks noChangeAspect="1"/>
+          </p:cNvPicPr>
+          <p:nvPr/>
+        </p:nvPicPr>
+        <p:blipFill>
+          <a:blip r:embed="rId3">
+            <a:extLst>
+              <a:ext uri="{28A0092B-C50C-407E-A947-70E740481C1C}">
+                <a14:useLocalDpi xmlns:a14="http://schemas.microsoft.com/office/drawing/2010/main" val="0"/>
+              </a:ext>
+            </a:extLst>
+          </a:blip>
+          <a:stretch>
+            <a:fillRect/>
+          </a:stretch>
+        </p:blipFill>
+        <p:spPr>
+          <a:xfrm>
+            <a:off x="5907380" y="1280303"/>
+            <a:ext cx="6129416" cy="5341215"/>
+          </a:xfrm>
+          <a:prstGeom prst="rect">
+            <a:avLst/>
+          </a:prstGeom>
+        </p:spPr>
+      </p:pic>
+    </p:spTree>
+    <p:extLst>
+      <p:ext uri="{BB962C8B-B14F-4D97-AF65-F5344CB8AC3E}">
+        <p14:creationId xmlns:p14="http://schemas.microsoft.com/office/powerpoint/2010/main" val="2209268389"/>
+      </p:ext>
+    </p:extLst>
+  </p:cSld>
+  <p:clrMapOvr>
+    <a:masterClrMapping/>
+  </p:clrMapOvr>
+  <mc:AlternateContent xmlns:mc="http://schemas.openxmlformats.org/markup-compatibility/2006" xmlns:p14="http://schemas.microsoft.com/office/powerpoint/2010/main">
+    <mc:Choice Requires="p14">
+      <p:transition spd="slow" p14:dur="2000"/>
+    </mc:Choice>
+    <mc:Fallback xmlns="">
+      <p:transition spd="slow"/>
+    </mc:Fallback>
+  </mc:AlternateContent>
+  <p:timing>
+    <p:tnLst>
+      <p:par>
+        <p:cTn id="1" dur="indefinite" restart="never" nodeType="tmRoot"/>
+      </p:par>
+    </p:tnLst>
+  </p:timing>
+</p:sld>
+</file>
+
+<file path=ppt/slides/slide18.xml><?xml version="1.0" encoding="utf-8"?>
+<p:sld xmlns:a="http://schemas.openxmlformats.org/drawingml/2006/main" xmlns:r="http://schemas.openxmlformats.org/officeDocument/2006/relationships" xmlns:p="http://schemas.openxmlformats.org/presentationml/2006/main">
+  <p:cSld>
+    <p:spTree>
+      <p:nvGrpSpPr>
+        <p:cNvPr id="1" name=""/>
+        <p:cNvGrpSpPr/>
+        <p:nvPr/>
+      </p:nvGrpSpPr>
+      <p:grpSpPr>
+        <a:xfrm>
+          <a:off x="0" y="0"/>
+          <a:ext cx="0" cy="0"/>
+          <a:chOff x="0" y="0"/>
+          <a:chExt cx="0" cy="0"/>
+        </a:xfrm>
+      </p:grpSpPr>
+      <p:sp>
+        <p:nvSpPr>
+          <p:cNvPr id="2" name="标题 1"/>
+          <p:cNvSpPr>
+            <a:spLocks noGrp="1"/>
+          </p:cNvSpPr>
+          <p:nvPr>
+            <p:ph type="title"/>
+          </p:nvPr>
+        </p:nvSpPr>
+        <p:spPr/>
+        <p:txBody>
+          <a:bodyPr/>
+          <a:lstStyle/>
+          <a:p>
+            <a:endParaRPr lang="zh-CN" altLang="en-US"/>
+          </a:p>
+        </p:txBody>
+      </p:sp>
+      <p:pic>
+        <p:nvPicPr>
+          <p:cNvPr id="4" name="内容占位符 3" descr="屏幕剪辑"/>
+          <p:cNvPicPr>
+            <a:picLocks noGrp="1" noChangeAspect="1"/>
+          </p:cNvPicPr>
+          <p:nvPr>
+            <p:ph idx="1"/>
+          </p:nvPr>
+        </p:nvPicPr>
+        <p:blipFill>
+          <a:blip r:embed="rId2">
+            <a:extLst>
+              <a:ext uri="{28A0092B-C50C-407E-A947-70E740481C1C}">
+                <a14:useLocalDpi xmlns:a14="http://schemas.microsoft.com/office/drawing/2010/main" val="0"/>
+              </a:ext>
+            </a:extLst>
+          </a:blip>
+          <a:stretch>
+            <a:fillRect/>
+          </a:stretch>
+        </p:blipFill>
+        <p:spPr>
+          <a:xfrm>
+            <a:off x="1733090" y="515007"/>
+            <a:ext cx="8442269" cy="5598894"/>
+          </a:xfrm>
+        </p:spPr>
+      </p:pic>
+    </p:spTree>
+    <p:extLst>
+      <p:ext uri="{BB962C8B-B14F-4D97-AF65-F5344CB8AC3E}">
+        <p14:creationId xmlns:p14="http://schemas.microsoft.com/office/powerpoint/2010/main" val="449540604"/>
+      </p:ext>
+    </p:extLst>
+  </p:cSld>
+  <p:clrMapOvr>
+    <a:masterClrMapping/>
+  </p:clrMapOvr>
+  <mc:AlternateContent xmlns:mc="http://schemas.openxmlformats.org/markup-compatibility/2006" xmlns:p14="http://schemas.microsoft.com/office/powerpoint/2010/main">
+    <mc:Choice Requires="p14">
+      <p:transition spd="slow" p14:dur="2000"/>
+    </mc:Choice>
+    <mc:Fallback xmlns="">
+      <p:transition spd="slow"/>
+    </mc:Fallback>
+  </mc:AlternateContent>
+  <p:timing>
+    <p:tnLst>
+      <p:par>
+        <p:cTn id="1" dur="indefinite" restart="never" nodeType="tmRoot"/>
+      </p:par>
+    </p:tnLst>
+  </p:timing>
+</p:sld>
+</file>
+
+<file path=ppt/slides/slide19.xml><?xml version="1.0" encoding="utf-8"?>
+<p:sld xmlns:a="http://schemas.openxmlformats.org/drawingml/2006/main" xmlns:r="http://schemas.openxmlformats.org/officeDocument/2006/relationships" xmlns:p="http://schemas.openxmlformats.org/presentationml/2006/main">
+  <p:cSld>
+    <p:spTree>
+      <p:nvGrpSpPr>
+        <p:cNvPr id="1" name=""/>
+        <p:cNvGrpSpPr/>
+        <p:nvPr/>
+      </p:nvGrpSpPr>
+      <p:grpSpPr>
+        <a:xfrm>
+          <a:off x="0" y="0"/>
+          <a:ext cx="0" cy="0"/>
+          <a:chOff x="0" y="0"/>
+          <a:chExt cx="0" cy="0"/>
+        </a:xfrm>
+      </p:grpSpPr>
+      <p:sp>
+        <p:nvSpPr>
+          <p:cNvPr id="2" name="标题 1"/>
+          <p:cNvSpPr>
+            <a:spLocks noGrp="1"/>
+          </p:cNvSpPr>
+          <p:nvPr>
+            <p:ph type="title"/>
+          </p:nvPr>
+        </p:nvSpPr>
+        <p:spPr/>
+        <p:txBody>
+          <a:bodyPr/>
+          <a:lstStyle/>
+          <a:p>
+            <a:endParaRPr lang="zh-CN" altLang="en-US"/>
+          </a:p>
+        </p:txBody>
+      </p:sp>
+      <p:pic>
+        <p:nvPicPr>
+          <p:cNvPr id="4" name="内容占位符 3" descr="屏幕剪辑"/>
+          <p:cNvPicPr>
+            <a:picLocks noGrp="1" noChangeAspect="1"/>
+          </p:cNvPicPr>
+          <p:nvPr>
+            <p:ph idx="1"/>
+          </p:nvPr>
+        </p:nvPicPr>
+        <p:blipFill>
+          <a:blip r:embed="rId2">
+            <a:extLst>
+              <a:ext uri="{28A0092B-C50C-407E-A947-70E740481C1C}">
+                <a14:useLocalDpi xmlns:a14="http://schemas.microsoft.com/office/drawing/2010/main" val="0"/>
+              </a:ext>
+            </a:extLst>
+          </a:blip>
+          <a:stretch>
+            <a:fillRect/>
+          </a:stretch>
+        </p:blipFill>
+        <p:spPr>
+          <a:xfrm>
+            <a:off x="1382243" y="449208"/>
+            <a:ext cx="8978915" cy="5811838"/>
+          </a:xfrm>
+        </p:spPr>
+      </p:pic>
+    </p:spTree>
+    <p:extLst>
+      <p:ext uri="{BB962C8B-B14F-4D97-AF65-F5344CB8AC3E}">
+        <p14:creationId xmlns:p14="http://schemas.microsoft.com/office/powerpoint/2010/main" val="3356920624"/>
+      </p:ext>
+    </p:extLst>
+  </p:cSld>
+  <p:clrMapOvr>
+    <a:masterClrMapping/>
+  </p:clrMapOvr>
+  <mc:AlternateContent xmlns:mc="http://schemas.openxmlformats.org/markup-compatibility/2006" xmlns:p14="http://schemas.microsoft.com/office/powerpoint/2010/main">
+    <mc:Choice Requires="p14">
+      <p:transition spd="slow" p14:dur="2000"/>
+    </mc:Choice>
+    <mc:Fallback xmlns="">
+      <p:transition spd="slow"/>
     </mc:Fallback>
   </mc:AlternateContent>
   <p:timing>
@@ -6595,6 +7043,30 @@
             <a:r>
               <a:rPr lang="zh-CN" altLang="en-US" dirty="0" smtClean="0"/>
               <a:t>矩阵</a:t>
+            </a:r>
+            <a:r>
+              <a:rPr lang="en-US" altLang="zh-CN" dirty="0" smtClean="0"/>
+              <a:t>&amp;</a:t>
+            </a:r>
+            <a:r>
+              <a:rPr lang="zh-CN" altLang="en-US" dirty="0" smtClean="0"/>
+              <a:t>泳道图</a:t>
+            </a:r>
+            <a:r>
+              <a:rPr lang="en-US" altLang="zh-CN" dirty="0" smtClean="0"/>
+              <a:t>&amp;</a:t>
+            </a:r>
+            <a:r>
+              <a:rPr lang="zh-CN" altLang="en-US" dirty="0" smtClean="0"/>
+              <a:t>业务流程图</a:t>
+            </a:r>
+            <a:r>
+              <a:rPr lang="en-US" altLang="zh-CN" dirty="0" smtClean="0"/>
+              <a:t>&amp;ER</a:t>
+            </a:r>
+            <a:r>
+              <a:rPr lang="zh-CN" altLang="en-US" dirty="0" smtClean="0"/>
+              <a:t>图</a:t>
             </a:r>
             <a:endParaRPr lang="en-US" altLang="zh-CN" dirty="0" smtClean="0"/>
           </a:p>
@@ -7528,6 +8000,964 @@
     <p:bldLst>
       <p:bldP spid="3" grpId="0" uiExpand="1" build="p"/>
     </p:bldLst>
+  </p:timing>
+</p:sld>
+</file>
+
+<file path=ppt/slides/slide20.xml><?xml version="1.0" encoding="utf-8"?>
+<p:sld xmlns:a="http://schemas.openxmlformats.org/drawingml/2006/main" xmlns:r="http://schemas.openxmlformats.org/officeDocument/2006/relationships" xmlns:p="http://schemas.openxmlformats.org/presentationml/2006/main">
+  <p:cSld>
+    <p:spTree>
+      <p:nvGrpSpPr>
+        <p:cNvPr id="1" name=""/>
+        <p:cNvGrpSpPr/>
+        <p:nvPr/>
+      </p:nvGrpSpPr>
+      <p:grpSpPr>
+        <a:xfrm>
+          <a:off x="0" y="0"/>
+          <a:ext cx="0" cy="0"/>
+          <a:chOff x="0" y="0"/>
+          <a:chExt cx="0" cy="0"/>
+        </a:xfrm>
+      </p:grpSpPr>
+      <p:sp>
+        <p:nvSpPr>
+          <p:cNvPr id="2" name="标题 1"/>
+          <p:cNvSpPr>
+            <a:spLocks noGrp="1"/>
+          </p:cNvSpPr>
+          <p:nvPr>
+            <p:ph type="title"/>
+          </p:nvPr>
+        </p:nvSpPr>
+        <p:spPr/>
+        <p:txBody>
+          <a:bodyPr/>
+          <a:lstStyle/>
+          <a:p>
+            <a:endParaRPr lang="zh-CN" altLang="en-US"/>
+          </a:p>
+        </p:txBody>
+      </p:sp>
+      <p:pic>
+        <p:nvPicPr>
+          <p:cNvPr id="4" name="内容占位符 3" descr="屏幕剪辑"/>
+          <p:cNvPicPr>
+            <a:picLocks noGrp="1" noChangeAspect="1"/>
+          </p:cNvPicPr>
+          <p:nvPr>
+            <p:ph idx="1"/>
+          </p:nvPr>
+        </p:nvPicPr>
+        <p:blipFill>
+          <a:blip r:embed="rId2">
+            <a:extLst>
+              <a:ext uri="{28A0092B-C50C-407E-A947-70E740481C1C}">
+                <a14:useLocalDpi xmlns:a14="http://schemas.microsoft.com/office/drawing/2010/main" val="0"/>
+              </a:ext>
+            </a:extLst>
+          </a:blip>
+          <a:stretch>
+            <a:fillRect/>
+          </a:stretch>
+        </p:blipFill>
+        <p:spPr>
+          <a:xfrm>
+            <a:off x="1801700" y="365125"/>
+            <a:ext cx="8316748" cy="5725018"/>
+          </a:xfrm>
+        </p:spPr>
+      </p:pic>
+    </p:spTree>
+    <p:extLst>
+      <p:ext uri="{BB962C8B-B14F-4D97-AF65-F5344CB8AC3E}">
+        <p14:creationId xmlns:p14="http://schemas.microsoft.com/office/powerpoint/2010/main" val="3648486886"/>
+      </p:ext>
+    </p:extLst>
+  </p:cSld>
+  <p:clrMapOvr>
+    <a:masterClrMapping/>
+  </p:clrMapOvr>
+  <mc:AlternateContent xmlns:mc="http://schemas.openxmlformats.org/markup-compatibility/2006" xmlns:p14="http://schemas.microsoft.com/office/powerpoint/2010/main">
+    <mc:Choice Requires="p14">
+      <p:transition spd="slow" p14:dur="2000"/>
+    </mc:Choice>
+    <mc:Fallback xmlns="">
+      <p:transition spd="slow"/>
+    </mc:Fallback>
+  </mc:AlternateContent>
+  <p:timing>
+    <p:tnLst>
+      <p:par>
+        <p:cTn id="1" dur="indefinite" restart="never" nodeType="tmRoot"/>
+      </p:par>
+    </p:tnLst>
+  </p:timing>
+</p:sld>
+</file>
+
+<file path=ppt/slides/slide21.xml><?xml version="1.0" encoding="utf-8"?>
+<p:sld xmlns:a="http://schemas.openxmlformats.org/drawingml/2006/main" xmlns:r="http://schemas.openxmlformats.org/officeDocument/2006/relationships" xmlns:p="http://schemas.openxmlformats.org/presentationml/2006/main">
+  <p:cSld>
+    <p:spTree>
+      <p:nvGrpSpPr>
+        <p:cNvPr id="1" name=""/>
+        <p:cNvGrpSpPr/>
+        <p:nvPr/>
+      </p:nvGrpSpPr>
+      <p:grpSpPr>
+        <a:xfrm>
+          <a:off x="0" y="0"/>
+          <a:ext cx="0" cy="0"/>
+          <a:chOff x="0" y="0"/>
+          <a:chExt cx="0" cy="0"/>
+        </a:xfrm>
+      </p:grpSpPr>
+      <p:sp>
+        <p:nvSpPr>
+          <p:cNvPr id="2" name="标题 1"/>
+          <p:cNvSpPr>
+            <a:spLocks noGrp="1"/>
+          </p:cNvSpPr>
+          <p:nvPr>
+            <p:ph type="title"/>
+          </p:nvPr>
+        </p:nvSpPr>
+        <p:spPr/>
+        <p:txBody>
+          <a:bodyPr/>
+          <a:lstStyle/>
+          <a:p>
+            <a:endParaRPr lang="zh-CN" altLang="en-US"/>
+          </a:p>
+        </p:txBody>
+      </p:sp>
+      <p:pic>
+        <p:nvPicPr>
+          <p:cNvPr id="4" name="内容占位符 3" descr="屏幕剪辑"/>
+          <p:cNvPicPr>
+            <a:picLocks noGrp="1" noChangeAspect="1"/>
+          </p:cNvPicPr>
+          <p:nvPr>
+            <p:ph idx="1"/>
+          </p:nvPr>
+        </p:nvPicPr>
+        <p:blipFill>
+          <a:blip r:embed="rId2">
+            <a:extLst>
+              <a:ext uri="{28A0092B-C50C-407E-A947-70E740481C1C}">
+                <a14:useLocalDpi xmlns:a14="http://schemas.microsoft.com/office/drawing/2010/main" val="0"/>
+              </a:ext>
+            </a:extLst>
+          </a:blip>
+          <a:stretch>
+            <a:fillRect/>
+          </a:stretch>
+        </p:blipFill>
+        <p:spPr>
+          <a:xfrm>
+            <a:off x="2167929" y="365125"/>
+            <a:ext cx="7856141" cy="5819072"/>
+          </a:xfrm>
+        </p:spPr>
+      </p:pic>
+    </p:spTree>
+    <p:extLst>
+      <p:ext uri="{BB962C8B-B14F-4D97-AF65-F5344CB8AC3E}">
+        <p14:creationId xmlns:p14="http://schemas.microsoft.com/office/powerpoint/2010/main" val="4236866518"/>
+      </p:ext>
+    </p:extLst>
+  </p:cSld>
+  <p:clrMapOvr>
+    <a:masterClrMapping/>
+  </p:clrMapOvr>
+  <mc:AlternateContent xmlns:mc="http://schemas.openxmlformats.org/markup-compatibility/2006" xmlns:p14="http://schemas.microsoft.com/office/powerpoint/2010/main">
+    <mc:Choice Requires="p14">
+      <p:transition spd="slow" p14:dur="2000"/>
+    </mc:Choice>
+    <mc:Fallback xmlns="">
+      <p:transition spd="slow"/>
+    </mc:Fallback>
+  </mc:AlternateContent>
+  <p:timing>
+    <p:tnLst>
+      <p:par>
+        <p:cTn id="1" dur="indefinite" restart="never" nodeType="tmRoot"/>
+      </p:par>
+    </p:tnLst>
+  </p:timing>
+</p:sld>
+</file>
+
+<file path=ppt/slides/slide22.xml><?xml version="1.0" encoding="utf-8"?>
+<p:sld xmlns:a="http://schemas.openxmlformats.org/drawingml/2006/main" xmlns:r="http://schemas.openxmlformats.org/officeDocument/2006/relationships" xmlns:p="http://schemas.openxmlformats.org/presentationml/2006/main">
+  <p:cSld>
+    <p:spTree>
+      <p:nvGrpSpPr>
+        <p:cNvPr id="1" name=""/>
+        <p:cNvGrpSpPr/>
+        <p:nvPr/>
+      </p:nvGrpSpPr>
+      <p:grpSpPr>
+        <a:xfrm>
+          <a:off x="0" y="0"/>
+          <a:ext cx="0" cy="0"/>
+          <a:chOff x="0" y="0"/>
+          <a:chExt cx="0" cy="0"/>
+        </a:xfrm>
+      </p:grpSpPr>
+      <p:sp>
+        <p:nvSpPr>
+          <p:cNvPr id="2" name="标题 1"/>
+          <p:cNvSpPr>
+            <a:spLocks noGrp="1"/>
+          </p:cNvSpPr>
+          <p:nvPr>
+            <p:ph type="title"/>
+          </p:nvPr>
+        </p:nvSpPr>
+        <p:spPr/>
+        <p:txBody>
+          <a:bodyPr/>
+          <a:lstStyle/>
+          <a:p>
+            <a:endParaRPr lang="zh-CN" altLang="en-US"/>
+          </a:p>
+        </p:txBody>
+      </p:sp>
+      <p:pic>
+        <p:nvPicPr>
+          <p:cNvPr id="4" name="内容占位符 3" descr="屏幕剪辑"/>
+          <p:cNvPicPr>
+            <a:picLocks noGrp="1" noChangeAspect="1"/>
+          </p:cNvPicPr>
+          <p:nvPr>
+            <p:ph idx="1"/>
+          </p:nvPr>
+        </p:nvPicPr>
+        <p:blipFill>
+          <a:blip r:embed="rId2">
+            <a:extLst>
+              <a:ext uri="{28A0092B-C50C-407E-A947-70E740481C1C}">
+                <a14:useLocalDpi xmlns:a14="http://schemas.microsoft.com/office/drawing/2010/main" val="0"/>
+              </a:ext>
+            </a:extLst>
+          </a:blip>
+          <a:stretch>
+            <a:fillRect/>
+          </a:stretch>
+        </p:blipFill>
+        <p:spPr>
+          <a:xfrm>
+            <a:off x="3122998" y="1825625"/>
+            <a:ext cx="5946004" cy="4351338"/>
+          </a:xfrm>
+        </p:spPr>
+      </p:pic>
+    </p:spTree>
+    <p:extLst>
+      <p:ext uri="{BB962C8B-B14F-4D97-AF65-F5344CB8AC3E}">
+        <p14:creationId xmlns:p14="http://schemas.microsoft.com/office/powerpoint/2010/main" val="370053841"/>
+      </p:ext>
+    </p:extLst>
+  </p:cSld>
+  <p:clrMapOvr>
+    <a:masterClrMapping/>
+  </p:clrMapOvr>
+  <mc:AlternateContent xmlns:mc="http://schemas.openxmlformats.org/markup-compatibility/2006" xmlns:p14="http://schemas.microsoft.com/office/powerpoint/2010/main">
+    <mc:Choice Requires="p14">
+      <p:transition spd="slow" p14:dur="2000"/>
+    </mc:Choice>
+    <mc:Fallback xmlns="">
+      <p:transition spd="slow"/>
+    </mc:Fallback>
+  </mc:AlternateContent>
+  <p:timing>
+    <p:tnLst>
+      <p:par>
+        <p:cTn id="1" dur="indefinite" restart="never" nodeType="tmRoot"/>
+      </p:par>
+    </p:tnLst>
+  </p:timing>
+</p:sld>
+</file>
+
+<file path=ppt/slides/slide23.xml><?xml version="1.0" encoding="utf-8"?>
+<p:sld xmlns:a="http://schemas.openxmlformats.org/drawingml/2006/main" xmlns:r="http://schemas.openxmlformats.org/officeDocument/2006/relationships" xmlns:p="http://schemas.openxmlformats.org/presentationml/2006/main">
+  <p:cSld>
+    <p:spTree>
+      <p:nvGrpSpPr>
+        <p:cNvPr id="1" name=""/>
+        <p:cNvGrpSpPr/>
+        <p:nvPr/>
+      </p:nvGrpSpPr>
+      <p:grpSpPr>
+        <a:xfrm>
+          <a:off x="0" y="0"/>
+          <a:ext cx="0" cy="0"/>
+          <a:chOff x="0" y="0"/>
+          <a:chExt cx="0" cy="0"/>
+        </a:xfrm>
+      </p:grpSpPr>
+      <p:sp>
+        <p:nvSpPr>
+          <p:cNvPr id="2" name="标题 1"/>
+          <p:cNvSpPr>
+            <a:spLocks noGrp="1"/>
+          </p:cNvSpPr>
+          <p:nvPr>
+            <p:ph type="title"/>
+          </p:nvPr>
+        </p:nvSpPr>
+        <p:spPr/>
+        <p:txBody>
+          <a:bodyPr/>
+          <a:lstStyle/>
+          <a:p>
+            <a:endParaRPr lang="zh-CN" altLang="en-US"/>
+          </a:p>
+        </p:txBody>
+      </p:sp>
+      <p:pic>
+        <p:nvPicPr>
+          <p:cNvPr id="4" name="内容占位符 3" descr="屏幕剪辑"/>
+          <p:cNvPicPr>
+            <a:picLocks noGrp="1" noChangeAspect="1"/>
+          </p:cNvPicPr>
+          <p:nvPr>
+            <p:ph idx="1"/>
+          </p:nvPr>
+        </p:nvPicPr>
+        <p:blipFill>
+          <a:blip r:embed="rId2">
+            <a:extLst>
+              <a:ext uri="{28A0092B-C50C-407E-A947-70E740481C1C}">
+                <a14:useLocalDpi xmlns:a14="http://schemas.microsoft.com/office/drawing/2010/main" val="0"/>
+              </a:ext>
+            </a:extLst>
+          </a:blip>
+          <a:stretch>
+            <a:fillRect/>
+          </a:stretch>
+        </p:blipFill>
+        <p:spPr>
+          <a:xfrm>
+            <a:off x="3304004" y="1825625"/>
+            <a:ext cx="5583991" cy="4351338"/>
+          </a:xfrm>
+        </p:spPr>
+      </p:pic>
+    </p:spTree>
+    <p:extLst>
+      <p:ext uri="{BB962C8B-B14F-4D97-AF65-F5344CB8AC3E}">
+        <p14:creationId xmlns:p14="http://schemas.microsoft.com/office/powerpoint/2010/main" val="2869111385"/>
+      </p:ext>
+    </p:extLst>
+  </p:cSld>
+  <p:clrMapOvr>
+    <a:masterClrMapping/>
+  </p:clrMapOvr>
+  <mc:AlternateContent xmlns:mc="http://schemas.openxmlformats.org/markup-compatibility/2006" xmlns:p14="http://schemas.microsoft.com/office/powerpoint/2010/main">
+    <mc:Choice Requires="p14">
+      <p:transition spd="slow" p14:dur="2000"/>
+    </mc:Choice>
+    <mc:Fallback xmlns="">
+      <p:transition spd="slow"/>
+    </mc:Fallback>
+  </mc:AlternateContent>
+  <p:timing>
+    <p:tnLst>
+      <p:par>
+        <p:cTn id="1" dur="indefinite" restart="never" nodeType="tmRoot"/>
+      </p:par>
+    </p:tnLst>
+  </p:timing>
+</p:sld>
+</file>
+
+<file path=ppt/slides/slide24.xml><?xml version="1.0" encoding="utf-8"?>
+<p:sld xmlns:a="http://schemas.openxmlformats.org/drawingml/2006/main" xmlns:r="http://schemas.openxmlformats.org/officeDocument/2006/relationships" xmlns:p="http://schemas.openxmlformats.org/presentationml/2006/main">
+  <p:cSld>
+    <p:spTree>
+      <p:nvGrpSpPr>
+        <p:cNvPr id="1" name=""/>
+        <p:cNvGrpSpPr/>
+        <p:nvPr/>
+      </p:nvGrpSpPr>
+      <p:grpSpPr>
+        <a:xfrm>
+          <a:off x="0" y="0"/>
+          <a:ext cx="0" cy="0"/>
+          <a:chOff x="0" y="0"/>
+          <a:chExt cx="0" cy="0"/>
+        </a:xfrm>
+      </p:grpSpPr>
+      <p:sp>
+        <p:nvSpPr>
+          <p:cNvPr id="2" name="标题 1"/>
+          <p:cNvSpPr>
+            <a:spLocks noGrp="1"/>
+          </p:cNvSpPr>
+          <p:nvPr>
+            <p:ph type="title"/>
+          </p:nvPr>
+        </p:nvSpPr>
+        <p:spPr/>
+        <p:txBody>
+          <a:bodyPr/>
+          <a:lstStyle/>
+          <a:p>
+            <a:endParaRPr lang="zh-CN" altLang="en-US"/>
+          </a:p>
+        </p:txBody>
+      </p:sp>
+      <p:pic>
+        <p:nvPicPr>
+          <p:cNvPr id="4" name="内容占位符 3" descr="屏幕剪辑"/>
+          <p:cNvPicPr>
+            <a:picLocks noGrp="1" noChangeAspect="1"/>
+          </p:cNvPicPr>
+          <p:nvPr>
+            <p:ph idx="1"/>
+          </p:nvPr>
+        </p:nvPicPr>
+        <p:blipFill>
+          <a:blip r:embed="rId2">
+            <a:extLst>
+              <a:ext uri="{28A0092B-C50C-407E-A947-70E740481C1C}">
+                <a14:useLocalDpi xmlns:a14="http://schemas.microsoft.com/office/drawing/2010/main" val="0"/>
+              </a:ext>
+            </a:extLst>
+          </a:blip>
+          <a:stretch>
+            <a:fillRect/>
+          </a:stretch>
+        </p:blipFill>
+        <p:spPr>
+          <a:xfrm>
+            <a:off x="2866340" y="1825625"/>
+            <a:ext cx="6459319" cy="4351338"/>
+          </a:xfrm>
+        </p:spPr>
+      </p:pic>
+    </p:spTree>
+    <p:extLst>
+      <p:ext uri="{BB962C8B-B14F-4D97-AF65-F5344CB8AC3E}">
+        <p14:creationId xmlns:p14="http://schemas.microsoft.com/office/powerpoint/2010/main" val="1765231865"/>
+      </p:ext>
+    </p:extLst>
+  </p:cSld>
+  <p:clrMapOvr>
+    <a:masterClrMapping/>
+  </p:clrMapOvr>
+  <mc:AlternateContent xmlns:mc="http://schemas.openxmlformats.org/markup-compatibility/2006" xmlns:p14="http://schemas.microsoft.com/office/powerpoint/2010/main">
+    <mc:Choice Requires="p14">
+      <p:transition spd="slow" p14:dur="2000"/>
+    </mc:Choice>
+    <mc:Fallback xmlns="">
+      <p:transition spd="slow"/>
+    </mc:Fallback>
+  </mc:AlternateContent>
+  <p:timing>
+    <p:tnLst>
+      <p:par>
+        <p:cTn id="1" dur="indefinite" restart="never" nodeType="tmRoot"/>
+      </p:par>
+    </p:tnLst>
+  </p:timing>
+</p:sld>
+</file>
+
+<file path=ppt/slides/slide25.xml><?xml version="1.0" encoding="utf-8"?>
+<p:sld xmlns:a="http://schemas.openxmlformats.org/drawingml/2006/main" xmlns:r="http://schemas.openxmlformats.org/officeDocument/2006/relationships" xmlns:p="http://schemas.openxmlformats.org/presentationml/2006/main">
+  <p:cSld>
+    <p:spTree>
+      <p:nvGrpSpPr>
+        <p:cNvPr id="1" name=""/>
+        <p:cNvGrpSpPr/>
+        <p:nvPr/>
+      </p:nvGrpSpPr>
+      <p:grpSpPr>
+        <a:xfrm>
+          <a:off x="0" y="0"/>
+          <a:ext cx="0" cy="0"/>
+          <a:chOff x="0" y="0"/>
+          <a:chExt cx="0" cy="0"/>
+        </a:xfrm>
+      </p:grpSpPr>
+      <p:sp>
+        <p:nvSpPr>
+          <p:cNvPr id="2" name="标题 1"/>
+          <p:cNvSpPr>
+            <a:spLocks noGrp="1"/>
+          </p:cNvSpPr>
+          <p:nvPr>
+            <p:ph type="title"/>
+          </p:nvPr>
+        </p:nvSpPr>
+        <p:spPr/>
+        <p:txBody>
+          <a:bodyPr/>
+          <a:lstStyle/>
+          <a:p>
+            <a:endParaRPr lang="zh-CN" altLang="en-US"/>
+          </a:p>
+        </p:txBody>
+      </p:sp>
+      <p:pic>
+        <p:nvPicPr>
+          <p:cNvPr id="4" name="内容占位符 3" descr="屏幕剪辑"/>
+          <p:cNvPicPr>
+            <a:picLocks noGrp="1" noChangeAspect="1"/>
+          </p:cNvPicPr>
+          <p:nvPr>
+            <p:ph idx="1"/>
+          </p:nvPr>
+        </p:nvPicPr>
+        <p:blipFill>
+          <a:blip r:embed="rId2">
+            <a:extLst>
+              <a:ext uri="{28A0092B-C50C-407E-A947-70E740481C1C}">
+                <a14:useLocalDpi xmlns:a14="http://schemas.microsoft.com/office/drawing/2010/main" val="0"/>
+              </a:ext>
+            </a:extLst>
+          </a:blip>
+          <a:stretch>
+            <a:fillRect/>
+          </a:stretch>
+        </p:blipFill>
+        <p:spPr>
+          <a:xfrm>
+            <a:off x="2349641" y="1825625"/>
+            <a:ext cx="7492718" cy="4351338"/>
+          </a:xfrm>
+        </p:spPr>
+      </p:pic>
+    </p:spTree>
+    <p:extLst>
+      <p:ext uri="{BB962C8B-B14F-4D97-AF65-F5344CB8AC3E}">
+        <p14:creationId xmlns:p14="http://schemas.microsoft.com/office/powerpoint/2010/main" val="1693673254"/>
+      </p:ext>
+    </p:extLst>
+  </p:cSld>
+  <p:clrMapOvr>
+    <a:masterClrMapping/>
+  </p:clrMapOvr>
+  <mc:AlternateContent xmlns:mc="http://schemas.openxmlformats.org/markup-compatibility/2006" xmlns:p14="http://schemas.microsoft.com/office/powerpoint/2010/main">
+    <mc:Choice Requires="p14">
+      <p:transition spd="slow" p14:dur="2000"/>
+    </mc:Choice>
+    <mc:Fallback xmlns="">
+      <p:transition spd="slow"/>
+    </mc:Fallback>
+  </mc:AlternateContent>
+  <p:timing>
+    <p:tnLst>
+      <p:par>
+        <p:cTn id="1" dur="indefinite" restart="never" nodeType="tmRoot"/>
+      </p:par>
+    </p:tnLst>
+  </p:timing>
+</p:sld>
+</file>
+
+<file path=ppt/slides/slide26.xml><?xml version="1.0" encoding="utf-8"?>
+<p:sld xmlns:a="http://schemas.openxmlformats.org/drawingml/2006/main" xmlns:r="http://schemas.openxmlformats.org/officeDocument/2006/relationships" xmlns:p="http://schemas.openxmlformats.org/presentationml/2006/main">
+  <p:cSld>
+    <p:spTree>
+      <p:nvGrpSpPr>
+        <p:cNvPr id="1" name=""/>
+        <p:cNvGrpSpPr/>
+        <p:nvPr/>
+      </p:nvGrpSpPr>
+      <p:grpSpPr>
+        <a:xfrm>
+          <a:off x="0" y="0"/>
+          <a:ext cx="0" cy="0"/>
+          <a:chOff x="0" y="0"/>
+          <a:chExt cx="0" cy="0"/>
+        </a:xfrm>
+      </p:grpSpPr>
+      <p:sp>
+        <p:nvSpPr>
+          <p:cNvPr id="2" name="标题 1"/>
+          <p:cNvSpPr>
+            <a:spLocks noGrp="1"/>
+          </p:cNvSpPr>
+          <p:nvPr>
+            <p:ph type="title"/>
+          </p:nvPr>
+        </p:nvSpPr>
+        <p:spPr/>
+        <p:txBody>
+          <a:bodyPr/>
+          <a:lstStyle/>
+          <a:p>
+            <a:endParaRPr lang="zh-CN" altLang="en-US" dirty="0"/>
+          </a:p>
+        </p:txBody>
+      </p:sp>
+      <p:pic>
+        <p:nvPicPr>
+          <p:cNvPr id="4" name="内容占位符 3" descr="屏幕剪辑"/>
+          <p:cNvPicPr>
+            <a:picLocks noGrp="1" noChangeAspect="1"/>
+          </p:cNvPicPr>
+          <p:nvPr>
+            <p:ph idx="1"/>
+          </p:nvPr>
+        </p:nvPicPr>
+        <p:blipFill>
+          <a:blip r:embed="rId2">
+            <a:extLst>
+              <a:ext uri="{28A0092B-C50C-407E-A947-70E740481C1C}">
+                <a14:useLocalDpi xmlns:a14="http://schemas.microsoft.com/office/drawing/2010/main" val="0"/>
+              </a:ext>
+            </a:extLst>
+          </a:blip>
+          <a:stretch>
+            <a:fillRect/>
+          </a:stretch>
+        </p:blipFill>
+        <p:spPr>
+          <a:xfrm>
+            <a:off x="2434626" y="777766"/>
+            <a:ext cx="7322747" cy="5336135"/>
+          </a:xfrm>
+        </p:spPr>
+      </p:pic>
+    </p:spTree>
+    <p:extLst>
+      <p:ext uri="{BB962C8B-B14F-4D97-AF65-F5344CB8AC3E}">
+        <p14:creationId xmlns:p14="http://schemas.microsoft.com/office/powerpoint/2010/main" val="2126086581"/>
+      </p:ext>
+    </p:extLst>
+  </p:cSld>
+  <p:clrMapOvr>
+    <a:masterClrMapping/>
+  </p:clrMapOvr>
+  <mc:AlternateContent xmlns:mc="http://schemas.openxmlformats.org/markup-compatibility/2006" xmlns:p14="http://schemas.microsoft.com/office/powerpoint/2010/main">
+    <mc:Choice Requires="p14">
+      <p:transition spd="slow" p14:dur="2000"/>
+    </mc:Choice>
+    <mc:Fallback xmlns="">
+      <p:transition spd="slow"/>
+    </mc:Fallback>
+  </mc:AlternateContent>
+  <p:timing>
+    <p:tnLst>
+      <p:par>
+        <p:cTn id="1" dur="indefinite" restart="never" nodeType="tmRoot"/>
+      </p:par>
+    </p:tnLst>
+  </p:timing>
+</p:sld>
+</file>
+
+<file path=ppt/slides/slide27.xml><?xml version="1.0" encoding="utf-8"?>
+<p:sld xmlns:a="http://schemas.openxmlformats.org/drawingml/2006/main" xmlns:r="http://schemas.openxmlformats.org/officeDocument/2006/relationships" xmlns:p="http://schemas.openxmlformats.org/presentationml/2006/main">
+  <p:cSld>
+    <p:spTree>
+      <p:nvGrpSpPr>
+        <p:cNvPr id="1" name=""/>
+        <p:cNvGrpSpPr/>
+        <p:nvPr/>
+      </p:nvGrpSpPr>
+      <p:grpSpPr>
+        <a:xfrm>
+          <a:off x="0" y="0"/>
+          <a:ext cx="0" cy="0"/>
+          <a:chOff x="0" y="0"/>
+          <a:chExt cx="0" cy="0"/>
+        </a:xfrm>
+      </p:grpSpPr>
+      <p:sp>
+        <p:nvSpPr>
+          <p:cNvPr id="2" name="标题 1"/>
+          <p:cNvSpPr>
+            <a:spLocks noGrp="1"/>
+          </p:cNvSpPr>
+          <p:nvPr>
+            <p:ph type="title"/>
+          </p:nvPr>
+        </p:nvSpPr>
+        <p:spPr/>
+        <p:txBody>
+          <a:bodyPr/>
+          <a:lstStyle/>
+          <a:p>
+            <a:endParaRPr lang="zh-CN" altLang="en-US"/>
+          </a:p>
+        </p:txBody>
+      </p:sp>
+      <p:pic>
+        <p:nvPicPr>
+          <p:cNvPr id="4" name="内容占位符 3" descr="屏幕剪辑"/>
+          <p:cNvPicPr>
+            <a:picLocks noGrp="1" noChangeAspect="1"/>
+          </p:cNvPicPr>
+          <p:nvPr>
+            <p:ph idx="1"/>
+          </p:nvPr>
+        </p:nvPicPr>
+        <p:blipFill>
+          <a:blip r:embed="rId2">
+            <a:extLst>
+              <a:ext uri="{28A0092B-C50C-407E-A947-70E740481C1C}">
+                <a14:useLocalDpi xmlns:a14="http://schemas.microsoft.com/office/drawing/2010/main" val="0"/>
+              </a:ext>
+            </a:extLst>
+          </a:blip>
+          <a:stretch>
+            <a:fillRect/>
+          </a:stretch>
+        </p:blipFill>
+        <p:spPr>
+          <a:xfrm>
+            <a:off x="3016470" y="1578804"/>
+            <a:ext cx="5462419" cy="3750736"/>
+          </a:xfrm>
+        </p:spPr>
+      </p:pic>
+    </p:spTree>
+    <p:extLst>
+      <p:ext uri="{BB962C8B-B14F-4D97-AF65-F5344CB8AC3E}">
+        <p14:creationId xmlns:p14="http://schemas.microsoft.com/office/powerpoint/2010/main" val="3024128652"/>
+      </p:ext>
+    </p:extLst>
+  </p:cSld>
+  <p:clrMapOvr>
+    <a:masterClrMapping/>
+  </p:clrMapOvr>
+  <mc:AlternateContent xmlns:mc="http://schemas.openxmlformats.org/markup-compatibility/2006" xmlns:p14="http://schemas.microsoft.com/office/powerpoint/2010/main">
+    <mc:Choice Requires="p14">
+      <p:transition spd="slow" p14:dur="2000"/>
+    </mc:Choice>
+    <mc:Fallback xmlns="">
+      <p:transition spd="slow"/>
+    </mc:Fallback>
+  </mc:AlternateContent>
+  <p:timing>
+    <p:tnLst>
+      <p:par>
+        <p:cTn id="1" dur="indefinite" restart="never" nodeType="tmRoot"/>
+      </p:par>
+    </p:tnLst>
+  </p:timing>
+</p:sld>
+</file>
+
+<file path=ppt/slides/slide28.xml><?xml version="1.0" encoding="utf-8"?>
+<p:sld xmlns:a="http://schemas.openxmlformats.org/drawingml/2006/main" xmlns:r="http://schemas.openxmlformats.org/officeDocument/2006/relationships" xmlns:p="http://schemas.openxmlformats.org/presentationml/2006/main">
+  <p:cSld>
+    <p:spTree>
+      <p:nvGrpSpPr>
+        <p:cNvPr id="1" name=""/>
+        <p:cNvGrpSpPr/>
+        <p:nvPr/>
+      </p:nvGrpSpPr>
+      <p:grpSpPr>
+        <a:xfrm>
+          <a:off x="0" y="0"/>
+          <a:ext cx="0" cy="0"/>
+          <a:chOff x="0" y="0"/>
+          <a:chExt cx="0" cy="0"/>
+        </a:xfrm>
+      </p:grpSpPr>
+      <p:sp>
+        <p:nvSpPr>
+          <p:cNvPr id="2" name="标题 1"/>
+          <p:cNvSpPr>
+            <a:spLocks noGrp="1"/>
+          </p:cNvSpPr>
+          <p:nvPr>
+            <p:ph type="title"/>
+          </p:nvPr>
+        </p:nvSpPr>
+        <p:spPr/>
+        <p:txBody>
+          <a:bodyPr/>
+          <a:lstStyle/>
+          <a:p>
+            <a:r>
+              <a:rPr lang="zh-CN" altLang="en-US" dirty="0" smtClean="0"/>
+              <a:t>实操界面</a:t>
+            </a:r>
+            <a:endParaRPr lang="zh-CN" altLang="en-US" dirty="0"/>
+          </a:p>
+        </p:txBody>
+      </p:sp>
+      <p:sp>
+        <p:nvSpPr>
+          <p:cNvPr id="3" name="内容占位符 2"/>
+          <p:cNvSpPr>
+            <a:spLocks noGrp="1"/>
+          </p:cNvSpPr>
+          <p:nvPr>
+            <p:ph idx="1"/>
+          </p:nvPr>
+        </p:nvSpPr>
+        <p:spPr/>
+        <p:txBody>
+          <a:bodyPr/>
+          <a:lstStyle/>
+          <a:p>
+            <a:r>
+              <a:rPr lang="zh-CN" altLang="en-US" dirty="0" smtClean="0"/>
+              <a:t>人才招募信用分</a:t>
+            </a:r>
+            <a:endParaRPr lang="en-US" altLang="zh-CN" dirty="0" smtClean="0"/>
+          </a:p>
+          <a:p>
+            <a:r>
+              <a:rPr lang="zh-CN" altLang="en-US" dirty="0" smtClean="0"/>
+              <a:t>贷款发放信用分</a:t>
+            </a:r>
+            <a:endParaRPr lang="en-US" altLang="zh-CN" dirty="0" smtClean="0"/>
+          </a:p>
+          <a:p>
+            <a:r>
+              <a:rPr lang="zh-CN" altLang="en-US" dirty="0" smtClean="0"/>
+              <a:t>个人信用分</a:t>
+            </a:r>
+            <a:endParaRPr lang="en-US" altLang="zh-CN" dirty="0" smtClean="0"/>
+          </a:p>
+        </p:txBody>
+      </p:sp>
+    </p:spTree>
+    <p:extLst>
+      <p:ext uri="{BB962C8B-B14F-4D97-AF65-F5344CB8AC3E}">
+        <p14:creationId xmlns:p14="http://schemas.microsoft.com/office/powerpoint/2010/main" val="2901097457"/>
+      </p:ext>
+    </p:extLst>
+  </p:cSld>
+  <p:clrMapOvr>
+    <a:masterClrMapping/>
+  </p:clrMapOvr>
+  <mc:AlternateContent xmlns:mc="http://schemas.openxmlformats.org/markup-compatibility/2006" xmlns:p14="http://schemas.microsoft.com/office/powerpoint/2010/main">
+    <mc:Choice Requires="p14">
+      <p:transition spd="slow" p14:dur="2000" advTm="55977"/>
+    </mc:Choice>
+    <mc:Fallback xmlns="">
+      <p:transition spd="slow" advTm="55977"/>
+    </mc:Fallback>
+  </mc:AlternateContent>
+  <p:timing>
+    <p:tnLst>
+      <p:par>
+        <p:cTn id="1" dur="indefinite" restart="never" nodeType="tmRoot"/>
+      </p:par>
+    </p:tnLst>
+  </p:timing>
+</p:sld>
+</file>
+
+<file path=ppt/slides/slide29.xml><?xml version="1.0" encoding="utf-8"?>
+<p:sld xmlns:a="http://schemas.openxmlformats.org/drawingml/2006/main" xmlns:r="http://schemas.openxmlformats.org/officeDocument/2006/relationships" xmlns:p="http://schemas.openxmlformats.org/presentationml/2006/main">
+  <p:cSld>
+    <p:spTree>
+      <p:nvGrpSpPr>
+        <p:cNvPr id="1" name=""/>
+        <p:cNvGrpSpPr/>
+        <p:nvPr/>
+      </p:nvGrpSpPr>
+      <p:grpSpPr>
+        <a:xfrm>
+          <a:off x="0" y="0"/>
+          <a:ext cx="0" cy="0"/>
+          <a:chOff x="0" y="0"/>
+          <a:chExt cx="0" cy="0"/>
+        </a:xfrm>
+      </p:grpSpPr>
+      <p:sp>
+        <p:nvSpPr>
+          <p:cNvPr id="2" name="标题 1"/>
+          <p:cNvSpPr>
+            <a:spLocks noGrp="1"/>
+          </p:cNvSpPr>
+          <p:nvPr>
+            <p:ph type="title"/>
+          </p:nvPr>
+        </p:nvSpPr>
+        <p:spPr/>
+        <p:txBody>
+          <a:bodyPr/>
+          <a:lstStyle/>
+          <a:p>
+            <a:r>
+              <a:rPr lang="zh-CN" altLang="en-US" dirty="0" smtClean="0"/>
+              <a:t>缺点与不足</a:t>
+            </a:r>
+            <a:r>
+              <a:rPr lang="en-US" altLang="zh-CN" dirty="0" smtClean="0"/>
+              <a:t>	</a:t>
+            </a:r>
+            <a:endParaRPr lang="zh-CN" altLang="en-US" dirty="0"/>
+          </a:p>
+        </p:txBody>
+      </p:sp>
+      <p:sp>
+        <p:nvSpPr>
+          <p:cNvPr id="3" name="内容占位符 2"/>
+          <p:cNvSpPr>
+            <a:spLocks noGrp="1"/>
+          </p:cNvSpPr>
+          <p:nvPr>
+            <p:ph idx="1"/>
+          </p:nvPr>
+        </p:nvSpPr>
+        <p:spPr/>
+        <p:txBody>
+          <a:bodyPr/>
+          <a:lstStyle/>
+          <a:p>
+            <a:r>
+              <a:rPr lang="zh-CN" altLang="en-US" dirty="0"/>
+              <a:t>有何吸引力</a:t>
+            </a:r>
+            <a:endParaRPr lang="en-US" altLang="zh-CN" dirty="0"/>
+          </a:p>
+          <a:p>
+            <a:r>
+              <a:rPr lang="zh-CN" altLang="en-US" dirty="0"/>
+              <a:t>有何惩罚措施</a:t>
+            </a:r>
+            <a:endParaRPr lang="en-US" altLang="zh-CN" dirty="0"/>
+          </a:p>
+          <a:p>
+            <a:r>
+              <a:rPr lang="zh-CN" altLang="en-US" dirty="0" smtClean="0"/>
+              <a:t>系统完整性有待提高</a:t>
+            </a:r>
+            <a:endParaRPr lang="zh-CN" altLang="en-US" dirty="0"/>
+          </a:p>
+        </p:txBody>
+      </p:sp>
+    </p:spTree>
+    <p:extLst>
+      <p:ext uri="{BB962C8B-B14F-4D97-AF65-F5344CB8AC3E}">
+        <p14:creationId xmlns:p14="http://schemas.microsoft.com/office/powerpoint/2010/main" val="4230878692"/>
+      </p:ext>
+    </p:extLst>
+  </p:cSld>
+  <p:clrMapOvr>
+    <a:masterClrMapping/>
+  </p:clrMapOvr>
+  <mc:AlternateContent xmlns:mc="http://schemas.openxmlformats.org/markup-compatibility/2006" xmlns:p14="http://schemas.microsoft.com/office/powerpoint/2010/main">
+    <mc:Choice Requires="p14">
+      <p:transition spd="slow" p14:dur="2000" advTm="22060"/>
+    </mc:Choice>
+    <mc:Fallback xmlns="">
+      <p:transition spd="slow" advTm="22060"/>
+    </mc:Fallback>
+  </mc:AlternateContent>
+  <p:timing>
+    <p:tnLst>
+      <p:par>
+        <p:cTn id="1" dur="indefinite" restart="never" nodeType="tmRoot"/>
+      </p:par>
+    </p:tnLst>
   </p:timing>
 </p:sld>
 </file>
